--- a/PHAN TICH DVCNT.pptx
+++ b/PHAN TICH DVCNT.pptx
@@ -11,7 +11,7 @@
     <p:sldId id="257" r:id="rId2"/>
     <p:sldId id="261" r:id="rId3"/>
     <p:sldId id="262" r:id="rId4"/>
-    <p:sldId id="263" r:id="rId5"/>
+    <p:sldId id="265" r:id="rId5"/>
     <p:sldId id="258" r:id="rId6"/>
     <p:sldId id="260" r:id="rId7"/>
   </p:sldIdLst>
@@ -151,327 +151,6 @@
         <c:barDir val="col"/>
         <c:grouping val="clustered"/>
         <c:varyColors val="0"/>
-        <c:ser>
-          <c:idx val="1"/>
-          <c:order val="0"/>
-          <c:tx>
-            <c:strRef>
-              <c:f>Sheet1!$C$1</c:f>
-              <c:strCache>
-                <c:ptCount val="1"/>
-                <c:pt idx="0">
-                  <c:v>VOL CIF ACTIVE</c:v>
-                </c:pt>
-              </c:strCache>
-            </c:strRef>
-          </c:tx>
-          <c:spPr>
-            <a:solidFill>
-              <a:schemeClr val="bg1">
-                <a:lumMod val="85000"/>
-              </a:schemeClr>
-            </a:solidFill>
-            <a:ln>
-              <a:solidFill>
-                <a:schemeClr val="bg1"/>
-              </a:solidFill>
-            </a:ln>
-            <a:effectLst/>
-          </c:spPr>
-          <c:invertIfNegative val="0"/>
-          <c:dPt>
-            <c:idx val="0"/>
-            <c:invertIfNegative val="0"/>
-            <c:bubble3D val="0"/>
-            <c:spPr>
-              <a:solidFill>
-                <a:srgbClr val="196847"/>
-              </a:solidFill>
-              <a:ln>
-                <a:solidFill>
-                  <a:schemeClr val="bg1"/>
-                </a:solidFill>
-              </a:ln>
-              <a:effectLst/>
-            </c:spPr>
-            <c:extLst>
-              <c:ext xmlns:c16="http://schemas.microsoft.com/office/drawing/2014/chart" uri="{C3380CC4-5D6E-409C-BE32-E72D297353CC}">
-                <c16:uniqueId val="{0000000C-85D9-4FE0-A19B-882951191D61}"/>
-              </c:ext>
-            </c:extLst>
-          </c:dPt>
-          <c:dPt>
-            <c:idx val="11"/>
-            <c:invertIfNegative val="0"/>
-            <c:bubble3D val="0"/>
-            <c:spPr>
-              <a:solidFill>
-                <a:srgbClr val="196847"/>
-              </a:solidFill>
-              <a:ln>
-                <a:solidFill>
-                  <a:schemeClr val="bg1"/>
-                </a:solidFill>
-              </a:ln>
-              <a:effectLst/>
-            </c:spPr>
-            <c:extLst>
-              <c:ext xmlns:c16="http://schemas.microsoft.com/office/drawing/2014/chart" uri="{C3380CC4-5D6E-409C-BE32-E72D297353CC}">
-                <c16:uniqueId val="{0000000B-85D9-4FE0-A19B-882951191D61}"/>
-              </c:ext>
-            </c:extLst>
-          </c:dPt>
-          <c:dLbls>
-            <c:dLbl>
-              <c:idx val="1"/>
-              <c:delete val="1"/>
-              <c:extLst>
-                <c:ext xmlns:c15="http://schemas.microsoft.com/office/drawing/2012/chart" uri="{CE6537A1-D6FC-4f65-9D91-7224C49458BB}"/>
-                <c:ext xmlns:c16="http://schemas.microsoft.com/office/drawing/2014/chart" uri="{C3380CC4-5D6E-409C-BE32-E72D297353CC}">
-                  <c16:uniqueId val="{00000001-85D9-4FE0-A19B-882951191D61}"/>
-                </c:ext>
-              </c:extLst>
-            </c:dLbl>
-            <c:dLbl>
-              <c:idx val="2"/>
-              <c:delete val="1"/>
-              <c:extLst>
-                <c:ext xmlns:c15="http://schemas.microsoft.com/office/drawing/2012/chart" uri="{CE6537A1-D6FC-4f65-9D91-7224C49458BB}"/>
-                <c:ext xmlns:c16="http://schemas.microsoft.com/office/drawing/2014/chart" uri="{C3380CC4-5D6E-409C-BE32-E72D297353CC}">
-                  <c16:uniqueId val="{00000002-85D9-4FE0-A19B-882951191D61}"/>
-                </c:ext>
-              </c:extLst>
-            </c:dLbl>
-            <c:dLbl>
-              <c:idx val="3"/>
-              <c:delete val="1"/>
-              <c:extLst>
-                <c:ext xmlns:c15="http://schemas.microsoft.com/office/drawing/2012/chart" uri="{CE6537A1-D6FC-4f65-9D91-7224C49458BB}"/>
-                <c:ext xmlns:c16="http://schemas.microsoft.com/office/drawing/2014/chart" uri="{C3380CC4-5D6E-409C-BE32-E72D297353CC}">
-                  <c16:uniqueId val="{00000003-85D9-4FE0-A19B-882951191D61}"/>
-                </c:ext>
-              </c:extLst>
-            </c:dLbl>
-            <c:dLbl>
-              <c:idx val="4"/>
-              <c:delete val="1"/>
-              <c:extLst>
-                <c:ext xmlns:c15="http://schemas.microsoft.com/office/drawing/2012/chart" uri="{CE6537A1-D6FC-4f65-9D91-7224C49458BB}"/>
-                <c:ext xmlns:c16="http://schemas.microsoft.com/office/drawing/2014/chart" uri="{C3380CC4-5D6E-409C-BE32-E72D297353CC}">
-                  <c16:uniqueId val="{00000004-85D9-4FE0-A19B-882951191D61}"/>
-                </c:ext>
-              </c:extLst>
-            </c:dLbl>
-            <c:dLbl>
-              <c:idx val="5"/>
-              <c:delete val="1"/>
-              <c:extLst>
-                <c:ext xmlns:c15="http://schemas.microsoft.com/office/drawing/2012/chart" uri="{CE6537A1-D6FC-4f65-9D91-7224C49458BB}"/>
-                <c:ext xmlns:c16="http://schemas.microsoft.com/office/drawing/2014/chart" uri="{C3380CC4-5D6E-409C-BE32-E72D297353CC}">
-                  <c16:uniqueId val="{00000005-85D9-4FE0-A19B-882951191D61}"/>
-                </c:ext>
-              </c:extLst>
-            </c:dLbl>
-            <c:dLbl>
-              <c:idx val="6"/>
-              <c:delete val="1"/>
-              <c:extLst>
-                <c:ext xmlns:c15="http://schemas.microsoft.com/office/drawing/2012/chart" uri="{CE6537A1-D6FC-4f65-9D91-7224C49458BB}"/>
-                <c:ext xmlns:c16="http://schemas.microsoft.com/office/drawing/2014/chart" uri="{C3380CC4-5D6E-409C-BE32-E72D297353CC}">
-                  <c16:uniqueId val="{00000006-85D9-4FE0-A19B-882951191D61}"/>
-                </c:ext>
-              </c:extLst>
-            </c:dLbl>
-            <c:dLbl>
-              <c:idx val="7"/>
-              <c:delete val="1"/>
-              <c:extLst>
-                <c:ext xmlns:c15="http://schemas.microsoft.com/office/drawing/2012/chart" uri="{CE6537A1-D6FC-4f65-9D91-7224C49458BB}"/>
-                <c:ext xmlns:c16="http://schemas.microsoft.com/office/drawing/2014/chart" uri="{C3380CC4-5D6E-409C-BE32-E72D297353CC}">
-                  <c16:uniqueId val="{00000007-85D9-4FE0-A19B-882951191D61}"/>
-                </c:ext>
-              </c:extLst>
-            </c:dLbl>
-            <c:dLbl>
-              <c:idx val="8"/>
-              <c:delete val="1"/>
-              <c:extLst>
-                <c:ext xmlns:c15="http://schemas.microsoft.com/office/drawing/2012/chart" uri="{CE6537A1-D6FC-4f65-9D91-7224C49458BB}"/>
-                <c:ext xmlns:c16="http://schemas.microsoft.com/office/drawing/2014/chart" uri="{C3380CC4-5D6E-409C-BE32-E72D297353CC}">
-                  <c16:uniqueId val="{00000008-85D9-4FE0-A19B-882951191D61}"/>
-                </c:ext>
-              </c:extLst>
-            </c:dLbl>
-            <c:dLbl>
-              <c:idx val="9"/>
-              <c:delete val="1"/>
-              <c:extLst>
-                <c:ext xmlns:c15="http://schemas.microsoft.com/office/drawing/2012/chart" uri="{CE6537A1-D6FC-4f65-9D91-7224C49458BB}"/>
-                <c:ext xmlns:c16="http://schemas.microsoft.com/office/drawing/2014/chart" uri="{C3380CC4-5D6E-409C-BE32-E72D297353CC}">
-                  <c16:uniqueId val="{00000009-85D9-4FE0-A19B-882951191D61}"/>
-                </c:ext>
-              </c:extLst>
-            </c:dLbl>
-            <c:dLbl>
-              <c:idx val="10"/>
-              <c:delete val="1"/>
-              <c:extLst>
-                <c:ext xmlns:c15="http://schemas.microsoft.com/office/drawing/2012/chart" uri="{CE6537A1-D6FC-4f65-9D91-7224C49458BB}"/>
-                <c:ext xmlns:c16="http://schemas.microsoft.com/office/drawing/2014/chart" uri="{C3380CC4-5D6E-409C-BE32-E72D297353CC}">
-                  <c16:uniqueId val="{0000000A-85D9-4FE0-A19B-882951191D61}"/>
-                </c:ext>
-              </c:extLst>
-            </c:dLbl>
-            <c:spPr>
-              <a:noFill/>
-              <a:ln>
-                <a:noFill/>
-              </a:ln>
-              <a:effectLst/>
-            </c:spPr>
-            <c:txPr>
-              <a:bodyPr rot="0" spcFirstLastPara="1" vertOverflow="ellipsis" vert="horz" wrap="square" lIns="38100" tIns="19050" rIns="38100" bIns="19050" anchor="ctr" anchorCtr="1">
-                <a:spAutoFit/>
-              </a:bodyPr>
-              <a:lstStyle/>
-              <a:p>
-                <a:pPr>
-                  <a:defRPr sz="1100" b="1" i="0" u="none" strike="noStrike" kern="1200" baseline="0">
-                    <a:solidFill>
-                      <a:srgbClr val="196847"/>
-                    </a:solidFill>
-                    <a:latin typeface="+mn-lt"/>
-                    <a:ea typeface="+mn-ea"/>
-                    <a:cs typeface="+mn-cs"/>
-                  </a:defRPr>
-                </a:pPr>
-                <a:endParaRPr lang="en-US"/>
-              </a:p>
-            </c:txPr>
-            <c:showLegendKey val="0"/>
-            <c:showVal val="1"/>
-            <c:showCatName val="0"/>
-            <c:showSerName val="0"/>
-            <c:showPercent val="0"/>
-            <c:showBubbleSize val="0"/>
-            <c:showLeaderLines val="0"/>
-            <c:extLst>
-              <c:ext xmlns:c15="http://schemas.microsoft.com/office/drawing/2012/chart" uri="{CE6537A1-D6FC-4f65-9D91-7224C49458BB}">
-                <c15:layout/>
-                <c15:showLeaderLines val="1"/>
-                <c15:leaderLines>
-                  <c:spPr>
-                    <a:ln w="9525" cap="flat" cmpd="sng" algn="ctr">
-                      <a:solidFill>
-                        <a:schemeClr val="tx1">
-                          <a:lumMod val="35000"/>
-                          <a:lumOff val="65000"/>
-                        </a:schemeClr>
-                      </a:solidFill>
-                      <a:round/>
-                    </a:ln>
-                    <a:effectLst/>
-                  </c:spPr>
-                </c15:leaderLines>
-              </c:ext>
-            </c:extLst>
-          </c:dLbls>
-          <c:cat>
-            <c:numRef>
-              <c:f>Sheet1!$A$2:$A$13</c:f>
-              <c:numCache>
-                <c:formatCode>General</c:formatCode>
-                <c:ptCount val="12"/>
-                <c:pt idx="0">
-                  <c:v>202301</c:v>
-                </c:pt>
-                <c:pt idx="1">
-                  <c:v>202302</c:v>
-                </c:pt>
-                <c:pt idx="2">
-                  <c:v>202303</c:v>
-                </c:pt>
-                <c:pt idx="3">
-                  <c:v>202304</c:v>
-                </c:pt>
-                <c:pt idx="4">
-                  <c:v>202305</c:v>
-                </c:pt>
-                <c:pt idx="5">
-                  <c:v>202306</c:v>
-                </c:pt>
-                <c:pt idx="6">
-                  <c:v>202307</c:v>
-                </c:pt>
-                <c:pt idx="7">
-                  <c:v>202308</c:v>
-                </c:pt>
-                <c:pt idx="8">
-                  <c:v>202309</c:v>
-                </c:pt>
-                <c:pt idx="9">
-                  <c:v>202310</c:v>
-                </c:pt>
-                <c:pt idx="10">
-                  <c:v>202311</c:v>
-                </c:pt>
-                <c:pt idx="11">
-                  <c:v>202312</c:v>
-                </c:pt>
-              </c:numCache>
-            </c:numRef>
-          </c:cat>
-          <c:val>
-            <c:numRef>
-              <c:f>Sheet1!$C$2:$C$13</c:f>
-              <c:numCache>
-                <c:formatCode>_(* #,##0_);_(* \(#,##0\);_(* "-"??_);_(@_)</c:formatCode>
-                <c:ptCount val="12"/>
-                <c:pt idx="0">
-                  <c:v>3294434</c:v>
-                </c:pt>
-                <c:pt idx="1">
-                  <c:v>3353812</c:v>
-                </c:pt>
-                <c:pt idx="2">
-                  <c:v>3816266</c:v>
-                </c:pt>
-                <c:pt idx="3">
-                  <c:v>3969901</c:v>
-                </c:pt>
-                <c:pt idx="4">
-                  <c:v>4180165</c:v>
-                </c:pt>
-                <c:pt idx="5">
-                  <c:v>4290750</c:v>
-                </c:pt>
-                <c:pt idx="6">
-                  <c:v>4461374</c:v>
-                </c:pt>
-                <c:pt idx="7">
-                  <c:v>4480602</c:v>
-                </c:pt>
-                <c:pt idx="8">
-                  <c:v>4446625</c:v>
-                </c:pt>
-                <c:pt idx="9">
-                  <c:v>4367987</c:v>
-                </c:pt>
-                <c:pt idx="10">
-                  <c:v>4420126</c:v>
-                </c:pt>
-                <c:pt idx="11">
-                  <c:v>5103579</c:v>
-                </c:pt>
-              </c:numCache>
-            </c:numRef>
-          </c:val>
-          <c:extLst>
-            <c:ext xmlns:c16="http://schemas.microsoft.com/office/drawing/2014/chart" uri="{C3380CC4-5D6E-409C-BE32-E72D297353CC}">
-              <c16:uniqueId val="{00000000-85D9-4FE0-A19B-882951191D61}"/>
-            </c:ext>
-          </c:extLst>
-        </c:ser>
         <c:dLbls>
           <c:showLegendKey val="0"/>
           <c:showVal val="1"/>
@@ -553,523 +232,7 @@
       </c:valAx>
       <c:spPr>
         <a:noFill/>
-        <a:ln>
-          <a:noFill/>
-        </a:ln>
-        <a:effectLst/>
-      </c:spPr>
-    </c:plotArea>
-    <c:plotVisOnly val="1"/>
-    <c:dispBlanksAs val="gap"/>
-    <c:showDLblsOverMax val="0"/>
-  </c:chart>
-  <c:spPr>
-    <a:noFill/>
-    <a:ln>
-      <a:noFill/>
-    </a:ln>
-    <a:effectLst/>
-  </c:spPr>
-  <c:txPr>
-    <a:bodyPr/>
-    <a:lstStyle/>
-    <a:p>
-      <a:pPr>
-        <a:defRPr/>
-      </a:pPr>
-      <a:endParaRPr lang="en-US"/>
-    </a:p>
-  </c:txPr>
-  <c:externalData r:id="rId3">
-    <c:autoUpdate val="0"/>
-  </c:externalData>
-</c:chartSpace>
-</file>
-
-<file path=ppt/charts/chart2.xml><?xml version="1.0" encoding="utf-8"?>
-<c:chartSpace xmlns:c="http://schemas.openxmlformats.org/drawingml/2006/chart" xmlns:a="http://schemas.openxmlformats.org/drawingml/2006/main" xmlns:r="http://schemas.openxmlformats.org/officeDocument/2006/relationships" xmlns:c16r2="http://schemas.microsoft.com/office/drawing/2015/06/chart">
-  <c:date1904 val="0"/>
-  <c:lang val="en-US"/>
-  <c:roundedCorners val="0"/>
-  <mc:AlternateContent xmlns:mc="http://schemas.openxmlformats.org/markup-compatibility/2006">
-    <mc:Choice xmlns:c14="http://schemas.microsoft.com/office/drawing/2007/8/2/chart" Requires="c14">
-      <c14:style val="102"/>
-    </mc:Choice>
-    <mc:Fallback>
-      <c:style val="2"/>
-    </mc:Fallback>
-  </mc:AlternateContent>
-  <c:chart>
-    <c:autoTitleDeleted val="1"/>
-    <c:plotArea>
-      <c:layout>
-        <c:manualLayout>
-          <c:layoutTarget val="inner"/>
-          <c:xMode val="edge"/>
-          <c:yMode val="edge"/>
-          <c:x val="1.425030346923995E-2"/>
-          <c:y val="3.2817123350099744E-2"/>
-          <c:w val="0.97409035732865468"/>
-          <c:h val="0.66992877403753048"/>
-        </c:manualLayout>
-      </c:layout>
-      <c:lineChart>
-        <c:grouping val="standard"/>
-        <c:varyColors val="0"/>
-        <c:ser>
-          <c:idx val="4"/>
-          <c:order val="0"/>
-          <c:tx>
-            <c:strRef>
-              <c:f>Sheet1!$F$1</c:f>
-              <c:strCache>
-                <c:ptCount val="1"/>
-                <c:pt idx="0">
-                  <c:v>TỶ LỆ KYC/KH ACCTIVE</c:v>
-                </c:pt>
-              </c:strCache>
-            </c:strRef>
-          </c:tx>
-          <c:spPr>
-            <a:ln w="28575" cap="rnd">
-              <a:solidFill>
-                <a:srgbClr val="C00000"/>
-              </a:solidFill>
-              <a:round/>
-            </a:ln>
-            <a:effectLst/>
-          </c:spPr>
-          <c:marker>
-            <c:symbol val="circle"/>
-            <c:size val="8"/>
-            <c:spPr>
-              <a:solidFill>
-                <a:schemeClr val="accent2">
-                  <a:lumMod val="20000"/>
-                  <a:lumOff val="80000"/>
-                </a:schemeClr>
-              </a:solidFill>
-              <a:ln w="25400">
-                <a:solidFill>
-                  <a:srgbClr val="C00000"/>
-                </a:solidFill>
-              </a:ln>
-              <a:effectLst/>
-            </c:spPr>
-          </c:marker>
-          <c:dPt>
-            <c:idx val="1"/>
-            <c:marker>
-              <c:symbol val="circle"/>
-              <c:size val="9"/>
-              <c:spPr>
-                <a:solidFill>
-                  <a:schemeClr val="accent2">
-                    <a:lumMod val="20000"/>
-                    <a:lumOff val="80000"/>
-                  </a:schemeClr>
-                </a:solidFill>
-                <a:ln w="31750">
-                  <a:solidFill>
-                    <a:srgbClr val="C00000"/>
-                  </a:solidFill>
-                </a:ln>
-                <a:effectLst/>
-              </c:spPr>
-            </c:marker>
-            <c:bubble3D val="0"/>
-            <c:extLst>
-              <c:ext xmlns:c16="http://schemas.microsoft.com/office/drawing/2014/chart" uri="{C3380CC4-5D6E-409C-BE32-E72D297353CC}">
-                <c16:uniqueId val="{00000000-EA68-4892-B4FE-59CFBC5C95BA}"/>
-              </c:ext>
-            </c:extLst>
-          </c:dPt>
-          <c:dPt>
-            <c:idx val="11"/>
-            <c:marker>
-              <c:symbol val="circle"/>
-              <c:size val="9"/>
-              <c:spPr>
-                <a:solidFill>
-                  <a:schemeClr val="accent2">
-                    <a:lumMod val="20000"/>
-                    <a:lumOff val="80000"/>
-                  </a:schemeClr>
-                </a:solidFill>
-                <a:ln w="31750">
-                  <a:solidFill>
-                    <a:srgbClr val="C00000"/>
-                  </a:solidFill>
-                </a:ln>
-                <a:effectLst/>
-              </c:spPr>
-            </c:marker>
-            <c:bubble3D val="0"/>
-            <c:extLst>
-              <c:ext xmlns:c16="http://schemas.microsoft.com/office/drawing/2014/chart" uri="{C3380CC4-5D6E-409C-BE32-E72D297353CC}">
-                <c16:uniqueId val="{00000001-EA68-4892-B4FE-59CFBC5C95BA}"/>
-              </c:ext>
-            </c:extLst>
-          </c:dPt>
-          <c:dLbls>
-            <c:dLbl>
-              <c:idx val="0"/>
-              <c:delete val="1"/>
-              <c:extLst>
-                <c:ext xmlns:c15="http://schemas.microsoft.com/office/drawing/2012/chart" uri="{CE6537A1-D6FC-4f65-9D91-7224C49458BB}"/>
-                <c:ext xmlns:c16="http://schemas.microsoft.com/office/drawing/2014/chart" uri="{C3380CC4-5D6E-409C-BE32-E72D297353CC}">
-                  <c16:uniqueId val="{00000002-EA68-4892-B4FE-59CFBC5C95BA}"/>
-                </c:ext>
-              </c:extLst>
-            </c:dLbl>
-            <c:dLbl>
-              <c:idx val="2"/>
-              <c:delete val="1"/>
-              <c:extLst>
-                <c:ext xmlns:c15="http://schemas.microsoft.com/office/drawing/2012/chart" uri="{CE6537A1-D6FC-4f65-9D91-7224C49458BB}"/>
-                <c:ext xmlns:c16="http://schemas.microsoft.com/office/drawing/2014/chart" uri="{C3380CC4-5D6E-409C-BE32-E72D297353CC}">
-                  <c16:uniqueId val="{00000003-EA68-4892-B4FE-59CFBC5C95BA}"/>
-                </c:ext>
-              </c:extLst>
-            </c:dLbl>
-            <c:dLbl>
-              <c:idx val="3"/>
-              <c:delete val="1"/>
-              <c:extLst>
-                <c:ext xmlns:c15="http://schemas.microsoft.com/office/drawing/2012/chart" uri="{CE6537A1-D6FC-4f65-9D91-7224C49458BB}"/>
-                <c:ext xmlns:c16="http://schemas.microsoft.com/office/drawing/2014/chart" uri="{C3380CC4-5D6E-409C-BE32-E72D297353CC}">
-                  <c16:uniqueId val="{00000004-EA68-4892-B4FE-59CFBC5C95BA}"/>
-                </c:ext>
-              </c:extLst>
-            </c:dLbl>
-            <c:dLbl>
-              <c:idx val="4"/>
-              <c:delete val="1"/>
-              <c:extLst>
-                <c:ext xmlns:c15="http://schemas.microsoft.com/office/drawing/2012/chart" uri="{CE6537A1-D6FC-4f65-9D91-7224C49458BB}"/>
-                <c:ext xmlns:c16="http://schemas.microsoft.com/office/drawing/2014/chart" uri="{C3380CC4-5D6E-409C-BE32-E72D297353CC}">
-                  <c16:uniqueId val="{00000005-EA68-4892-B4FE-59CFBC5C95BA}"/>
-                </c:ext>
-              </c:extLst>
-            </c:dLbl>
-            <c:dLbl>
-              <c:idx val="5"/>
-              <c:delete val="1"/>
-              <c:extLst>
-                <c:ext xmlns:c15="http://schemas.microsoft.com/office/drawing/2012/chart" uri="{CE6537A1-D6FC-4f65-9D91-7224C49458BB}"/>
-                <c:ext xmlns:c16="http://schemas.microsoft.com/office/drawing/2014/chart" uri="{C3380CC4-5D6E-409C-BE32-E72D297353CC}">
-                  <c16:uniqueId val="{00000006-EA68-4892-B4FE-59CFBC5C95BA}"/>
-                </c:ext>
-              </c:extLst>
-            </c:dLbl>
-            <c:dLbl>
-              <c:idx val="6"/>
-              <c:delete val="1"/>
-              <c:extLst>
-                <c:ext xmlns:c15="http://schemas.microsoft.com/office/drawing/2012/chart" uri="{CE6537A1-D6FC-4f65-9D91-7224C49458BB}"/>
-                <c:ext xmlns:c16="http://schemas.microsoft.com/office/drawing/2014/chart" uri="{C3380CC4-5D6E-409C-BE32-E72D297353CC}">
-                  <c16:uniqueId val="{00000007-EA68-4892-B4FE-59CFBC5C95BA}"/>
-                </c:ext>
-              </c:extLst>
-            </c:dLbl>
-            <c:dLbl>
-              <c:idx val="7"/>
-              <c:delete val="1"/>
-              <c:extLst>
-                <c:ext xmlns:c15="http://schemas.microsoft.com/office/drawing/2012/chart" uri="{CE6537A1-D6FC-4f65-9D91-7224C49458BB}"/>
-                <c:ext xmlns:c16="http://schemas.microsoft.com/office/drawing/2014/chart" uri="{C3380CC4-5D6E-409C-BE32-E72D297353CC}">
-                  <c16:uniqueId val="{00000008-EA68-4892-B4FE-59CFBC5C95BA}"/>
-                </c:ext>
-              </c:extLst>
-            </c:dLbl>
-            <c:dLbl>
-              <c:idx val="8"/>
-              <c:delete val="1"/>
-              <c:extLst>
-                <c:ext xmlns:c15="http://schemas.microsoft.com/office/drawing/2012/chart" uri="{CE6537A1-D6FC-4f65-9D91-7224C49458BB}"/>
-                <c:ext xmlns:c16="http://schemas.microsoft.com/office/drawing/2014/chart" uri="{C3380CC4-5D6E-409C-BE32-E72D297353CC}">
-                  <c16:uniqueId val="{00000009-EA68-4892-B4FE-59CFBC5C95BA}"/>
-                </c:ext>
-              </c:extLst>
-            </c:dLbl>
-            <c:dLbl>
-              <c:idx val="9"/>
-              <c:delete val="1"/>
-              <c:extLst>
-                <c:ext xmlns:c15="http://schemas.microsoft.com/office/drawing/2012/chart" uri="{CE6537A1-D6FC-4f65-9D91-7224C49458BB}"/>
-                <c:ext xmlns:c16="http://schemas.microsoft.com/office/drawing/2014/chart" uri="{C3380CC4-5D6E-409C-BE32-E72D297353CC}">
-                  <c16:uniqueId val="{0000000A-EA68-4892-B4FE-59CFBC5C95BA}"/>
-                </c:ext>
-              </c:extLst>
-            </c:dLbl>
-            <c:dLbl>
-              <c:idx val="10"/>
-              <c:delete val="1"/>
-              <c:extLst>
-                <c:ext xmlns:c15="http://schemas.microsoft.com/office/drawing/2012/chart" uri="{CE6537A1-D6FC-4f65-9D91-7224C49458BB}"/>
-                <c:ext xmlns:c16="http://schemas.microsoft.com/office/drawing/2014/chart" uri="{C3380CC4-5D6E-409C-BE32-E72D297353CC}">
-                  <c16:uniqueId val="{0000000B-EA68-4892-B4FE-59CFBC5C95BA}"/>
-                </c:ext>
-              </c:extLst>
-            </c:dLbl>
-            <c:dLbl>
-              <c:idx val="11"/>
-              <c:layout>
-                <c:manualLayout>
-                  <c:x val="-3.166740578040061E-3"/>
-                  <c:y val="-5.2532200737758217E-2"/>
-                </c:manualLayout>
-              </c:layout>
-              <c:dLblPos val="r"/>
-              <c:showLegendKey val="0"/>
-              <c:showVal val="1"/>
-              <c:showCatName val="0"/>
-              <c:showSerName val="0"/>
-              <c:showPercent val="0"/>
-              <c:showBubbleSize val="0"/>
-              <c:extLst>
-                <c:ext xmlns:c15="http://schemas.microsoft.com/office/drawing/2012/chart" uri="{CE6537A1-D6FC-4f65-9D91-7224C49458BB}">
-                  <c15:layout/>
-                </c:ext>
-                <c:ext xmlns:c16="http://schemas.microsoft.com/office/drawing/2014/chart" uri="{C3380CC4-5D6E-409C-BE32-E72D297353CC}">
-                  <c16:uniqueId val="{00000001-EA68-4892-B4FE-59CFBC5C95BA}"/>
-                </c:ext>
-              </c:extLst>
-            </c:dLbl>
-            <c:spPr>
-              <a:noFill/>
-              <a:ln>
-                <a:noFill/>
-              </a:ln>
-              <a:effectLst/>
-            </c:spPr>
-            <c:txPr>
-              <a:bodyPr rot="0" spcFirstLastPara="1" vertOverflow="ellipsis" vert="horz" wrap="square" lIns="38100" tIns="19050" rIns="38100" bIns="19050" anchor="ctr" anchorCtr="1">
-                <a:spAutoFit/>
-              </a:bodyPr>
-              <a:lstStyle/>
-              <a:p>
-                <a:pPr>
-                  <a:defRPr sz="1100" b="1" i="0" u="none" strike="noStrike" kern="1200" baseline="0">
-                    <a:solidFill>
-                      <a:srgbClr val="C00000"/>
-                    </a:solidFill>
-                    <a:latin typeface="+mn-lt"/>
-                    <a:ea typeface="+mn-ea"/>
-                    <a:cs typeface="+mn-cs"/>
-                  </a:defRPr>
-                </a:pPr>
-                <a:endParaRPr lang="en-US"/>
-              </a:p>
-            </c:txPr>
-            <c:dLblPos val="t"/>
-            <c:showLegendKey val="0"/>
-            <c:showVal val="1"/>
-            <c:showCatName val="0"/>
-            <c:showSerName val="0"/>
-            <c:showPercent val="0"/>
-            <c:showBubbleSize val="0"/>
-            <c:showLeaderLines val="0"/>
-            <c:extLst>
-              <c:ext xmlns:c15="http://schemas.microsoft.com/office/drawing/2012/chart" uri="{CE6537A1-D6FC-4f65-9D91-7224C49458BB}">
-                <c15:layout/>
-                <c15:showLeaderLines val="1"/>
-                <c15:leaderLines>
-                  <c:spPr>
-                    <a:ln w="9525" cap="flat" cmpd="sng" algn="ctr">
-                      <a:solidFill>
-                        <a:schemeClr val="tx1">
-                          <a:lumMod val="35000"/>
-                          <a:lumOff val="65000"/>
-                        </a:schemeClr>
-                      </a:solidFill>
-                      <a:round/>
-                    </a:ln>
-                    <a:effectLst/>
-                  </c:spPr>
-                </c15:leaderLines>
-              </c:ext>
-            </c:extLst>
-          </c:dLbls>
-          <c:cat>
-            <c:numRef>
-              <c:f>Sheet1!$A$2:$A$13</c:f>
-              <c:numCache>
-                <c:formatCode>General</c:formatCode>
-                <c:ptCount val="12"/>
-                <c:pt idx="0">
-                  <c:v>202301</c:v>
-                </c:pt>
-                <c:pt idx="1">
-                  <c:v>202302</c:v>
-                </c:pt>
-                <c:pt idx="2">
-                  <c:v>202303</c:v>
-                </c:pt>
-                <c:pt idx="3">
-                  <c:v>202304</c:v>
-                </c:pt>
-                <c:pt idx="4">
-                  <c:v>202305</c:v>
-                </c:pt>
-                <c:pt idx="5">
-                  <c:v>202306</c:v>
-                </c:pt>
-                <c:pt idx="6">
-                  <c:v>202307</c:v>
-                </c:pt>
-                <c:pt idx="7">
-                  <c:v>202308</c:v>
-                </c:pt>
-                <c:pt idx="8">
-                  <c:v>202309</c:v>
-                </c:pt>
-                <c:pt idx="9">
-                  <c:v>202310</c:v>
-                </c:pt>
-                <c:pt idx="10">
-                  <c:v>202311</c:v>
-                </c:pt>
-                <c:pt idx="11">
-                  <c:v>202312</c:v>
-                </c:pt>
-              </c:numCache>
-            </c:numRef>
-          </c:cat>
-          <c:val>
-            <c:numRef>
-              <c:f>Sheet1!$F$2:$F$13</c:f>
-              <c:numCache>
-                <c:formatCode>0.00%</c:formatCode>
-                <c:ptCount val="12"/>
-                <c:pt idx="0">
-                  <c:v>5.9749261936951842E-3</c:v>
-                </c:pt>
-                <c:pt idx="1">
-                  <c:v>6.6232096491991802E-3</c:v>
-                </c:pt>
-                <c:pt idx="2">
-                  <c:v>6.2749818801938854E-3</c:v>
-                </c:pt>
-                <c:pt idx="3">
-                  <c:v>4.9819882158270443E-3</c:v>
-                </c:pt>
-                <c:pt idx="4">
-                  <c:v>4.8060303839680971E-3</c:v>
-                </c:pt>
-                <c:pt idx="5">
-                  <c:v>4.6583930548272446E-3</c:v>
-                </c:pt>
-                <c:pt idx="6">
-                  <c:v>4.6806208132292876E-3</c:v>
-                </c:pt>
-                <c:pt idx="7">
-                  <c:v>4.6603112706730034E-3</c:v>
-                </c:pt>
-                <c:pt idx="8">
-                  <c:v>4.536924071627358E-3</c:v>
-                </c:pt>
-                <c:pt idx="9">
-                  <c:v>5.4851353724267035E-3</c:v>
-                </c:pt>
-                <c:pt idx="10">
-                  <c:v>4.7154764366445666E-3</c:v>
-                </c:pt>
-                <c:pt idx="11">
-                  <c:v>3.8592524971201581E-3</c:v>
-                </c:pt>
-              </c:numCache>
-            </c:numRef>
-          </c:val>
-          <c:smooth val="1"/>
-          <c:extLst>
-            <c:ext xmlns:c16="http://schemas.microsoft.com/office/drawing/2014/chart" uri="{C3380CC4-5D6E-409C-BE32-E72D297353CC}">
-              <c16:uniqueId val="{0000000C-EA68-4892-B4FE-59CFBC5C95BA}"/>
-            </c:ext>
-          </c:extLst>
-        </c:ser>
-        <c:dLbls>
-          <c:showLegendKey val="0"/>
-          <c:showVal val="0"/>
-          <c:showCatName val="0"/>
-          <c:showSerName val="0"/>
-          <c:showPercent val="0"/>
-          <c:showBubbleSize val="0"/>
-        </c:dLbls>
-        <c:marker val="1"/>
-        <c:smooth val="0"/>
-        <c:axId val="1919550655"/>
-        <c:axId val="1919551903"/>
-      </c:lineChart>
-      <c:catAx>
-        <c:axId val="1919550655"/>
-        <c:scaling>
-          <c:orientation val="minMax"/>
-        </c:scaling>
-        <c:delete val="0"/>
-        <c:axPos val="b"/>
-        <c:numFmt formatCode="General" sourceLinked="1"/>
-        <c:majorTickMark val="none"/>
-        <c:minorTickMark val="none"/>
-        <c:tickLblPos val="nextTo"/>
-        <c:spPr>
-          <a:noFill/>
-          <a:ln w="9525" cap="flat" cmpd="sng" algn="ctr">
-            <a:solidFill>
-              <a:schemeClr val="tx1">
-                <a:lumMod val="15000"/>
-                <a:lumOff val="85000"/>
-              </a:schemeClr>
-            </a:solidFill>
-            <a:round/>
-          </a:ln>
-          <a:effectLst/>
-        </c:spPr>
-        <c:txPr>
-          <a:bodyPr rot="-60000000" spcFirstLastPara="1" vertOverflow="ellipsis" vert="horz" wrap="square" anchor="ctr" anchorCtr="1"/>
-          <a:lstStyle/>
-          <a:p>
-            <a:pPr>
-              <a:defRPr sz="900" b="0" i="0" u="none" strike="noStrike" kern="1200" baseline="0">
-                <a:solidFill>
-                  <a:schemeClr val="tx1">
-                    <a:lumMod val="65000"/>
-                    <a:lumOff val="35000"/>
-                  </a:schemeClr>
-                </a:solidFill>
-                <a:latin typeface="+mn-lt"/>
-                <a:ea typeface="+mn-ea"/>
-                <a:cs typeface="+mn-cs"/>
-              </a:defRPr>
-            </a:pPr>
-            <a:endParaRPr lang="en-US"/>
-          </a:p>
-        </c:txPr>
-        <c:crossAx val="1919551903"/>
-        <c:crosses val="autoZero"/>
-        <c:auto val="1"/>
-        <c:lblAlgn val="ctr"/>
-        <c:lblOffset val="100"/>
-        <c:noMultiLvlLbl val="0"/>
-      </c:catAx>
-      <c:valAx>
-        <c:axId val="1919551903"/>
-        <c:scaling>
-          <c:orientation val="minMax"/>
-        </c:scaling>
-        <c:delete val="1"/>
-        <c:axPos val="l"/>
-        <c:numFmt formatCode="0.00%" sourceLinked="1"/>
-        <c:majorTickMark val="none"/>
-        <c:minorTickMark val="none"/>
-        <c:tickLblPos val="nextTo"/>
-        <c:crossAx val="1919550655"/>
-        <c:crosses val="autoZero"/>
-        <c:crossBetween val="between"/>
-      </c:valAx>
-      <c:spPr>
-        <a:noFill/>
-        <a:ln>
+        <a:ln w="25400">
           <a:noFill/>
         </a:ln>
         <a:effectLst/>
@@ -1142,563 +305,7 @@
 </cs:colorStyle>
 </file>
 
-<file path=ppt/charts/colors2.xml><?xml version="1.0" encoding="utf-8"?>
-<cs:colorStyle xmlns:cs="http://schemas.microsoft.com/office/drawing/2012/chartStyle" xmlns:a="http://schemas.openxmlformats.org/drawingml/2006/main" meth="cycle" id="10">
-  <a:schemeClr val="accent1"/>
-  <a:schemeClr val="accent2"/>
-  <a:schemeClr val="accent3"/>
-  <a:schemeClr val="accent4"/>
-  <a:schemeClr val="accent5"/>
-  <a:schemeClr val="accent6"/>
-  <cs:variation/>
-  <cs:variation>
-    <a:lumMod val="60000"/>
-  </cs:variation>
-  <cs:variation>
-    <a:lumMod val="80000"/>
-    <a:lumOff val="20000"/>
-  </cs:variation>
-  <cs:variation>
-    <a:lumMod val="80000"/>
-  </cs:variation>
-  <cs:variation>
-    <a:lumMod val="60000"/>
-    <a:lumOff val="40000"/>
-  </cs:variation>
-  <cs:variation>
-    <a:lumMod val="50000"/>
-  </cs:variation>
-  <cs:variation>
-    <a:lumMod val="70000"/>
-    <a:lumOff val="30000"/>
-  </cs:variation>
-  <cs:variation>
-    <a:lumMod val="70000"/>
-  </cs:variation>
-  <cs:variation>
-    <a:lumMod val="50000"/>
-    <a:lumOff val="50000"/>
-  </cs:variation>
-</cs:colorStyle>
-</file>
-
 <file path=ppt/charts/style1.xml><?xml version="1.0" encoding="utf-8"?>
-<cs:chartStyle xmlns:cs="http://schemas.microsoft.com/office/drawing/2012/chartStyle" xmlns:a="http://schemas.openxmlformats.org/drawingml/2006/main" id="227">
-  <cs:axisTitle>
-    <cs:lnRef idx="0"/>
-    <cs:fillRef idx="0"/>
-    <cs:effectRef idx="0"/>
-    <cs:fontRef idx="minor">
-      <a:schemeClr val="tx1">
-        <a:lumMod val="65000"/>
-        <a:lumOff val="35000"/>
-      </a:schemeClr>
-    </cs:fontRef>
-    <cs:defRPr sz="1000" kern="1200"/>
-  </cs:axisTitle>
-  <cs:categoryAxis>
-    <cs:lnRef idx="0"/>
-    <cs:fillRef idx="0"/>
-    <cs:effectRef idx="0"/>
-    <cs:fontRef idx="minor">
-      <a:schemeClr val="tx1">
-        <a:lumMod val="65000"/>
-        <a:lumOff val="35000"/>
-      </a:schemeClr>
-    </cs:fontRef>
-    <cs:spPr>
-      <a:ln w="9525" cap="flat" cmpd="sng" algn="ctr">
-        <a:solidFill>
-          <a:schemeClr val="tx1">
-            <a:lumMod val="15000"/>
-            <a:lumOff val="85000"/>
-          </a:schemeClr>
-        </a:solidFill>
-        <a:round/>
-      </a:ln>
-    </cs:spPr>
-    <cs:defRPr sz="900" kern="1200"/>
-  </cs:categoryAxis>
-  <cs:chartArea mods="allowNoFillOverride allowNoLineOverride">
-    <cs:lnRef idx="0"/>
-    <cs:fillRef idx="0"/>
-    <cs:effectRef idx="0"/>
-    <cs:fontRef idx="minor">
-      <a:schemeClr val="tx1"/>
-    </cs:fontRef>
-    <cs:spPr>
-      <a:solidFill>
-        <a:schemeClr val="bg1"/>
-      </a:solidFill>
-      <a:ln w="9525" cap="flat" cmpd="sng" algn="ctr">
-        <a:solidFill>
-          <a:schemeClr val="tx1">
-            <a:lumMod val="15000"/>
-            <a:lumOff val="85000"/>
-          </a:schemeClr>
-        </a:solidFill>
-        <a:round/>
-      </a:ln>
-    </cs:spPr>
-    <cs:defRPr sz="1000" kern="1200"/>
-  </cs:chartArea>
-  <cs:dataLabel>
-    <cs:lnRef idx="0"/>
-    <cs:fillRef idx="0"/>
-    <cs:effectRef idx="0"/>
-    <cs:fontRef idx="minor">
-      <a:schemeClr val="tx1">
-        <a:lumMod val="75000"/>
-        <a:lumOff val="25000"/>
-      </a:schemeClr>
-    </cs:fontRef>
-    <cs:defRPr sz="900" kern="1200"/>
-  </cs:dataLabel>
-  <cs:dataLabelCallout>
-    <cs:lnRef idx="0"/>
-    <cs:fillRef idx="0"/>
-    <cs:effectRef idx="0"/>
-    <cs:fontRef idx="minor">
-      <a:schemeClr val="dk1">
-        <a:lumMod val="65000"/>
-        <a:lumOff val="35000"/>
-      </a:schemeClr>
-    </cs:fontRef>
-    <cs:spPr>
-      <a:solidFill>
-        <a:schemeClr val="lt1"/>
-      </a:solidFill>
-      <a:ln>
-        <a:solidFill>
-          <a:schemeClr val="dk1">
-            <a:lumMod val="25000"/>
-            <a:lumOff val="75000"/>
-          </a:schemeClr>
-        </a:solidFill>
-      </a:ln>
-    </cs:spPr>
-    <cs:defRPr sz="900" kern="1200"/>
-    <cs:bodyPr rot="0" spcFirstLastPara="1" vertOverflow="clip" horzOverflow="clip" vert="horz" wrap="square" lIns="36576" tIns="18288" rIns="36576" bIns="18288" anchor="ctr" anchorCtr="1">
-      <a:spAutoFit/>
-    </cs:bodyPr>
-  </cs:dataLabelCallout>
-  <cs:dataPoint>
-    <cs:lnRef idx="0"/>
-    <cs:fillRef idx="1">
-      <cs:styleClr val="auto"/>
-    </cs:fillRef>
-    <cs:effectRef idx="0"/>
-    <cs:fontRef idx="minor">
-      <a:schemeClr val="tx1"/>
-    </cs:fontRef>
-    <cs:spPr>
-      <a:solidFill>
-        <a:schemeClr val="phClr"/>
-      </a:solidFill>
-    </cs:spPr>
-  </cs:dataPoint>
-  <cs:dataPoint3D>
-    <cs:lnRef idx="0"/>
-    <cs:fillRef idx="1">
-      <cs:styleClr val="auto"/>
-    </cs:fillRef>
-    <cs:effectRef idx="0"/>
-    <cs:fontRef idx="minor">
-      <a:schemeClr val="tx1"/>
-    </cs:fontRef>
-    <cs:spPr>
-      <a:solidFill>
-        <a:schemeClr val="phClr"/>
-      </a:solidFill>
-    </cs:spPr>
-  </cs:dataPoint3D>
-  <cs:dataPointLine>
-    <cs:lnRef idx="0">
-      <cs:styleClr val="auto"/>
-    </cs:lnRef>
-    <cs:fillRef idx="1"/>
-    <cs:effectRef idx="0"/>
-    <cs:fontRef idx="minor">
-      <a:schemeClr val="tx1"/>
-    </cs:fontRef>
-    <cs:spPr>
-      <a:ln w="28575" cap="rnd">
-        <a:solidFill>
-          <a:schemeClr val="phClr"/>
-        </a:solidFill>
-        <a:round/>
-      </a:ln>
-    </cs:spPr>
-  </cs:dataPointLine>
-  <cs:dataPointMarker>
-    <cs:lnRef idx="0">
-      <cs:styleClr val="auto"/>
-    </cs:lnRef>
-    <cs:fillRef idx="1">
-      <cs:styleClr val="auto"/>
-    </cs:fillRef>
-    <cs:effectRef idx="0"/>
-    <cs:fontRef idx="minor">
-      <a:schemeClr val="tx1"/>
-    </cs:fontRef>
-    <cs:spPr>
-      <a:solidFill>
-        <a:schemeClr val="phClr"/>
-      </a:solidFill>
-      <a:ln w="9525">
-        <a:solidFill>
-          <a:schemeClr val="phClr"/>
-        </a:solidFill>
-      </a:ln>
-    </cs:spPr>
-  </cs:dataPointMarker>
-  <cs:dataPointMarkerLayout symbol="circle" size="5"/>
-  <cs:dataPointWireframe>
-    <cs:lnRef idx="0">
-      <cs:styleClr val="auto"/>
-    </cs:lnRef>
-    <cs:fillRef idx="1"/>
-    <cs:effectRef idx="0"/>
-    <cs:fontRef idx="minor">
-      <a:schemeClr val="tx1"/>
-    </cs:fontRef>
-    <cs:spPr>
-      <a:ln w="9525" cap="rnd">
-        <a:solidFill>
-          <a:schemeClr val="phClr"/>
-        </a:solidFill>
-        <a:round/>
-      </a:ln>
-    </cs:spPr>
-  </cs:dataPointWireframe>
-  <cs:dataTable>
-    <cs:lnRef idx="0"/>
-    <cs:fillRef idx="0"/>
-    <cs:effectRef idx="0"/>
-    <cs:fontRef idx="minor">
-      <a:schemeClr val="tx1">
-        <a:lumMod val="65000"/>
-        <a:lumOff val="35000"/>
-      </a:schemeClr>
-    </cs:fontRef>
-    <cs:spPr>
-      <a:noFill/>
-      <a:ln w="9525" cap="flat" cmpd="sng" algn="ctr">
-        <a:solidFill>
-          <a:schemeClr val="tx1">
-            <a:lumMod val="15000"/>
-            <a:lumOff val="85000"/>
-          </a:schemeClr>
-        </a:solidFill>
-        <a:round/>
-      </a:ln>
-    </cs:spPr>
-    <cs:defRPr sz="900" kern="1200"/>
-  </cs:dataTable>
-  <cs:downBar>
-    <cs:lnRef idx="0"/>
-    <cs:fillRef idx="0"/>
-    <cs:effectRef idx="0"/>
-    <cs:fontRef idx="minor">
-      <a:schemeClr val="dk1"/>
-    </cs:fontRef>
-    <cs:spPr>
-      <a:solidFill>
-        <a:schemeClr val="dk1">
-          <a:lumMod val="65000"/>
-          <a:lumOff val="35000"/>
-        </a:schemeClr>
-      </a:solidFill>
-      <a:ln w="9525">
-        <a:solidFill>
-          <a:schemeClr val="tx1">
-            <a:lumMod val="65000"/>
-            <a:lumOff val="35000"/>
-          </a:schemeClr>
-        </a:solidFill>
-      </a:ln>
-    </cs:spPr>
-  </cs:downBar>
-  <cs:dropLine>
-    <cs:lnRef idx="0"/>
-    <cs:fillRef idx="0"/>
-    <cs:effectRef idx="0"/>
-    <cs:fontRef idx="minor">
-      <a:schemeClr val="tx1"/>
-    </cs:fontRef>
-    <cs:spPr>
-      <a:ln w="9525" cap="flat" cmpd="sng" algn="ctr">
-        <a:solidFill>
-          <a:schemeClr val="tx1">
-            <a:lumMod val="35000"/>
-            <a:lumOff val="65000"/>
-          </a:schemeClr>
-        </a:solidFill>
-        <a:round/>
-      </a:ln>
-    </cs:spPr>
-  </cs:dropLine>
-  <cs:errorBar>
-    <cs:lnRef idx="0"/>
-    <cs:fillRef idx="0"/>
-    <cs:effectRef idx="0"/>
-    <cs:fontRef idx="minor">
-      <a:schemeClr val="tx1"/>
-    </cs:fontRef>
-    <cs:spPr>
-      <a:ln w="9525" cap="flat" cmpd="sng" algn="ctr">
-        <a:solidFill>
-          <a:schemeClr val="tx1">
-            <a:lumMod val="65000"/>
-            <a:lumOff val="35000"/>
-          </a:schemeClr>
-        </a:solidFill>
-        <a:round/>
-      </a:ln>
-    </cs:spPr>
-  </cs:errorBar>
-  <cs:floor>
-    <cs:lnRef idx="0"/>
-    <cs:fillRef idx="0"/>
-    <cs:effectRef idx="0"/>
-    <cs:fontRef idx="minor">
-      <a:schemeClr val="tx1"/>
-    </cs:fontRef>
-    <cs:spPr>
-      <a:noFill/>
-      <a:ln>
-        <a:noFill/>
-      </a:ln>
-    </cs:spPr>
-  </cs:floor>
-  <cs:gridlineMajor>
-    <cs:lnRef idx="0"/>
-    <cs:fillRef idx="0"/>
-    <cs:effectRef idx="0"/>
-    <cs:fontRef idx="minor">
-      <a:schemeClr val="tx1"/>
-    </cs:fontRef>
-    <cs:spPr>
-      <a:ln w="9525" cap="flat" cmpd="sng" algn="ctr">
-        <a:solidFill>
-          <a:schemeClr val="tx1">
-            <a:lumMod val="15000"/>
-            <a:lumOff val="85000"/>
-          </a:schemeClr>
-        </a:solidFill>
-        <a:round/>
-      </a:ln>
-    </cs:spPr>
-  </cs:gridlineMajor>
-  <cs:gridlineMinor>
-    <cs:lnRef idx="0"/>
-    <cs:fillRef idx="0"/>
-    <cs:effectRef idx="0"/>
-    <cs:fontRef idx="minor">
-      <a:schemeClr val="tx1"/>
-    </cs:fontRef>
-    <cs:spPr>
-      <a:ln w="9525" cap="flat" cmpd="sng" algn="ctr">
-        <a:solidFill>
-          <a:schemeClr val="tx1">
-            <a:lumMod val="5000"/>
-            <a:lumOff val="95000"/>
-          </a:schemeClr>
-        </a:solidFill>
-        <a:round/>
-      </a:ln>
-    </cs:spPr>
-  </cs:gridlineMinor>
-  <cs:hiLoLine>
-    <cs:lnRef idx="0"/>
-    <cs:fillRef idx="0"/>
-    <cs:effectRef idx="0"/>
-    <cs:fontRef idx="minor">
-      <a:schemeClr val="tx1"/>
-    </cs:fontRef>
-    <cs:spPr>
-      <a:ln w="9525" cap="flat" cmpd="sng" algn="ctr">
-        <a:solidFill>
-          <a:schemeClr val="tx1">
-            <a:lumMod val="75000"/>
-            <a:lumOff val="25000"/>
-          </a:schemeClr>
-        </a:solidFill>
-        <a:round/>
-      </a:ln>
-    </cs:spPr>
-  </cs:hiLoLine>
-  <cs:leaderLine>
-    <cs:lnRef idx="0"/>
-    <cs:fillRef idx="0"/>
-    <cs:effectRef idx="0"/>
-    <cs:fontRef idx="minor">
-      <a:schemeClr val="tx1"/>
-    </cs:fontRef>
-    <cs:spPr>
-      <a:ln w="9525" cap="flat" cmpd="sng" algn="ctr">
-        <a:solidFill>
-          <a:schemeClr val="tx1">
-            <a:lumMod val="35000"/>
-            <a:lumOff val="65000"/>
-          </a:schemeClr>
-        </a:solidFill>
-        <a:round/>
-      </a:ln>
-    </cs:spPr>
-  </cs:leaderLine>
-  <cs:legend>
-    <cs:lnRef idx="0"/>
-    <cs:fillRef idx="0"/>
-    <cs:effectRef idx="0"/>
-    <cs:fontRef idx="minor">
-      <a:schemeClr val="tx1">
-        <a:lumMod val="65000"/>
-        <a:lumOff val="35000"/>
-      </a:schemeClr>
-    </cs:fontRef>
-    <cs:defRPr sz="900" kern="1200"/>
-  </cs:legend>
-  <cs:plotArea mods="allowNoFillOverride allowNoLineOverride">
-    <cs:lnRef idx="0"/>
-    <cs:fillRef idx="0"/>
-    <cs:effectRef idx="0"/>
-    <cs:fontRef idx="minor">
-      <a:schemeClr val="tx1"/>
-    </cs:fontRef>
-  </cs:plotArea>
-  <cs:plotArea3D mods="allowNoFillOverride allowNoLineOverride">
-    <cs:lnRef idx="0"/>
-    <cs:fillRef idx="0"/>
-    <cs:effectRef idx="0"/>
-    <cs:fontRef idx="minor">
-      <a:schemeClr val="tx1"/>
-    </cs:fontRef>
-  </cs:plotArea3D>
-  <cs:seriesAxis>
-    <cs:lnRef idx="0"/>
-    <cs:fillRef idx="0"/>
-    <cs:effectRef idx="0"/>
-    <cs:fontRef idx="minor">
-      <a:schemeClr val="tx1">
-        <a:lumMod val="65000"/>
-        <a:lumOff val="35000"/>
-      </a:schemeClr>
-    </cs:fontRef>
-    <cs:defRPr sz="900" kern="1200"/>
-  </cs:seriesAxis>
-  <cs:seriesLine>
-    <cs:lnRef idx="0"/>
-    <cs:fillRef idx="0"/>
-    <cs:effectRef idx="0"/>
-    <cs:fontRef idx="minor">
-      <a:schemeClr val="tx1"/>
-    </cs:fontRef>
-    <cs:spPr>
-      <a:ln w="9525" cap="flat" cmpd="sng" algn="ctr">
-        <a:solidFill>
-          <a:schemeClr val="tx1">
-            <a:lumMod val="35000"/>
-            <a:lumOff val="65000"/>
-          </a:schemeClr>
-        </a:solidFill>
-        <a:round/>
-      </a:ln>
-    </cs:spPr>
-  </cs:seriesLine>
-  <cs:title>
-    <cs:lnRef idx="0"/>
-    <cs:fillRef idx="0"/>
-    <cs:effectRef idx="0"/>
-    <cs:fontRef idx="minor">
-      <a:schemeClr val="tx1">
-        <a:lumMod val="65000"/>
-        <a:lumOff val="35000"/>
-      </a:schemeClr>
-    </cs:fontRef>
-    <cs:defRPr sz="1400" b="0" kern="1200" spc="0" baseline="0"/>
-  </cs:title>
-  <cs:trendline>
-    <cs:lnRef idx="0">
-      <cs:styleClr val="auto"/>
-    </cs:lnRef>
-    <cs:fillRef idx="0"/>
-    <cs:effectRef idx="0"/>
-    <cs:fontRef idx="minor">
-      <a:schemeClr val="tx1"/>
-    </cs:fontRef>
-    <cs:spPr>
-      <a:ln w="19050" cap="rnd">
-        <a:solidFill>
-          <a:schemeClr val="phClr"/>
-        </a:solidFill>
-        <a:prstDash val="sysDot"/>
-      </a:ln>
-    </cs:spPr>
-  </cs:trendline>
-  <cs:trendlineLabel>
-    <cs:lnRef idx="0"/>
-    <cs:fillRef idx="0"/>
-    <cs:effectRef idx="0"/>
-    <cs:fontRef idx="minor">
-      <a:schemeClr val="tx1">
-        <a:lumMod val="65000"/>
-        <a:lumOff val="35000"/>
-      </a:schemeClr>
-    </cs:fontRef>
-    <cs:defRPr sz="900" kern="1200"/>
-  </cs:trendlineLabel>
-  <cs:upBar>
-    <cs:lnRef idx="0"/>
-    <cs:fillRef idx="0"/>
-    <cs:effectRef idx="0"/>
-    <cs:fontRef idx="minor">
-      <a:schemeClr val="dk1"/>
-    </cs:fontRef>
-    <cs:spPr>
-      <a:solidFill>
-        <a:schemeClr val="lt1"/>
-      </a:solidFill>
-      <a:ln w="9525">
-        <a:solidFill>
-          <a:schemeClr val="tx1">
-            <a:lumMod val="15000"/>
-            <a:lumOff val="85000"/>
-          </a:schemeClr>
-        </a:solidFill>
-      </a:ln>
-    </cs:spPr>
-  </cs:upBar>
-  <cs:valueAxis>
-    <cs:lnRef idx="0"/>
-    <cs:fillRef idx="0"/>
-    <cs:effectRef idx="0"/>
-    <cs:fontRef idx="minor">
-      <a:schemeClr val="tx1">
-        <a:lumMod val="65000"/>
-        <a:lumOff val="35000"/>
-      </a:schemeClr>
-    </cs:fontRef>
-    <cs:defRPr sz="900" kern="1200"/>
-  </cs:valueAxis>
-  <cs:wall>
-    <cs:lnRef idx="0"/>
-    <cs:fillRef idx="0"/>
-    <cs:effectRef idx="0"/>
-    <cs:fontRef idx="minor">
-      <a:schemeClr val="tx1"/>
-    </cs:fontRef>
-    <cs:spPr>
-      <a:noFill/>
-      <a:ln>
-        <a:noFill/>
-      </a:ln>
-    </cs:spPr>
-  </cs:wall>
-</cs:chartStyle>
-</file>
-
-<file path=ppt/charts/style2.xml><?xml version="1.0" encoding="utf-8"?>
 <cs:chartStyle xmlns:cs="http://schemas.microsoft.com/office/drawing/2012/chartStyle" xmlns:a="http://schemas.openxmlformats.org/drawingml/2006/main" id="227">
   <cs:axisTitle>
     <cs:lnRef idx="0"/>
@@ -2296,7 +903,7 @@
           <a:p>
             <a:fld id="{FB1F9D3E-C4B3-483F-8E16-836AB853457D}" type="datetimeFigureOut">
               <a:rPr lang="en-US" smtClean="0"/>
-              <a:t>2/16/2024</a:t>
+              <a:t>2/18/2024</a:t>
             </a:fld>
             <a:endParaRPr lang="en-US"/>
           </a:p>
@@ -2360,38 +967,37 @@
           <a:p>
             <a:pPr lvl="0"/>
             <a:r>
-              <a:rPr lang="en-US" smtClean="0"/>
+              <a:rPr lang="en-US"/>
               <a:t>Edit Master text styles</a:t>
             </a:r>
           </a:p>
           <a:p>
             <a:pPr lvl="1"/>
             <a:r>
-              <a:rPr lang="en-US" smtClean="0"/>
+              <a:rPr lang="en-US"/>
               <a:t>Second level</a:t>
             </a:r>
           </a:p>
           <a:p>
             <a:pPr lvl="2"/>
             <a:r>
-              <a:rPr lang="en-US" smtClean="0"/>
+              <a:rPr lang="en-US"/>
               <a:t>Third level</a:t>
             </a:r>
           </a:p>
           <a:p>
             <a:pPr lvl="3"/>
             <a:r>
-              <a:rPr lang="en-US" smtClean="0"/>
+              <a:rPr lang="en-US"/>
               <a:t>Fourth level</a:t>
             </a:r>
           </a:p>
           <a:p>
             <a:pPr lvl="4"/>
             <a:r>
-              <a:rPr lang="en-US" smtClean="0"/>
+              <a:rPr lang="en-US"/>
               <a:t>Fifth level</a:t>
             </a:r>
-            <a:endParaRPr lang="en-US"/>
           </a:p>
         </p:txBody>
       </p:sp>
@@ -2709,10 +1315,9 @@
           </a:lstStyle>
           <a:p>
             <a:r>
-              <a:rPr lang="en-US" smtClean="0"/>
+              <a:rPr lang="en-US"/>
               <a:t>Click to edit Master title style</a:t>
             </a:r>
-            <a:endParaRPr lang="en-US"/>
           </a:p>
         </p:txBody>
       </p:sp>
@@ -2774,10 +1379,9 @@
           </a:lstStyle>
           <a:p>
             <a:r>
-              <a:rPr lang="en-US" smtClean="0"/>
+              <a:rPr lang="en-US"/>
               <a:t>Click to edit Master subtitle style</a:t>
             </a:r>
-            <a:endParaRPr lang="en-US"/>
           </a:p>
         </p:txBody>
       </p:sp>
@@ -2798,7 +1402,7 @@
           <a:p>
             <a:fld id="{2B146665-E135-490E-B7E5-94855B004F97}" type="datetimeFigureOut">
               <a:rPr lang="en-US" smtClean="0"/>
-              <a:t>2/16/2024</a:t>
+              <a:t>2/18/2024</a:t>
             </a:fld>
             <a:endParaRPr lang="en-US"/>
           </a:p>
@@ -2892,10 +1496,9 @@
           <a:lstStyle/>
           <a:p>
             <a:r>
-              <a:rPr lang="en-US" smtClean="0"/>
+              <a:rPr lang="en-US"/>
               <a:t>Click to edit Master title style</a:t>
             </a:r>
-            <a:endParaRPr lang="en-US"/>
           </a:p>
         </p:txBody>
       </p:sp>
@@ -2916,38 +1519,37 @@
           <a:p>
             <a:pPr lvl="0"/>
             <a:r>
-              <a:rPr lang="en-US" smtClean="0"/>
+              <a:rPr lang="en-US"/>
               <a:t>Edit Master text styles</a:t>
             </a:r>
           </a:p>
           <a:p>
             <a:pPr lvl="1"/>
             <a:r>
-              <a:rPr lang="en-US" smtClean="0"/>
+              <a:rPr lang="en-US"/>
               <a:t>Second level</a:t>
             </a:r>
           </a:p>
           <a:p>
             <a:pPr lvl="2"/>
             <a:r>
-              <a:rPr lang="en-US" smtClean="0"/>
+              <a:rPr lang="en-US"/>
               <a:t>Third level</a:t>
             </a:r>
           </a:p>
           <a:p>
             <a:pPr lvl="3"/>
             <a:r>
-              <a:rPr lang="en-US" smtClean="0"/>
+              <a:rPr lang="en-US"/>
               <a:t>Fourth level</a:t>
             </a:r>
           </a:p>
           <a:p>
             <a:pPr lvl="4"/>
             <a:r>
-              <a:rPr lang="en-US" smtClean="0"/>
+              <a:rPr lang="en-US"/>
               <a:t>Fifth level</a:t>
             </a:r>
-            <a:endParaRPr lang="en-US"/>
           </a:p>
         </p:txBody>
       </p:sp>
@@ -2968,7 +1570,7 @@
           <a:p>
             <a:fld id="{2B146665-E135-490E-B7E5-94855B004F97}" type="datetimeFigureOut">
               <a:rPr lang="en-US" smtClean="0"/>
-              <a:t>2/16/2024</a:t>
+              <a:t>2/18/2024</a:t>
             </a:fld>
             <a:endParaRPr lang="en-US"/>
           </a:p>
@@ -3067,10 +1669,9 @@
           <a:lstStyle/>
           <a:p>
             <a:r>
-              <a:rPr lang="en-US" smtClean="0"/>
+              <a:rPr lang="en-US"/>
               <a:t>Click to edit Master title style</a:t>
             </a:r>
-            <a:endParaRPr lang="en-US"/>
           </a:p>
         </p:txBody>
       </p:sp>
@@ -3096,38 +1697,37 @@
           <a:p>
             <a:pPr lvl="0"/>
             <a:r>
-              <a:rPr lang="en-US" smtClean="0"/>
+              <a:rPr lang="en-US"/>
               <a:t>Edit Master text styles</a:t>
             </a:r>
           </a:p>
           <a:p>
             <a:pPr lvl="1"/>
             <a:r>
-              <a:rPr lang="en-US" smtClean="0"/>
+              <a:rPr lang="en-US"/>
               <a:t>Second level</a:t>
             </a:r>
           </a:p>
           <a:p>
             <a:pPr lvl="2"/>
             <a:r>
-              <a:rPr lang="en-US" smtClean="0"/>
+              <a:rPr lang="en-US"/>
               <a:t>Third level</a:t>
             </a:r>
           </a:p>
           <a:p>
             <a:pPr lvl="3"/>
             <a:r>
-              <a:rPr lang="en-US" smtClean="0"/>
+              <a:rPr lang="en-US"/>
               <a:t>Fourth level</a:t>
             </a:r>
           </a:p>
           <a:p>
             <a:pPr lvl="4"/>
             <a:r>
-              <a:rPr lang="en-US" smtClean="0"/>
+              <a:rPr lang="en-US"/>
               <a:t>Fifth level</a:t>
             </a:r>
-            <a:endParaRPr lang="en-US"/>
           </a:p>
         </p:txBody>
       </p:sp>
@@ -3148,7 +1748,7 @@
           <a:p>
             <a:fld id="{2B146665-E135-490E-B7E5-94855B004F97}" type="datetimeFigureOut">
               <a:rPr lang="en-US" smtClean="0"/>
-              <a:t>2/16/2024</a:t>
+              <a:t>2/18/2024</a:t>
             </a:fld>
             <a:endParaRPr lang="en-US"/>
           </a:p>
@@ -3437,35 +2037,35 @@
           <a:p>
             <a:pPr lvl="0"/>
             <a:r>
-              <a:rPr lang="en-US" smtClean="0"/>
+              <a:rPr lang="en-US"/>
               <a:t>Edit Master text styles</a:t>
             </a:r>
           </a:p>
           <a:p>
             <a:pPr lvl="1"/>
             <a:r>
-              <a:rPr lang="en-US" smtClean="0"/>
+              <a:rPr lang="en-US"/>
               <a:t>Second level</a:t>
             </a:r>
           </a:p>
           <a:p>
             <a:pPr lvl="2"/>
             <a:r>
-              <a:rPr lang="en-US" smtClean="0"/>
+              <a:rPr lang="en-US"/>
               <a:t>Third level</a:t>
             </a:r>
           </a:p>
           <a:p>
             <a:pPr lvl="3"/>
             <a:r>
-              <a:rPr lang="en-US" smtClean="0"/>
+              <a:rPr lang="en-US"/>
               <a:t>Fourth level</a:t>
             </a:r>
           </a:p>
           <a:p>
             <a:pPr lvl="4"/>
             <a:r>
-              <a:rPr lang="en-US" smtClean="0"/>
+              <a:rPr lang="en-US"/>
               <a:t>Fifth level</a:t>
             </a:r>
             <a:endParaRPr lang="en-US" dirty="0"/>
@@ -3842,10 +2442,9 @@
           <a:lstStyle/>
           <a:p>
             <a:r>
-              <a:rPr lang="en-US" smtClean="0"/>
+              <a:rPr lang="en-US"/>
               <a:t>Click to edit Master title style</a:t>
             </a:r>
-            <a:endParaRPr lang="en-US"/>
           </a:p>
         </p:txBody>
       </p:sp>
@@ -3866,38 +2465,37 @@
           <a:p>
             <a:pPr lvl="0"/>
             <a:r>
-              <a:rPr lang="en-US" smtClean="0"/>
+              <a:rPr lang="en-US"/>
               <a:t>Edit Master text styles</a:t>
             </a:r>
           </a:p>
           <a:p>
             <a:pPr lvl="1"/>
             <a:r>
-              <a:rPr lang="en-US" smtClean="0"/>
+              <a:rPr lang="en-US"/>
               <a:t>Second level</a:t>
             </a:r>
           </a:p>
           <a:p>
             <a:pPr lvl="2"/>
             <a:r>
-              <a:rPr lang="en-US" smtClean="0"/>
+              <a:rPr lang="en-US"/>
               <a:t>Third level</a:t>
             </a:r>
           </a:p>
           <a:p>
             <a:pPr lvl="3"/>
             <a:r>
-              <a:rPr lang="en-US" smtClean="0"/>
+              <a:rPr lang="en-US"/>
               <a:t>Fourth level</a:t>
             </a:r>
           </a:p>
           <a:p>
             <a:pPr lvl="4"/>
             <a:r>
-              <a:rPr lang="en-US" smtClean="0"/>
+              <a:rPr lang="en-US"/>
               <a:t>Fifth level</a:t>
             </a:r>
-            <a:endParaRPr lang="en-US"/>
           </a:p>
         </p:txBody>
       </p:sp>
@@ -3918,7 +2516,7 @@
           <a:p>
             <a:fld id="{2B146665-E135-490E-B7E5-94855B004F97}" type="datetimeFigureOut">
               <a:rPr lang="en-US" smtClean="0"/>
-              <a:t>2/16/2024</a:t>
+              <a:t>2/18/2024</a:t>
             </a:fld>
             <a:endParaRPr lang="en-US"/>
           </a:p>
@@ -4021,10 +2619,9 @@
           </a:lstStyle>
           <a:p>
             <a:r>
-              <a:rPr lang="en-US" smtClean="0"/>
+              <a:rPr lang="en-US"/>
               <a:t>Click to edit Master title style</a:t>
             </a:r>
-            <a:endParaRPr lang="en-US"/>
           </a:p>
         </p:txBody>
       </p:sp>
@@ -4141,7 +2738,7 @@
           <a:p>
             <a:pPr lvl="0"/>
             <a:r>
-              <a:rPr lang="en-US" smtClean="0"/>
+              <a:rPr lang="en-US"/>
               <a:t>Edit Master text styles</a:t>
             </a:r>
           </a:p>
@@ -4164,7 +2761,7 @@
           <a:p>
             <a:fld id="{2B146665-E135-490E-B7E5-94855B004F97}" type="datetimeFigureOut">
               <a:rPr lang="en-US" smtClean="0"/>
-              <a:t>2/16/2024</a:t>
+              <a:t>2/18/2024</a:t>
             </a:fld>
             <a:endParaRPr lang="en-US"/>
           </a:p>
@@ -4258,10 +2855,9 @@
           <a:lstStyle/>
           <a:p>
             <a:r>
-              <a:rPr lang="en-US" smtClean="0"/>
+              <a:rPr lang="en-US"/>
               <a:t>Click to edit Master title style</a:t>
             </a:r>
-            <a:endParaRPr lang="en-US"/>
           </a:p>
         </p:txBody>
       </p:sp>
@@ -4287,38 +2883,37 @@
           <a:p>
             <a:pPr lvl="0"/>
             <a:r>
-              <a:rPr lang="en-US" smtClean="0"/>
+              <a:rPr lang="en-US"/>
               <a:t>Edit Master text styles</a:t>
             </a:r>
           </a:p>
           <a:p>
             <a:pPr lvl="1"/>
             <a:r>
-              <a:rPr lang="en-US" smtClean="0"/>
+              <a:rPr lang="en-US"/>
               <a:t>Second level</a:t>
             </a:r>
           </a:p>
           <a:p>
             <a:pPr lvl="2"/>
             <a:r>
-              <a:rPr lang="en-US" smtClean="0"/>
+              <a:rPr lang="en-US"/>
               <a:t>Third level</a:t>
             </a:r>
           </a:p>
           <a:p>
             <a:pPr lvl="3"/>
             <a:r>
-              <a:rPr lang="en-US" smtClean="0"/>
+              <a:rPr lang="en-US"/>
               <a:t>Fourth level</a:t>
             </a:r>
           </a:p>
           <a:p>
             <a:pPr lvl="4"/>
             <a:r>
-              <a:rPr lang="en-US" smtClean="0"/>
+              <a:rPr lang="en-US"/>
               <a:t>Fifth level</a:t>
             </a:r>
-            <a:endParaRPr lang="en-US"/>
           </a:p>
         </p:txBody>
       </p:sp>
@@ -4344,38 +2939,37 @@
           <a:p>
             <a:pPr lvl="0"/>
             <a:r>
-              <a:rPr lang="en-US" smtClean="0"/>
+              <a:rPr lang="en-US"/>
               <a:t>Edit Master text styles</a:t>
             </a:r>
           </a:p>
           <a:p>
             <a:pPr lvl="1"/>
             <a:r>
-              <a:rPr lang="en-US" smtClean="0"/>
+              <a:rPr lang="en-US"/>
               <a:t>Second level</a:t>
             </a:r>
           </a:p>
           <a:p>
             <a:pPr lvl="2"/>
             <a:r>
-              <a:rPr lang="en-US" smtClean="0"/>
+              <a:rPr lang="en-US"/>
               <a:t>Third level</a:t>
             </a:r>
           </a:p>
           <a:p>
             <a:pPr lvl="3"/>
             <a:r>
-              <a:rPr lang="en-US" smtClean="0"/>
+              <a:rPr lang="en-US"/>
               <a:t>Fourth level</a:t>
             </a:r>
           </a:p>
           <a:p>
             <a:pPr lvl="4"/>
             <a:r>
-              <a:rPr lang="en-US" smtClean="0"/>
+              <a:rPr lang="en-US"/>
               <a:t>Fifth level</a:t>
             </a:r>
-            <a:endParaRPr lang="en-US"/>
           </a:p>
         </p:txBody>
       </p:sp>
@@ -4396,7 +2990,7 @@
           <a:p>
             <a:fld id="{2B146665-E135-490E-B7E5-94855B004F97}" type="datetimeFigureOut">
               <a:rPr lang="en-US" smtClean="0"/>
-              <a:t>2/16/2024</a:t>
+              <a:t>2/18/2024</a:t>
             </a:fld>
             <a:endParaRPr lang="en-US"/>
           </a:p>
@@ -4495,10 +3089,9 @@
           <a:lstStyle/>
           <a:p>
             <a:r>
-              <a:rPr lang="en-US" smtClean="0"/>
+              <a:rPr lang="en-US"/>
               <a:t>Click to edit Master title style</a:t>
             </a:r>
-            <a:endParaRPr lang="en-US"/>
           </a:p>
         </p:txBody>
       </p:sp>
@@ -4561,7 +3154,7 @@
           <a:p>
             <a:pPr lvl="0"/>
             <a:r>
-              <a:rPr lang="en-US" smtClean="0"/>
+              <a:rPr lang="en-US"/>
               <a:t>Edit Master text styles</a:t>
             </a:r>
           </a:p>
@@ -4589,38 +3182,37 @@
           <a:p>
             <a:pPr lvl="0"/>
             <a:r>
-              <a:rPr lang="en-US" smtClean="0"/>
+              <a:rPr lang="en-US"/>
               <a:t>Edit Master text styles</a:t>
             </a:r>
           </a:p>
           <a:p>
             <a:pPr lvl="1"/>
             <a:r>
-              <a:rPr lang="en-US" smtClean="0"/>
+              <a:rPr lang="en-US"/>
               <a:t>Second level</a:t>
             </a:r>
           </a:p>
           <a:p>
             <a:pPr lvl="2"/>
             <a:r>
-              <a:rPr lang="en-US" smtClean="0"/>
+              <a:rPr lang="en-US"/>
               <a:t>Third level</a:t>
             </a:r>
           </a:p>
           <a:p>
             <a:pPr lvl="3"/>
             <a:r>
-              <a:rPr lang="en-US" smtClean="0"/>
+              <a:rPr lang="en-US"/>
               <a:t>Fourth level</a:t>
             </a:r>
           </a:p>
           <a:p>
             <a:pPr lvl="4"/>
             <a:r>
-              <a:rPr lang="en-US" smtClean="0"/>
+              <a:rPr lang="en-US"/>
               <a:t>Fifth level</a:t>
             </a:r>
-            <a:endParaRPr lang="en-US"/>
           </a:p>
         </p:txBody>
       </p:sp>
@@ -4683,7 +3275,7 @@
           <a:p>
             <a:pPr lvl="0"/>
             <a:r>
-              <a:rPr lang="en-US" smtClean="0"/>
+              <a:rPr lang="en-US"/>
               <a:t>Edit Master text styles</a:t>
             </a:r>
           </a:p>
@@ -4711,38 +3303,37 @@
           <a:p>
             <a:pPr lvl="0"/>
             <a:r>
-              <a:rPr lang="en-US" smtClean="0"/>
+              <a:rPr lang="en-US"/>
               <a:t>Edit Master text styles</a:t>
             </a:r>
           </a:p>
           <a:p>
             <a:pPr lvl="1"/>
             <a:r>
-              <a:rPr lang="en-US" smtClean="0"/>
+              <a:rPr lang="en-US"/>
               <a:t>Second level</a:t>
             </a:r>
           </a:p>
           <a:p>
             <a:pPr lvl="2"/>
             <a:r>
-              <a:rPr lang="en-US" smtClean="0"/>
+              <a:rPr lang="en-US"/>
               <a:t>Third level</a:t>
             </a:r>
           </a:p>
           <a:p>
             <a:pPr lvl="3"/>
             <a:r>
-              <a:rPr lang="en-US" smtClean="0"/>
+              <a:rPr lang="en-US"/>
               <a:t>Fourth level</a:t>
             </a:r>
           </a:p>
           <a:p>
             <a:pPr lvl="4"/>
             <a:r>
-              <a:rPr lang="en-US" smtClean="0"/>
+              <a:rPr lang="en-US"/>
               <a:t>Fifth level</a:t>
             </a:r>
-            <a:endParaRPr lang="en-US"/>
           </a:p>
         </p:txBody>
       </p:sp>
@@ -4763,7 +3354,7 @@
           <a:p>
             <a:fld id="{2B146665-E135-490E-B7E5-94855B004F97}" type="datetimeFigureOut">
               <a:rPr lang="en-US" smtClean="0"/>
-              <a:t>2/16/2024</a:t>
+              <a:t>2/18/2024</a:t>
             </a:fld>
             <a:endParaRPr lang="en-US"/>
           </a:p>
@@ -4857,10 +3448,9 @@
           <a:lstStyle/>
           <a:p>
             <a:r>
-              <a:rPr lang="en-US" smtClean="0"/>
+              <a:rPr lang="en-US"/>
               <a:t>Click to edit Master title style</a:t>
             </a:r>
-            <a:endParaRPr lang="en-US"/>
           </a:p>
         </p:txBody>
       </p:sp>
@@ -4881,7 +3471,7 @@
           <a:p>
             <a:fld id="{2B146665-E135-490E-B7E5-94855B004F97}" type="datetimeFigureOut">
               <a:rPr lang="en-US" smtClean="0"/>
-              <a:t>2/16/2024</a:t>
+              <a:t>2/18/2024</a:t>
             </a:fld>
             <a:endParaRPr lang="en-US"/>
           </a:p>
@@ -4976,7 +3566,7 @@
           <a:p>
             <a:fld id="{2B146665-E135-490E-B7E5-94855B004F97}" type="datetimeFigureOut">
               <a:rPr lang="en-US" smtClean="0"/>
-              <a:t>2/16/2024</a:t>
+              <a:t>2/18/2024</a:t>
             </a:fld>
             <a:endParaRPr lang="en-US"/>
           </a:p>
@@ -5079,10 +3669,9 @@
           </a:lstStyle>
           <a:p>
             <a:r>
-              <a:rPr lang="en-US" smtClean="0"/>
+              <a:rPr lang="en-US"/>
               <a:t>Click to edit Master title style</a:t>
             </a:r>
-            <a:endParaRPr lang="en-US"/>
           </a:p>
         </p:txBody>
       </p:sp>
@@ -5136,38 +3725,37 @@
           <a:p>
             <a:pPr lvl="0"/>
             <a:r>
-              <a:rPr lang="en-US" smtClean="0"/>
+              <a:rPr lang="en-US"/>
               <a:t>Edit Master text styles</a:t>
             </a:r>
           </a:p>
           <a:p>
             <a:pPr lvl="1"/>
             <a:r>
-              <a:rPr lang="en-US" smtClean="0"/>
+              <a:rPr lang="en-US"/>
               <a:t>Second level</a:t>
             </a:r>
           </a:p>
           <a:p>
             <a:pPr lvl="2"/>
             <a:r>
-              <a:rPr lang="en-US" smtClean="0"/>
+              <a:rPr lang="en-US"/>
               <a:t>Third level</a:t>
             </a:r>
           </a:p>
           <a:p>
             <a:pPr lvl="3"/>
             <a:r>
-              <a:rPr lang="en-US" smtClean="0"/>
+              <a:rPr lang="en-US"/>
               <a:t>Fourth level</a:t>
             </a:r>
           </a:p>
           <a:p>
             <a:pPr lvl="4"/>
             <a:r>
-              <a:rPr lang="en-US" smtClean="0"/>
+              <a:rPr lang="en-US"/>
               <a:t>Fifth level</a:t>
             </a:r>
-            <a:endParaRPr lang="en-US"/>
           </a:p>
         </p:txBody>
       </p:sp>
@@ -5230,7 +3818,7 @@
           <a:p>
             <a:pPr lvl="0"/>
             <a:r>
-              <a:rPr lang="en-US" smtClean="0"/>
+              <a:rPr lang="en-US"/>
               <a:t>Edit Master text styles</a:t>
             </a:r>
           </a:p>
@@ -5253,7 +3841,7 @@
           <a:p>
             <a:fld id="{2B146665-E135-490E-B7E5-94855B004F97}" type="datetimeFigureOut">
               <a:rPr lang="en-US" smtClean="0"/>
-              <a:t>2/16/2024</a:t>
+              <a:t>2/18/2024</a:t>
             </a:fld>
             <a:endParaRPr lang="en-US"/>
           </a:p>
@@ -5356,10 +3944,9 @@
           </a:lstStyle>
           <a:p>
             <a:r>
-              <a:rPr lang="en-US" smtClean="0"/>
+              <a:rPr lang="en-US"/>
               <a:t>Click to edit Master title style</a:t>
             </a:r>
-            <a:endParaRPr lang="en-US"/>
           </a:p>
         </p:txBody>
       </p:sp>
@@ -5483,7 +4070,7 @@
           <a:p>
             <a:pPr lvl="0"/>
             <a:r>
-              <a:rPr lang="en-US" smtClean="0"/>
+              <a:rPr lang="en-US"/>
               <a:t>Edit Master text styles</a:t>
             </a:r>
           </a:p>
@@ -5506,7 +4093,7 @@
           <a:p>
             <a:fld id="{2B146665-E135-490E-B7E5-94855B004F97}" type="datetimeFigureOut">
               <a:rPr lang="en-US" smtClean="0"/>
-              <a:t>2/16/2024</a:t>
+              <a:t>2/18/2024</a:t>
             </a:fld>
             <a:endParaRPr lang="en-US"/>
           </a:p>
@@ -5615,10 +4202,9 @@
           <a:lstStyle/>
           <a:p>
             <a:r>
-              <a:rPr lang="en-US" smtClean="0"/>
+              <a:rPr lang="en-US"/>
               <a:t>Click to edit Master title style</a:t>
             </a:r>
-            <a:endParaRPr lang="en-US"/>
           </a:p>
         </p:txBody>
       </p:sp>
@@ -5649,38 +4235,37 @@
           <a:p>
             <a:pPr lvl="0"/>
             <a:r>
-              <a:rPr lang="en-US" smtClean="0"/>
+              <a:rPr lang="en-US"/>
               <a:t>Edit Master text styles</a:t>
             </a:r>
           </a:p>
           <a:p>
             <a:pPr lvl="1"/>
             <a:r>
-              <a:rPr lang="en-US" smtClean="0"/>
+              <a:rPr lang="en-US"/>
               <a:t>Second level</a:t>
             </a:r>
           </a:p>
           <a:p>
             <a:pPr lvl="2"/>
             <a:r>
-              <a:rPr lang="en-US" smtClean="0"/>
+              <a:rPr lang="en-US"/>
               <a:t>Third level</a:t>
             </a:r>
           </a:p>
           <a:p>
             <a:pPr lvl="3"/>
             <a:r>
-              <a:rPr lang="en-US" smtClean="0"/>
+              <a:rPr lang="en-US"/>
               <a:t>Fourth level</a:t>
             </a:r>
           </a:p>
           <a:p>
             <a:pPr lvl="4"/>
             <a:r>
-              <a:rPr lang="en-US" smtClean="0"/>
+              <a:rPr lang="en-US"/>
               <a:t>Fifth level</a:t>
             </a:r>
-            <a:endParaRPr lang="en-US"/>
           </a:p>
         </p:txBody>
       </p:sp>
@@ -5719,7 +4304,7 @@
           <a:p>
             <a:fld id="{2B146665-E135-490E-B7E5-94855B004F97}" type="datetimeFigureOut">
               <a:rPr lang="en-US" smtClean="0"/>
-              <a:t>2/16/2024</a:t>
+              <a:t>2/18/2024</a:t>
             </a:fld>
             <a:endParaRPr lang="en-US"/>
           </a:p>
@@ -6245,7 +4830,7 @@
         <p:spPr bwMode="auto">
           <a:xfrm>
             <a:off x="1036320" y="2763647"/>
-            <a:ext cx="10114597" cy="2086725"/>
+            <a:ext cx="10114597" cy="1588127"/>
           </a:xfrm>
           <a:prstGeom prst="rect">
             <a:avLst/>
@@ -6453,18 +5038,7 @@
                 <a:ea typeface="Cambria" panose="02040503050406030204" pitchFamily="18" charset="0"/>
                 <a:cs typeface="Tahoma" panose="020B0604030504040204" pitchFamily="34" charset="0"/>
               </a:rPr>
-              <a:t>PHÂN </a:t>
-            </a:r>
-            <a:r>
-              <a:rPr lang="en-US" altLang="en-US" sz="3600" b="1" dirty="0" smtClean="0">
-                <a:solidFill>
-                  <a:srgbClr val="FFFFFF"/>
-                </a:solidFill>
-                <a:latin typeface="Cambria" panose="02040503050406030204" pitchFamily="18" charset="0"/>
-                <a:ea typeface="Cambria" panose="02040503050406030204" pitchFamily="18" charset="0"/>
-                <a:cs typeface="Tahoma" panose="020B0604030504040204" pitchFamily="34" charset="0"/>
-              </a:rPr>
-              <a:t>TÍCH DVCNT CÓ NHIỀU GIAO DỊCH LỖI TỪ THẺ NƯỚC NGOÀI TỪ 01/01/2022 – 31/12/2023</a:t>
+              <a:t>PHÂN TÍCH DVCNT CÓ NHIỀU GIAO DỊCH LỖI TỪ THẺ NƯỚC NGOÀI</a:t>
             </a:r>
           </a:p>
           <a:p>
@@ -6978,7 +5552,7 @@
               </a:lnSpc>
             </a:pPr>
             <a:r>
-              <a:rPr lang="en-US" altLang="en-US" sz="2800" b="1" dirty="0" smtClean="0">
+              <a:rPr lang="en-US" altLang="en-US" sz="2800" b="1" dirty="0">
                 <a:solidFill>
                   <a:schemeClr val="bg1"/>
                 </a:solidFill>
@@ -6988,14 +5562,6 @@
               </a:rPr>
               <a:t>Feb, 2024</a:t>
             </a:r>
-            <a:endParaRPr lang="en-US" altLang="en-US" sz="2800" b="1" dirty="0">
-              <a:solidFill>
-                <a:schemeClr val="bg1"/>
-              </a:solidFill>
-              <a:latin typeface="Cambria" panose="02040503050406030204" pitchFamily="18" charset="0"/>
-              <a:ea typeface="Cambria" panose="02040503050406030204" pitchFamily="18" charset="0"/>
-              <a:cs typeface="Times New Roman" panose="02020603050405020304" pitchFamily="18" charset="0"/>
-            </a:endParaRPr>
           </a:p>
         </p:txBody>
       </p:sp>
@@ -7252,7 +5818,7 @@
               <a:defRPr/>
             </a:pPr>
             <a:r>
-              <a:rPr lang="en-US" sz="1200" b="1" kern="0" dirty="0" smtClean="0">
+              <a:rPr lang="en-US" sz="1200" b="1" kern="0" dirty="0">
                 <a:solidFill>
                   <a:prstClr val="white"/>
                 </a:solidFill>
@@ -7260,27 +5826,8 @@
                 <a:ea typeface="Tahoma" panose="020B0604030504040204" pitchFamily="34" charset="0"/>
                 <a:cs typeface="Tahoma" panose="020B0604030504040204" pitchFamily="34" charset="0"/>
               </a:rPr>
-              <a:t>EDA – BI.SBD – </a:t>
-            </a:r>
-            <a:r>
-              <a:rPr lang="en-US" sz="1200" b="1" kern="0" dirty="0" smtClean="0">
-                <a:solidFill>
-                  <a:prstClr val="white"/>
-                </a:solidFill>
-                <a:latin typeface="Tahoma" panose="020B0604030504040204" pitchFamily="34" charset="0"/>
-                <a:ea typeface="Tahoma" panose="020B0604030504040204" pitchFamily="34" charset="0"/>
-                <a:cs typeface="Tahoma" panose="020B0604030504040204" pitchFamily="34" charset="0"/>
-              </a:rPr>
-              <a:t>quynhntt17</a:t>
-            </a:r>
-            <a:endParaRPr lang="en-US" sz="1200" b="1" kern="0" dirty="0">
-              <a:solidFill>
-                <a:prstClr val="white"/>
-              </a:solidFill>
-              <a:latin typeface="Tahoma" panose="020B0604030504040204" pitchFamily="34" charset="0"/>
-              <a:ea typeface="Tahoma" panose="020B0604030504040204" pitchFamily="34" charset="0"/>
-              <a:cs typeface="Tahoma" panose="020B0604030504040204" pitchFamily="34" charset="0"/>
-            </a:endParaRPr>
+              <a:t>EDA – BI.SBD – quynhntt17</a:t>
+            </a:r>
           </a:p>
         </p:txBody>
       </p:sp>
@@ -7294,21 +5841,6 @@
   <p:clrMapOvr>
     <a:masterClrMapping/>
   </p:clrMapOvr>
-  <mc:AlternateContent xmlns:mc="http://schemas.openxmlformats.org/markup-compatibility/2006" xmlns:p14="http://schemas.microsoft.com/office/powerpoint/2010/main">
-    <mc:Choice Requires="p14">
-      <p:transition p14:dur="0"/>
-    </mc:Choice>
-    <mc:Fallback xmlns="">
-      <p:transition/>
-    </mc:Fallback>
-  </mc:AlternateContent>
-  <p:timing>
-    <p:tnLst>
-      <p:par>
-        <p:cTn id="1" dur="indefinite" restart="never" nodeType="tmRoot"/>
-      </p:par>
-    </p:tnLst>
-  </p:timing>
 </p:sld>
 </file>
 
@@ -7339,245 +5871,333 @@
             <p:ph sz="quarter" idx="14"/>
           </p:nvPr>
         </p:nvSpPr>
-        <p:spPr/>
+        <p:spPr>
+          <a:xfrm>
+            <a:off x="6522119" y="1425128"/>
+            <a:ext cx="5191671" cy="4203512"/>
+          </a:xfrm>
+        </p:spPr>
         <p:txBody>
           <a:bodyPr/>
           <a:lstStyle/>
+          <a:p>
+            <a:r>
+              <a:rPr lang="en-US" sz="1600" dirty="0"/>
+              <a:t>             </a:t>
+            </a:r>
+          </a:p>
+          <a:p>
+            <a:r>
+              <a:rPr lang="en-US" sz="2200" b="0" dirty="0" err="1">
+                <a:solidFill>
+                  <a:srgbClr val="196847"/>
+                </a:solidFill>
+              </a:rPr>
+              <a:t>Đề</a:t>
+            </a:r>
+            <a:r>
+              <a:rPr lang="en-US" sz="2200" b="0" dirty="0">
+                <a:solidFill>
+                  <a:srgbClr val="196847"/>
+                </a:solidFill>
+              </a:rPr>
+              <a:t> </a:t>
+            </a:r>
+            <a:r>
+              <a:rPr lang="en-US" sz="2200" b="0" dirty="0" err="1">
+                <a:solidFill>
+                  <a:srgbClr val="196847"/>
+                </a:solidFill>
+              </a:rPr>
+              <a:t>Bài</a:t>
+            </a:r>
+            <a:r>
+              <a:rPr lang="en-US" sz="2200" b="0" dirty="0">
+                <a:solidFill>
+                  <a:srgbClr val="196847"/>
+                </a:solidFill>
+              </a:rPr>
+              <a:t> </a:t>
+            </a:r>
+            <a:r>
+              <a:rPr lang="en-US" sz="2200" b="0" dirty="0" err="1">
+                <a:solidFill>
+                  <a:srgbClr val="196847"/>
+                </a:solidFill>
+              </a:rPr>
+              <a:t>Phân</a:t>
+            </a:r>
+            <a:r>
+              <a:rPr lang="en-US" sz="2200" b="0" dirty="0">
+                <a:solidFill>
+                  <a:srgbClr val="196847"/>
+                </a:solidFill>
+              </a:rPr>
+              <a:t> </a:t>
+            </a:r>
+            <a:r>
+              <a:rPr lang="en-US" sz="2200" b="0" dirty="0" err="1">
+                <a:solidFill>
+                  <a:srgbClr val="196847"/>
+                </a:solidFill>
+              </a:rPr>
+              <a:t>Tích</a:t>
+            </a:r>
+            <a:r>
+              <a:rPr lang="en-US" sz="2200" b="0" dirty="0">
+                <a:solidFill>
+                  <a:srgbClr val="196847"/>
+                </a:solidFill>
+              </a:rPr>
+              <a:t> </a:t>
+            </a:r>
+          </a:p>
+          <a:p>
+            <a:r>
+              <a:rPr lang="en-US" sz="1800" b="0" dirty="0" err="1"/>
+              <a:t>Tính</a:t>
+            </a:r>
+            <a:r>
+              <a:rPr lang="en-US" sz="1800" b="0" dirty="0"/>
+              <a:t> </a:t>
+            </a:r>
+            <a:r>
+              <a:rPr lang="en-US" sz="1800" b="0" dirty="0" err="1"/>
+              <a:t>toán</a:t>
+            </a:r>
+            <a:r>
+              <a:rPr lang="en-US" sz="1800" b="0" dirty="0"/>
+              <a:t> </a:t>
+            </a:r>
+            <a:r>
+              <a:rPr lang="en-US" sz="1800" b="0" dirty="0" err="1"/>
+              <a:t>tỷ</a:t>
+            </a:r>
+            <a:r>
+              <a:rPr lang="en-US" sz="1800" b="0" dirty="0"/>
+              <a:t> </a:t>
+            </a:r>
+            <a:r>
+              <a:rPr lang="en-US" sz="1800" b="0" dirty="0" err="1"/>
+              <a:t>lệ</a:t>
+            </a:r>
+            <a:r>
+              <a:rPr lang="en-US" sz="1800" b="0" dirty="0"/>
+              <a:t> </a:t>
+            </a:r>
+            <a:r>
+              <a:rPr lang="en-US" sz="1800" b="0" dirty="0" err="1"/>
+              <a:t>lỗi</a:t>
+            </a:r>
+            <a:r>
+              <a:rPr lang="en-US" sz="1800" b="0" dirty="0"/>
+              <a:t> </a:t>
+            </a:r>
+            <a:r>
+              <a:rPr lang="en-US" sz="1800" b="0" dirty="0" err="1"/>
+              <a:t>của</a:t>
+            </a:r>
+            <a:r>
+              <a:rPr lang="en-US" sz="1800" b="0" dirty="0"/>
+              <a:t> 318 ĐVCNT </a:t>
+            </a:r>
+            <a:r>
+              <a:rPr lang="en-US" sz="1800" b="0" dirty="0" err="1"/>
+              <a:t>có</a:t>
+            </a:r>
+            <a:r>
+              <a:rPr lang="en-US" sz="1800" b="0" dirty="0"/>
+              <a:t> </a:t>
+            </a:r>
+            <a:r>
+              <a:rPr lang="en-US" sz="1800" b="0" dirty="0" err="1"/>
+              <a:t>phát</a:t>
+            </a:r>
+            <a:r>
+              <a:rPr lang="en-US" sz="1800" b="0" dirty="0"/>
+              <a:t>  </a:t>
+            </a:r>
+            <a:r>
+              <a:rPr lang="en-US" sz="1800" b="0" dirty="0" err="1"/>
+              <a:t>sinh</a:t>
+            </a:r>
+            <a:r>
+              <a:rPr lang="en-US" sz="1800" b="0" dirty="0"/>
+              <a:t> </a:t>
+            </a:r>
+            <a:r>
+              <a:rPr lang="en-US" sz="1800" b="0" dirty="0" err="1"/>
+              <a:t>tra</a:t>
+            </a:r>
+            <a:r>
+              <a:rPr lang="en-US" sz="1800" b="0" dirty="0"/>
+              <a:t> </a:t>
+            </a:r>
+            <a:r>
+              <a:rPr lang="en-US" sz="1800" b="0" dirty="0" err="1"/>
+              <a:t>soát</a:t>
+            </a:r>
+            <a:r>
+              <a:rPr lang="en-US" sz="1800" b="0" dirty="0"/>
+              <a:t> </a:t>
+            </a:r>
+            <a:r>
+              <a:rPr lang="en-US" sz="1800" b="0" dirty="0" err="1"/>
+              <a:t>khiếu</a:t>
+            </a:r>
+            <a:r>
+              <a:rPr lang="en-US" sz="1800" b="0" dirty="0"/>
+              <a:t> </a:t>
+            </a:r>
+            <a:r>
+              <a:rPr lang="en-US" sz="1800" b="0" dirty="0" err="1"/>
+              <a:t>nại</a:t>
+            </a:r>
+            <a:r>
+              <a:rPr lang="en-US" sz="1800" b="0" dirty="0"/>
+              <a:t> </a:t>
+            </a:r>
+            <a:r>
+              <a:rPr lang="en-US" sz="1800" b="0" dirty="0" err="1"/>
+              <a:t>từ</a:t>
+            </a:r>
+            <a:r>
+              <a:rPr lang="en-US" sz="1800" b="0" dirty="0"/>
+              <a:t> </a:t>
+            </a:r>
+            <a:r>
+              <a:rPr lang="en-US" sz="1800" b="0" dirty="0" err="1"/>
+              <a:t>thẻ</a:t>
+            </a:r>
+            <a:r>
+              <a:rPr lang="en-US" sz="1800" b="0" dirty="0"/>
+              <a:t> </a:t>
+            </a:r>
+            <a:r>
+              <a:rPr lang="en-US" sz="1800" b="0" dirty="0" err="1"/>
+              <a:t>nước</a:t>
+            </a:r>
+            <a:r>
+              <a:rPr lang="en-US" sz="1800" b="0" dirty="0"/>
+              <a:t> </a:t>
+            </a:r>
+            <a:r>
+              <a:rPr lang="en-US" sz="1800" b="0" dirty="0" err="1"/>
+              <a:t>ngoài</a:t>
+            </a:r>
+            <a:r>
+              <a:rPr lang="en-US" sz="1800" b="0" dirty="0"/>
+              <a:t>.</a:t>
+            </a:r>
+          </a:p>
+          <a:p>
+            <a:endParaRPr lang="en-US" sz="1800" dirty="0"/>
+          </a:p>
+          <a:p>
+            <a:r>
+              <a:rPr lang="en-US" sz="1600" b="0" dirty="0"/>
+              <a:t>                </a:t>
+            </a:r>
+          </a:p>
+          <a:p>
+            <a:r>
+              <a:rPr lang="en-US" sz="1600" b="0" i="1" dirty="0"/>
+              <a:t>                      </a:t>
+            </a:r>
+          </a:p>
+          <a:p>
+            <a:r>
+              <a:rPr lang="en-US" sz="2200" b="0" dirty="0" err="1">
+                <a:solidFill>
+                  <a:srgbClr val="196847"/>
+                </a:solidFill>
+              </a:rPr>
+              <a:t>Thời</a:t>
+            </a:r>
+            <a:r>
+              <a:rPr lang="en-US" sz="2200" b="0" dirty="0">
+                <a:solidFill>
+                  <a:srgbClr val="196847"/>
+                </a:solidFill>
+              </a:rPr>
+              <a:t> Gian </a:t>
+            </a:r>
+            <a:r>
+              <a:rPr lang="en-US" sz="2200" b="0" dirty="0" err="1">
+                <a:solidFill>
+                  <a:srgbClr val="196847"/>
+                </a:solidFill>
+              </a:rPr>
+              <a:t>Lấy</a:t>
+            </a:r>
+            <a:r>
+              <a:rPr lang="en-US" sz="2200" b="0" dirty="0">
+                <a:solidFill>
+                  <a:srgbClr val="196847"/>
+                </a:solidFill>
+              </a:rPr>
+              <a:t> </a:t>
+            </a:r>
+            <a:r>
+              <a:rPr lang="en-US" sz="2200" b="0" dirty="0" err="1">
+                <a:solidFill>
+                  <a:srgbClr val="196847"/>
+                </a:solidFill>
+              </a:rPr>
+              <a:t>Dữ</a:t>
+            </a:r>
+            <a:r>
+              <a:rPr lang="en-US" sz="2200" b="0" dirty="0">
+                <a:solidFill>
+                  <a:srgbClr val="196847"/>
+                </a:solidFill>
+              </a:rPr>
+              <a:t> </a:t>
+            </a:r>
+            <a:r>
+              <a:rPr lang="en-US" sz="2200" b="0" dirty="0" err="1">
+                <a:solidFill>
+                  <a:srgbClr val="196847"/>
+                </a:solidFill>
+              </a:rPr>
+              <a:t>Liệu</a:t>
+            </a:r>
+            <a:r>
+              <a:rPr lang="en-US" sz="2200" b="0" dirty="0">
+                <a:solidFill>
+                  <a:srgbClr val="196847"/>
+                </a:solidFill>
+              </a:rPr>
+              <a:t> </a:t>
+            </a:r>
+          </a:p>
+          <a:p>
+            <a:r>
+              <a:rPr lang="en-US" sz="1800" b="0" dirty="0" err="1"/>
+              <a:t>Từ</a:t>
+            </a:r>
+            <a:r>
+              <a:rPr lang="en-US" sz="1800" b="0" dirty="0"/>
+              <a:t> 01/01/2022 </a:t>
+            </a:r>
+            <a:r>
+              <a:rPr lang="en-US" sz="1800" b="0" dirty="0" err="1"/>
+              <a:t>đến</a:t>
+            </a:r>
+            <a:r>
+              <a:rPr lang="en-US" sz="1800" b="0" dirty="0"/>
+              <a:t> 31/12/2023.</a:t>
+            </a:r>
+          </a:p>
           <a:p>
             <a:pPr marL="342900" indent="-342900">
               <a:buFont typeface="Arial" panose="020B0604020202020204" pitchFamily="34" charset="0"/>
               <a:buChar char="•"/>
             </a:pPr>
-            <a:r>
-              <a:rPr lang="en-US" sz="1600" dirty="0" err="1" smtClean="0"/>
-              <a:t>Đề</a:t>
-            </a:r>
-            <a:r>
-              <a:rPr lang="en-US" sz="1600" dirty="0" smtClean="0"/>
-              <a:t> </a:t>
-            </a:r>
-            <a:r>
-              <a:rPr lang="en-US" sz="1600" dirty="0" err="1" smtClean="0"/>
-              <a:t>bài</a:t>
-            </a:r>
-            <a:r>
-              <a:rPr lang="en-US" sz="1600" dirty="0"/>
-              <a:t> </a:t>
-            </a:r>
-            <a:r>
-              <a:rPr lang="en-US" sz="1600" dirty="0" err="1" smtClean="0"/>
-              <a:t>phân</a:t>
-            </a:r>
-            <a:r>
-              <a:rPr lang="en-US" sz="1600" dirty="0" smtClean="0"/>
-              <a:t> </a:t>
-            </a:r>
-            <a:r>
-              <a:rPr lang="en-US" sz="1600" dirty="0" err="1" smtClean="0"/>
-              <a:t>tích</a:t>
-            </a:r>
-            <a:r>
-              <a:rPr lang="en-US" sz="1600" dirty="0" smtClean="0"/>
-              <a:t>:  </a:t>
-            </a:r>
-            <a:r>
-              <a:rPr lang="en-US" sz="1600" dirty="0" err="1" smtClean="0"/>
-              <a:t>Tính</a:t>
-            </a:r>
-            <a:r>
-              <a:rPr lang="en-US" sz="1600" dirty="0" smtClean="0"/>
-              <a:t> </a:t>
-            </a:r>
-            <a:r>
-              <a:rPr lang="en-US" sz="1600" dirty="0" err="1" smtClean="0"/>
-              <a:t>toán</a:t>
-            </a:r>
-            <a:r>
-              <a:rPr lang="en-US" sz="1600" dirty="0" smtClean="0"/>
-              <a:t> </a:t>
-            </a:r>
-            <a:r>
-              <a:rPr lang="en-US" sz="1600" dirty="0" err="1" smtClean="0"/>
-              <a:t>tỷ</a:t>
-            </a:r>
-            <a:r>
-              <a:rPr lang="en-US" sz="1600" dirty="0" smtClean="0"/>
-              <a:t> </a:t>
-            </a:r>
-            <a:r>
-              <a:rPr lang="en-US" sz="1600" dirty="0" err="1" smtClean="0"/>
-              <a:t>lệ</a:t>
-            </a:r>
-            <a:r>
-              <a:rPr lang="en-US" sz="1600" dirty="0" smtClean="0"/>
-              <a:t> </a:t>
-            </a:r>
-            <a:r>
-              <a:rPr lang="en-US" sz="1600" dirty="0" err="1" smtClean="0"/>
-              <a:t>lỗi</a:t>
-            </a:r>
-            <a:r>
-              <a:rPr lang="en-US" sz="1600" dirty="0" smtClean="0"/>
-              <a:t> </a:t>
-            </a:r>
-            <a:r>
-              <a:rPr lang="en-US" sz="1600" dirty="0" err="1" smtClean="0"/>
-              <a:t>của</a:t>
-            </a:r>
-            <a:r>
-              <a:rPr lang="en-US" sz="1600" dirty="0" smtClean="0"/>
-              <a:t> 318 ĐVCNT </a:t>
-            </a:r>
-            <a:r>
-              <a:rPr lang="en-US" sz="1600" dirty="0" err="1" smtClean="0"/>
-              <a:t>có</a:t>
-            </a:r>
-            <a:r>
-              <a:rPr lang="en-US" sz="1600" dirty="0" smtClean="0"/>
-              <a:t> </a:t>
-            </a:r>
-            <a:r>
-              <a:rPr lang="en-US" sz="1600" dirty="0" err="1" smtClean="0"/>
-              <a:t>phát</a:t>
-            </a:r>
-            <a:r>
-              <a:rPr lang="en-US" sz="1600" dirty="0" smtClean="0"/>
-              <a:t> </a:t>
-            </a:r>
-            <a:r>
-              <a:rPr lang="en-US" sz="1600" dirty="0" err="1" smtClean="0"/>
-              <a:t>sinh</a:t>
-            </a:r>
-            <a:r>
-              <a:rPr lang="en-US" sz="1600" dirty="0" smtClean="0"/>
-              <a:t> </a:t>
-            </a:r>
-            <a:r>
-              <a:rPr lang="en-US" sz="1600" dirty="0" err="1" smtClean="0"/>
-              <a:t>tra</a:t>
-            </a:r>
-            <a:r>
-              <a:rPr lang="en-US" sz="1600" dirty="0" smtClean="0"/>
-              <a:t> </a:t>
-            </a:r>
-            <a:r>
-              <a:rPr lang="en-US" sz="1600" dirty="0" err="1" smtClean="0"/>
-              <a:t>soát</a:t>
-            </a:r>
-            <a:r>
-              <a:rPr lang="en-US" sz="1600" dirty="0" smtClean="0"/>
-              <a:t> </a:t>
-            </a:r>
-            <a:r>
-              <a:rPr lang="en-US" sz="1600" dirty="0" err="1" smtClean="0"/>
-              <a:t>khiếu</a:t>
-            </a:r>
-            <a:r>
-              <a:rPr lang="en-US" sz="1600" dirty="0" smtClean="0"/>
-              <a:t> </a:t>
-            </a:r>
-            <a:r>
-              <a:rPr lang="en-US" sz="1600" dirty="0" err="1" smtClean="0"/>
-              <a:t>nại</a:t>
-            </a:r>
-            <a:r>
-              <a:rPr lang="en-US" sz="1600" dirty="0" smtClean="0"/>
-              <a:t> </a:t>
-            </a:r>
-            <a:r>
-              <a:rPr lang="en-US" sz="1600" dirty="0" err="1" smtClean="0"/>
-              <a:t>từ</a:t>
-            </a:r>
-            <a:r>
-              <a:rPr lang="en-US" sz="1600" dirty="0" smtClean="0"/>
-              <a:t> </a:t>
-            </a:r>
-            <a:r>
-              <a:rPr lang="en-US" sz="1600" dirty="0" err="1" smtClean="0"/>
-              <a:t>thẻ</a:t>
-            </a:r>
-            <a:r>
-              <a:rPr lang="en-US" sz="1600" dirty="0" smtClean="0"/>
-              <a:t> </a:t>
-            </a:r>
-            <a:r>
-              <a:rPr lang="en-US" sz="1600" dirty="0" err="1" smtClean="0"/>
-              <a:t>nước</a:t>
-            </a:r>
-            <a:r>
-              <a:rPr lang="en-US" sz="1600" dirty="0" smtClean="0"/>
-              <a:t> </a:t>
-            </a:r>
-            <a:r>
-              <a:rPr lang="en-US" sz="1600" dirty="0" err="1" smtClean="0"/>
-              <a:t>ngoài</a:t>
-            </a:r>
-            <a:r>
-              <a:rPr lang="en-US" sz="1600" dirty="0" smtClean="0"/>
-              <a:t>.</a:t>
-            </a:r>
-          </a:p>
-          <a:p>
-            <a:pPr marL="342900" indent="-342900">
-              <a:buFont typeface="Arial" panose="020B0604020202020204" pitchFamily="34" charset="0"/>
-              <a:buChar char="•"/>
-            </a:pPr>
-            <a:r>
-              <a:rPr lang="en-US" sz="1600" dirty="0" err="1" smtClean="0"/>
-              <a:t>Thời</a:t>
-            </a:r>
-            <a:r>
-              <a:rPr lang="en-US" sz="1600" dirty="0" smtClean="0"/>
-              <a:t> </a:t>
-            </a:r>
-            <a:r>
-              <a:rPr lang="en-US" sz="1600" dirty="0" err="1" smtClean="0"/>
-              <a:t>gian</a:t>
-            </a:r>
-            <a:r>
-              <a:rPr lang="en-US" sz="1600" dirty="0" smtClean="0"/>
-              <a:t> </a:t>
-            </a:r>
-            <a:r>
-              <a:rPr lang="en-US" sz="1600" dirty="0" err="1" smtClean="0"/>
-              <a:t>lấy</a:t>
-            </a:r>
-            <a:r>
-              <a:rPr lang="en-US" sz="1600" dirty="0" smtClean="0"/>
-              <a:t> </a:t>
-            </a:r>
-            <a:r>
-              <a:rPr lang="en-US" sz="1600" dirty="0" err="1" smtClean="0"/>
-              <a:t>dữ</a:t>
-            </a:r>
-            <a:r>
-              <a:rPr lang="en-US" sz="1600" dirty="0" smtClean="0"/>
-              <a:t> </a:t>
-            </a:r>
-            <a:r>
-              <a:rPr lang="en-US" sz="1600" dirty="0" err="1" smtClean="0"/>
-              <a:t>liệu</a:t>
-            </a:r>
-            <a:r>
-              <a:rPr lang="en-US" sz="1600" dirty="0" smtClean="0"/>
-              <a:t>: </a:t>
-            </a:r>
-            <a:r>
-              <a:rPr lang="en-US" sz="1600" dirty="0" err="1" smtClean="0"/>
-              <a:t>Từ</a:t>
-            </a:r>
-            <a:r>
-              <a:rPr lang="en-US" sz="1600" dirty="0" smtClean="0"/>
-              <a:t> 01/01/2022 </a:t>
-            </a:r>
-            <a:r>
-              <a:rPr lang="en-US" sz="1600" dirty="0" err="1" smtClean="0"/>
-              <a:t>đến</a:t>
-            </a:r>
-            <a:r>
-              <a:rPr lang="en-US" sz="1600" dirty="0" smtClean="0"/>
-              <a:t> 31/12/2023.</a:t>
-            </a:r>
+            <a:endParaRPr lang="en-US" sz="1600" b="0" dirty="0"/>
+          </a:p>
+          <a:p>
+            <a:endParaRPr lang="en-US" sz="1600" dirty="0"/>
           </a:p>
         </p:txBody>
       </p:sp>
@@ -7597,13 +6217,1358 @@
           <a:lstStyle/>
           <a:p>
             <a:r>
-              <a:rPr lang="en-US" dirty="0" smtClean="0"/>
-              <a:t>GIỚI THIỆU</a:t>
-            </a:r>
-            <a:endParaRPr lang="en-US" dirty="0"/>
+              <a:rPr lang="en-US" dirty="0"/>
+              <a:t>ĐỀ BÀI PHÂN TÍCH</a:t>
+            </a:r>
           </a:p>
         </p:txBody>
       </p:sp>
+      <p:grpSp>
+        <p:nvGrpSpPr>
+          <p:cNvPr id="1107" name="Group 1106">
+            <a:extLst>
+              <a:ext uri="{FF2B5EF4-FFF2-40B4-BE49-F238E27FC236}">
+                <a16:creationId xmlns:a16="http://schemas.microsoft.com/office/drawing/2014/main" id="{303F572D-9A0B-3EC8-A0B1-FADD6ADAD32E}"/>
+              </a:ext>
+            </a:extLst>
+          </p:cNvPr>
+          <p:cNvGrpSpPr/>
+          <p:nvPr/>
+        </p:nvGrpSpPr>
+        <p:grpSpPr>
+          <a:xfrm>
+            <a:off x="807506" y="1894603"/>
+            <a:ext cx="5752884" cy="3213149"/>
+            <a:chOff x="258866" y="1423506"/>
+            <a:chExt cx="5752884" cy="3213149"/>
+          </a:xfrm>
+        </p:grpSpPr>
+        <p:grpSp>
+          <p:nvGrpSpPr>
+            <p:cNvPr id="1106" name="Group 1105">
+              <a:extLst>
+                <a:ext uri="{FF2B5EF4-FFF2-40B4-BE49-F238E27FC236}">
+                  <a16:creationId xmlns:a16="http://schemas.microsoft.com/office/drawing/2014/main" id="{52858AB2-B9BF-AD99-7F03-6D9A816413E8}"/>
+                </a:ext>
+              </a:extLst>
+            </p:cNvPr>
+            <p:cNvGrpSpPr/>
+            <p:nvPr/>
+          </p:nvGrpSpPr>
+          <p:grpSpPr>
+            <a:xfrm>
+              <a:off x="258866" y="1423506"/>
+              <a:ext cx="5752884" cy="3213149"/>
+              <a:chOff x="258866" y="1423506"/>
+              <a:chExt cx="5752884" cy="3213149"/>
+            </a:xfrm>
+          </p:grpSpPr>
+          <p:grpSp>
+            <p:nvGrpSpPr>
+              <p:cNvPr id="1084" name="Group 1083">
+                <a:extLst>
+                  <a:ext uri="{FF2B5EF4-FFF2-40B4-BE49-F238E27FC236}">
+                    <a16:creationId xmlns:a16="http://schemas.microsoft.com/office/drawing/2014/main" id="{E2ECE3FD-C325-100C-3801-433428D918D0}"/>
+                  </a:ext>
+                </a:extLst>
+              </p:cNvPr>
+              <p:cNvGrpSpPr/>
+              <p:nvPr/>
+            </p:nvGrpSpPr>
+            <p:grpSpPr>
+              <a:xfrm>
+                <a:off x="258866" y="1593189"/>
+                <a:ext cx="3024513" cy="2736860"/>
+                <a:chOff x="472569" y="1366839"/>
+                <a:chExt cx="3024513" cy="2736860"/>
+              </a:xfrm>
+            </p:grpSpPr>
+            <p:grpSp>
+              <p:nvGrpSpPr>
+                <p:cNvPr id="1073" name="Group 1072">
+                  <a:extLst>
+                    <a:ext uri="{FF2B5EF4-FFF2-40B4-BE49-F238E27FC236}">
+                      <a16:creationId xmlns:a16="http://schemas.microsoft.com/office/drawing/2014/main" id="{8002EF4B-CBB3-3AAE-BC9A-FB91F71BBDC7}"/>
+                    </a:ext>
+                  </a:extLst>
+                </p:cNvPr>
+                <p:cNvGrpSpPr/>
+                <p:nvPr/>
+              </p:nvGrpSpPr>
+              <p:grpSpPr>
+                <a:xfrm>
+                  <a:off x="472569" y="1366839"/>
+                  <a:ext cx="2959657" cy="2736860"/>
+                  <a:chOff x="472569" y="1366839"/>
+                  <a:chExt cx="2959657" cy="2736860"/>
+                </a:xfrm>
+              </p:grpSpPr>
+              <p:grpSp>
+                <p:nvGrpSpPr>
+                  <p:cNvPr id="1047" name="Group 1046">
+                    <a:extLst>
+                      <a:ext uri="{FF2B5EF4-FFF2-40B4-BE49-F238E27FC236}">
+                        <a16:creationId xmlns:a16="http://schemas.microsoft.com/office/drawing/2014/main" id="{38974949-F25A-044B-1A22-754D528B76DC}"/>
+                      </a:ext>
+                    </a:extLst>
+                  </p:cNvPr>
+                  <p:cNvGrpSpPr/>
+                  <p:nvPr/>
+                </p:nvGrpSpPr>
+                <p:grpSpPr>
+                  <a:xfrm>
+                    <a:off x="691912" y="1536920"/>
+                    <a:ext cx="2535013" cy="2390041"/>
+                    <a:chOff x="5857875" y="2707091"/>
+                    <a:chExt cx="2535013" cy="2390041"/>
+                  </a:xfrm>
+                </p:grpSpPr>
+                <p:grpSp>
+                  <p:nvGrpSpPr>
+                    <p:cNvPr id="1048" name="Google Shape;2162;p39">
+                      <a:extLst>
+                        <a:ext uri="{FF2B5EF4-FFF2-40B4-BE49-F238E27FC236}">
+                          <a16:creationId xmlns:a16="http://schemas.microsoft.com/office/drawing/2014/main" id="{8B1BC4B3-FFD2-DE99-89F1-D1EF21DF5845}"/>
+                        </a:ext>
+                      </a:extLst>
+                    </p:cNvPr>
+                    <p:cNvGrpSpPr/>
+                    <p:nvPr/>
+                  </p:nvGrpSpPr>
+                  <p:grpSpPr>
+                    <a:xfrm>
+                      <a:off x="5857875" y="2707091"/>
+                      <a:ext cx="2535013" cy="2390041"/>
+                      <a:chOff x="3614228" y="234880"/>
+                      <a:chExt cx="1915500" cy="1915500"/>
+                    </a:xfrm>
+                  </p:grpSpPr>
+                  <p:sp>
+                    <p:nvSpPr>
+                      <p:cNvPr id="1050" name="Google Shape;2163;p39">
+                        <a:extLst>
+                          <a:ext uri="{FF2B5EF4-FFF2-40B4-BE49-F238E27FC236}">
+                            <a16:creationId xmlns:a16="http://schemas.microsoft.com/office/drawing/2014/main" id="{EC92459B-8D84-2E73-F31B-824E22D66C0A}"/>
+                          </a:ext>
+                        </a:extLst>
+                      </p:cNvPr>
+                      <p:cNvSpPr/>
+                      <p:nvPr/>
+                    </p:nvSpPr>
+                    <p:spPr>
+                      <a:xfrm>
+                        <a:off x="3614228" y="234880"/>
+                        <a:ext cx="1915500" cy="1915500"/>
+                      </a:xfrm>
+                      <a:prstGeom prst="ellipse">
+                        <a:avLst/>
+                      </a:prstGeom>
+                      <a:solidFill>
+                        <a:srgbClr val="196847"/>
+                      </a:solidFill>
+                      <a:ln w="9525" cap="flat" cmpd="sng">
+                        <a:solidFill>
+                          <a:schemeClr val="dk2"/>
+                        </a:solidFill>
+                        <a:prstDash val="solid"/>
+                        <a:round/>
+                        <a:headEnd type="none" w="sm" len="sm"/>
+                        <a:tailEnd type="none" w="sm" len="sm"/>
+                      </a:ln>
+                    </p:spPr>
+                    <p:txBody>
+                      <a:bodyPr spcFirstLastPara="1" wrap="square" lIns="91425" tIns="91425" rIns="91425" bIns="91425" anchor="ctr" anchorCtr="0">
+                        <a:noAutofit/>
+                      </a:bodyPr>
+                      <a:lstStyle/>
+                      <a:p>
+                        <a:pPr marL="0" lvl="0" indent="0" algn="l" rtl="0">
+                          <a:spcBef>
+                            <a:spcPts val="0"/>
+                          </a:spcBef>
+                          <a:spcAft>
+                            <a:spcPts val="0"/>
+                          </a:spcAft>
+                          <a:buNone/>
+                        </a:pPr>
+                        <a:endParaRPr dirty="0"/>
+                      </a:p>
+                    </p:txBody>
+                  </p:sp>
+                  <p:sp>
+                    <p:nvSpPr>
+                      <p:cNvPr id="1051" name="Google Shape;2164;p39">
+                        <a:extLst>
+                          <a:ext uri="{FF2B5EF4-FFF2-40B4-BE49-F238E27FC236}">
+                            <a16:creationId xmlns:a16="http://schemas.microsoft.com/office/drawing/2014/main" id="{FEA36575-FC3B-7DDE-B9A9-F92981C51E11}"/>
+                          </a:ext>
+                        </a:extLst>
+                      </p:cNvPr>
+                      <p:cNvSpPr/>
+                      <p:nvPr/>
+                    </p:nvSpPr>
+                    <p:spPr>
+                      <a:xfrm>
+                        <a:off x="3869711" y="490401"/>
+                        <a:ext cx="1404000" cy="1404000"/>
+                      </a:xfrm>
+                      <a:prstGeom prst="ellipse">
+                        <a:avLst/>
+                      </a:prstGeom>
+                      <a:solidFill>
+                        <a:srgbClr val="FFFFFF"/>
+                      </a:solidFill>
+                      <a:ln w="9525" cap="flat" cmpd="sng">
+                        <a:solidFill>
+                          <a:schemeClr val="dk2"/>
+                        </a:solidFill>
+                        <a:prstDash val="solid"/>
+                        <a:round/>
+                        <a:headEnd type="none" w="sm" len="sm"/>
+                        <a:tailEnd type="none" w="sm" len="sm"/>
+                      </a:ln>
+                    </p:spPr>
+                    <p:txBody>
+                      <a:bodyPr spcFirstLastPara="1" wrap="square" lIns="91425" tIns="91425" rIns="91425" bIns="91425" anchor="ctr" anchorCtr="0">
+                        <a:noAutofit/>
+                      </a:bodyPr>
+                      <a:lstStyle/>
+                      <a:p>
+                        <a:pPr marL="0" lvl="0" indent="0" algn="l" rtl="0">
+                          <a:spcBef>
+                            <a:spcPts val="0"/>
+                          </a:spcBef>
+                          <a:spcAft>
+                            <a:spcPts val="0"/>
+                          </a:spcAft>
+                          <a:buNone/>
+                        </a:pPr>
+                        <a:endParaRPr/>
+                      </a:p>
+                    </p:txBody>
+                  </p:sp>
+                </p:grpSp>
+                <p:pic>
+                  <p:nvPicPr>
+                    <p:cNvPr id="1049" name="Picture 2" descr="Logo ngân hàng VPBank mới nhất file vector CDR AI PDF PNG">
+                      <a:extLst>
+                        <a:ext uri="{FF2B5EF4-FFF2-40B4-BE49-F238E27FC236}">
+                          <a16:creationId xmlns:a16="http://schemas.microsoft.com/office/drawing/2014/main" id="{AE1DCD12-CEA5-E797-7C7A-3359F7985471}"/>
+                        </a:ext>
+                      </a:extLst>
+                    </p:cNvPr>
+                    <p:cNvPicPr>
+                      <a:picLocks noChangeAspect="1" noChangeArrowheads="1"/>
+                    </p:cNvPicPr>
+                    <p:nvPr/>
+                  </p:nvPicPr>
+                  <p:blipFill>
+                    <a:blip r:embed="rId2" cstate="print">
+                      <a:extLst>
+                        <a:ext uri="{28A0092B-C50C-407E-A947-70E740481C1C}">
+                          <a14:useLocalDpi xmlns:a14="http://schemas.microsoft.com/office/drawing/2010/main" val="0"/>
+                        </a:ext>
+                      </a:extLst>
+                    </a:blip>
+                    <a:srcRect/>
+                    <a:stretch>
+                      <a:fillRect/>
+                    </a:stretch>
+                  </p:blipFill>
+                  <p:spPr bwMode="auto">
+                    <a:xfrm>
+                      <a:off x="6476686" y="3275072"/>
+                      <a:ext cx="1286189" cy="1175868"/>
+                    </a:xfrm>
+                    <a:prstGeom prst="rect">
+                      <a:avLst/>
+                    </a:prstGeom>
+                    <a:noFill/>
+                    <a:extLst>
+                      <a:ext uri="{909E8E84-426E-40DD-AFC4-6F175D3DCCD1}">
+                        <a14:hiddenFill xmlns:a14="http://schemas.microsoft.com/office/drawing/2010/main">
+                          <a:solidFill>
+                            <a:srgbClr val="FFFFFF"/>
+                          </a:solidFill>
+                        </a14:hiddenFill>
+                      </a:ext>
+                    </a:extLst>
+                  </p:spPr>
+                </p:pic>
+              </p:grpSp>
+              <p:sp>
+                <p:nvSpPr>
+                  <p:cNvPr id="1057" name="Arc 1056">
+                    <a:extLst>
+                      <a:ext uri="{FF2B5EF4-FFF2-40B4-BE49-F238E27FC236}">
+                        <a16:creationId xmlns:a16="http://schemas.microsoft.com/office/drawing/2014/main" id="{49EBF7FD-3AB3-F890-79B1-DF006B4263DE}"/>
+                      </a:ext>
+                    </a:extLst>
+                  </p:cNvPr>
+                  <p:cNvSpPr/>
+                  <p:nvPr/>
+                </p:nvSpPr>
+                <p:spPr>
+                  <a:xfrm>
+                    <a:off x="472569" y="1366839"/>
+                    <a:ext cx="2959657" cy="2736860"/>
+                  </a:xfrm>
+                  <a:prstGeom prst="arc">
+                    <a:avLst>
+                      <a:gd name="adj1" fmla="val 16190797"/>
+                      <a:gd name="adj2" fmla="val 5656070"/>
+                    </a:avLst>
+                  </a:prstGeom>
+                  <a:noFill/>
+                  <a:ln w="38100">
+                    <a:solidFill>
+                      <a:srgbClr val="008000"/>
+                    </a:solidFill>
+                  </a:ln>
+                </p:spPr>
+                <p:style>
+                  <a:lnRef idx="1">
+                    <a:schemeClr val="accent1"/>
+                  </a:lnRef>
+                  <a:fillRef idx="0">
+                    <a:schemeClr val="accent1"/>
+                  </a:fillRef>
+                  <a:effectRef idx="0">
+                    <a:schemeClr val="accent1"/>
+                  </a:effectRef>
+                  <a:fontRef idx="minor">
+                    <a:schemeClr val="tx1"/>
+                  </a:fontRef>
+                </p:style>
+                <p:txBody>
+                  <a:bodyPr rtlCol="0" anchor="ctr"/>
+                  <a:lstStyle/>
+                  <a:p>
+                    <a:pPr algn="ctr"/>
+                    <a:endParaRPr lang="en-US" dirty="0"/>
+                  </a:p>
+                </p:txBody>
+              </p:sp>
+            </p:grpSp>
+            <p:sp>
+              <p:nvSpPr>
+                <p:cNvPr id="1067" name="Google Shape;2125;p37">
+                  <a:extLst>
+                    <a:ext uri="{FF2B5EF4-FFF2-40B4-BE49-F238E27FC236}">
+                      <a16:creationId xmlns:a16="http://schemas.microsoft.com/office/drawing/2014/main" id="{8E87609B-7463-1FD3-ACF6-3D0B417133B0}"/>
+                    </a:ext>
+                  </a:extLst>
+                </p:cNvPr>
+                <p:cNvSpPr/>
+                <p:nvPr/>
+              </p:nvSpPr>
+              <p:spPr>
+                <a:xfrm>
+                  <a:off x="3319693" y="2618450"/>
+                  <a:ext cx="177389" cy="153969"/>
+                </a:xfrm>
+                <a:prstGeom prst="ellipse">
+                  <a:avLst/>
+                </a:prstGeom>
+                <a:solidFill>
+                  <a:srgbClr val="196847"/>
+                </a:solidFill>
+                <a:ln w="9525" cap="flat" cmpd="sng">
+                  <a:noFill/>
+                  <a:prstDash val="solid"/>
+                  <a:round/>
+                  <a:headEnd type="none" w="sm" len="sm"/>
+                  <a:tailEnd type="none" w="sm" len="sm"/>
+                </a:ln>
+              </p:spPr>
+              <p:txBody>
+                <a:bodyPr spcFirstLastPara="1" wrap="square" lIns="121900" tIns="121900" rIns="121900" bIns="121900" anchor="ctr" anchorCtr="0">
+                  <a:noAutofit/>
+                </a:bodyPr>
+                <a:lstStyle/>
+                <a:p>
+                  <a:endParaRPr sz="2400" dirty="0">
+                    <a:solidFill>
+                      <a:srgbClr val="008000"/>
+                    </a:solidFill>
+                  </a:endParaRPr>
+                </a:p>
+              </p:txBody>
+            </p:sp>
+          </p:grpSp>
+          <p:cxnSp>
+            <p:nvCxnSpPr>
+              <p:cNvPr id="1071" name="Straight Connector 1070">
+                <a:extLst>
+                  <a:ext uri="{FF2B5EF4-FFF2-40B4-BE49-F238E27FC236}">
+                    <a16:creationId xmlns:a16="http://schemas.microsoft.com/office/drawing/2014/main" id="{71B5B41D-C0F3-6F0E-5AA3-999D61225AAD}"/>
+                  </a:ext>
+                </a:extLst>
+              </p:cNvPr>
+              <p:cNvCxnSpPr>
+                <a:cxnSpLocks/>
+                <a:stCxn id="1067" idx="6"/>
+              </p:cNvCxnSpPr>
+              <p:nvPr/>
+            </p:nvCxnSpPr>
+            <p:spPr>
+              <a:xfrm flipV="1">
+                <a:off x="3283379" y="2919185"/>
+                <a:ext cx="1350626" cy="2600"/>
+              </a:xfrm>
+              <a:prstGeom prst="line">
+                <a:avLst/>
+              </a:prstGeom>
+              <a:ln w="38100">
+                <a:solidFill>
+                  <a:srgbClr val="008000"/>
+                </a:solidFill>
+              </a:ln>
+            </p:spPr>
+            <p:style>
+              <a:lnRef idx="1">
+                <a:schemeClr val="accent1"/>
+              </a:lnRef>
+              <a:fillRef idx="0">
+                <a:schemeClr val="accent1"/>
+              </a:fillRef>
+              <a:effectRef idx="0">
+                <a:schemeClr val="accent1"/>
+              </a:effectRef>
+              <a:fontRef idx="minor">
+                <a:schemeClr val="tx1"/>
+              </a:fontRef>
+            </p:style>
+          </p:cxnSp>
+          <p:grpSp>
+            <p:nvGrpSpPr>
+              <p:cNvPr id="1085" name="Group 1084">
+                <a:extLst>
+                  <a:ext uri="{FF2B5EF4-FFF2-40B4-BE49-F238E27FC236}">
+                    <a16:creationId xmlns:a16="http://schemas.microsoft.com/office/drawing/2014/main" id="{8DD7A43B-B0BD-307E-EC85-0B0F5A2A9A49}"/>
+                  </a:ext>
+                </a:extLst>
+              </p:cNvPr>
+              <p:cNvGrpSpPr/>
+              <p:nvPr/>
+            </p:nvGrpSpPr>
+            <p:grpSpPr>
+              <a:xfrm>
+                <a:off x="5179966" y="1423506"/>
+                <a:ext cx="831784" cy="3213149"/>
+                <a:chOff x="5370378" y="1607858"/>
+                <a:chExt cx="831784" cy="2976616"/>
+              </a:xfrm>
+            </p:grpSpPr>
+            <p:grpSp>
+              <p:nvGrpSpPr>
+                <p:cNvPr id="113" name="Group 112">
+                  <a:extLst>
+                    <a:ext uri="{FF2B5EF4-FFF2-40B4-BE49-F238E27FC236}">
+                      <a16:creationId xmlns:a16="http://schemas.microsoft.com/office/drawing/2014/main" id="{BE853EFC-A320-7EA8-4BB9-8BFD86128127}"/>
+                    </a:ext>
+                  </a:extLst>
+                </p:cNvPr>
+                <p:cNvGrpSpPr/>
+                <p:nvPr/>
+              </p:nvGrpSpPr>
+              <p:grpSpPr>
+                <a:xfrm>
+                  <a:off x="5388580" y="1607858"/>
+                  <a:ext cx="738830" cy="837048"/>
+                  <a:chOff x="558270" y="1698810"/>
+                  <a:chExt cx="738830" cy="837048"/>
+                </a:xfrm>
+              </p:grpSpPr>
+              <p:grpSp>
+                <p:nvGrpSpPr>
+                  <p:cNvPr id="86" name="Group 85">
+                    <a:extLst>
+                      <a:ext uri="{FF2B5EF4-FFF2-40B4-BE49-F238E27FC236}">
+                        <a16:creationId xmlns:a16="http://schemas.microsoft.com/office/drawing/2014/main" id="{2AF90226-B1CF-F50F-7EEA-FFF98E8CC880}"/>
+                      </a:ext>
+                    </a:extLst>
+                  </p:cNvPr>
+                  <p:cNvGrpSpPr/>
+                  <p:nvPr/>
+                </p:nvGrpSpPr>
+                <p:grpSpPr>
+                  <a:xfrm>
+                    <a:off x="558270" y="1698810"/>
+                    <a:ext cx="738830" cy="837048"/>
+                    <a:chOff x="731647" y="573573"/>
+                    <a:chExt cx="635100" cy="734640"/>
+                  </a:xfrm>
+                </p:grpSpPr>
+                <p:grpSp>
+                  <p:nvGrpSpPr>
+                    <p:cNvPr id="87" name="Google Shape;2107;p37">
+                      <a:extLst>
+                        <a:ext uri="{FF2B5EF4-FFF2-40B4-BE49-F238E27FC236}">
+                          <a16:creationId xmlns:a16="http://schemas.microsoft.com/office/drawing/2014/main" id="{C0DCC4F8-BEDF-8EA9-BBCA-4FB56C18E23F}"/>
+                        </a:ext>
+                      </a:extLst>
+                    </p:cNvPr>
+                    <p:cNvGrpSpPr/>
+                    <p:nvPr/>
+                  </p:nvGrpSpPr>
+                  <p:grpSpPr>
+                    <a:xfrm>
+                      <a:off x="731647" y="573573"/>
+                      <a:ext cx="635100" cy="635100"/>
+                      <a:chOff x="917231" y="750460"/>
+                      <a:chExt cx="635100" cy="635100"/>
+                    </a:xfrm>
+                  </p:grpSpPr>
+                  <p:sp>
+                    <p:nvSpPr>
+                      <p:cNvPr id="92" name="Google Shape;2108;p37">
+                        <a:extLst>
+                          <a:ext uri="{FF2B5EF4-FFF2-40B4-BE49-F238E27FC236}">
+                            <a16:creationId xmlns:a16="http://schemas.microsoft.com/office/drawing/2014/main" id="{AE0922B3-0A8E-025C-23D8-B1D1750E6EBB}"/>
+                          </a:ext>
+                        </a:extLst>
+                      </p:cNvPr>
+                      <p:cNvSpPr/>
+                      <p:nvPr/>
+                    </p:nvSpPr>
+                    <p:spPr>
+                      <a:xfrm>
+                        <a:off x="917231" y="750460"/>
+                        <a:ext cx="635100" cy="635100"/>
+                      </a:xfrm>
+                      <a:prstGeom prst="ellipse">
+                        <a:avLst/>
+                      </a:prstGeom>
+                      <a:solidFill>
+                        <a:srgbClr val="FFFFFF"/>
+                      </a:solidFill>
+                      <a:ln w="9525" cap="flat" cmpd="sng">
+                        <a:solidFill>
+                          <a:schemeClr val="dk1"/>
+                        </a:solidFill>
+                        <a:prstDash val="solid"/>
+                        <a:round/>
+                        <a:headEnd type="none" w="sm" len="sm"/>
+                        <a:tailEnd type="none" w="sm" len="sm"/>
+                      </a:ln>
+                    </p:spPr>
+                    <p:txBody>
+                      <a:bodyPr spcFirstLastPara="1" wrap="square" lIns="121900" tIns="121900" rIns="121900" bIns="121900" anchor="ctr" anchorCtr="0">
+                        <a:noAutofit/>
+                      </a:bodyPr>
+                      <a:lstStyle/>
+                      <a:p>
+                        <a:endParaRPr sz="2400" dirty="0"/>
+                      </a:p>
+                    </p:txBody>
+                  </p:sp>
+                  <p:sp>
+                    <p:nvSpPr>
+                      <p:cNvPr id="93" name="Google Shape;2109;p37">
+                        <a:extLst>
+                          <a:ext uri="{FF2B5EF4-FFF2-40B4-BE49-F238E27FC236}">
+                            <a16:creationId xmlns:a16="http://schemas.microsoft.com/office/drawing/2014/main" id="{A87A8EB7-1B45-7165-367D-597BC00C21BD}"/>
+                          </a:ext>
+                        </a:extLst>
+                      </p:cNvPr>
+                      <p:cNvSpPr/>
+                      <p:nvPr/>
+                    </p:nvSpPr>
+                    <p:spPr>
+                      <a:xfrm>
+                        <a:off x="1001943" y="835185"/>
+                        <a:ext cx="465600" cy="465600"/>
+                      </a:xfrm>
+                      <a:prstGeom prst="ellipse">
+                        <a:avLst/>
+                      </a:prstGeom>
+                      <a:solidFill>
+                        <a:srgbClr val="196847"/>
+                      </a:solidFill>
+                      <a:ln w="9525" cap="flat" cmpd="sng">
+                        <a:solidFill>
+                          <a:schemeClr val="dk2"/>
+                        </a:solidFill>
+                        <a:prstDash val="solid"/>
+                        <a:round/>
+                        <a:headEnd type="none" w="sm" len="sm"/>
+                        <a:tailEnd type="none" w="sm" len="sm"/>
+                      </a:ln>
+                    </p:spPr>
+                    <p:txBody>
+                      <a:bodyPr spcFirstLastPara="1" wrap="square" lIns="121900" tIns="121900" rIns="121900" bIns="121900" anchor="ctr" anchorCtr="0">
+                        <a:noAutofit/>
+                      </a:bodyPr>
+                      <a:lstStyle/>
+                      <a:p>
+                        <a:endParaRPr sz="2400"/>
+                      </a:p>
+                    </p:txBody>
+                  </p:sp>
+                </p:grpSp>
+                <p:grpSp>
+                  <p:nvGrpSpPr>
+                    <p:cNvPr id="88" name="Google Shape;2110;p37">
+                      <a:extLst>
+                        <a:ext uri="{FF2B5EF4-FFF2-40B4-BE49-F238E27FC236}">
+                          <a16:creationId xmlns:a16="http://schemas.microsoft.com/office/drawing/2014/main" id="{70137E98-E1C3-A8A7-1F96-1F25BB2EE0DC}"/>
+                        </a:ext>
+                      </a:extLst>
+                    </p:cNvPr>
+                    <p:cNvGrpSpPr/>
+                    <p:nvPr/>
+                  </p:nvGrpSpPr>
+                  <p:grpSpPr>
+                    <a:xfrm>
+                      <a:off x="961679" y="1281213"/>
+                      <a:ext cx="175013" cy="27000"/>
+                      <a:chOff x="5662375" y="212375"/>
+                      <a:chExt cx="175013" cy="27000"/>
+                    </a:xfrm>
+                  </p:grpSpPr>
+                  <p:sp>
+                    <p:nvSpPr>
+                      <p:cNvPr id="89" name="Google Shape;2111;p37">
+                        <a:extLst>
+                          <a:ext uri="{FF2B5EF4-FFF2-40B4-BE49-F238E27FC236}">
+                            <a16:creationId xmlns:a16="http://schemas.microsoft.com/office/drawing/2014/main" id="{4879949A-142B-78FD-9E27-B8EC2E3DD4D8}"/>
+                          </a:ext>
+                        </a:extLst>
+                      </p:cNvPr>
+                      <p:cNvSpPr/>
+                      <p:nvPr/>
+                    </p:nvSpPr>
+                    <p:spPr>
+                      <a:xfrm>
+                        <a:off x="5662375" y="212375"/>
+                        <a:ext cx="27000" cy="27000"/>
+                      </a:xfrm>
+                      <a:prstGeom prst="ellipse">
+                        <a:avLst/>
+                      </a:prstGeom>
+                      <a:solidFill>
+                        <a:schemeClr val="dk1"/>
+                      </a:solidFill>
+                      <a:ln>
+                        <a:noFill/>
+                      </a:ln>
+                    </p:spPr>
+                    <p:txBody>
+                      <a:bodyPr spcFirstLastPara="1" wrap="square" lIns="121900" tIns="121900" rIns="121900" bIns="121900" anchor="ctr" anchorCtr="0">
+                        <a:noAutofit/>
+                      </a:bodyPr>
+                      <a:lstStyle/>
+                      <a:p>
+                        <a:endParaRPr sz="2400">
+                          <a:solidFill>
+                            <a:srgbClr val="595959"/>
+                          </a:solidFill>
+                        </a:endParaRPr>
+                      </a:p>
+                    </p:txBody>
+                  </p:sp>
+                  <p:sp>
+                    <p:nvSpPr>
+                      <p:cNvPr id="90" name="Google Shape;2112;p37">
+                        <a:extLst>
+                          <a:ext uri="{FF2B5EF4-FFF2-40B4-BE49-F238E27FC236}">
+                            <a16:creationId xmlns:a16="http://schemas.microsoft.com/office/drawing/2014/main" id="{AC429EA2-8B02-5726-E3D0-F0944260D5EE}"/>
+                          </a:ext>
+                        </a:extLst>
+                      </p:cNvPr>
+                      <p:cNvSpPr/>
+                      <p:nvPr/>
+                    </p:nvSpPr>
+                    <p:spPr>
+                      <a:xfrm>
+                        <a:off x="5736381" y="212375"/>
+                        <a:ext cx="27000" cy="27000"/>
+                      </a:xfrm>
+                      <a:prstGeom prst="ellipse">
+                        <a:avLst/>
+                      </a:prstGeom>
+                      <a:solidFill>
+                        <a:schemeClr val="dk1"/>
+                      </a:solidFill>
+                      <a:ln>
+                        <a:noFill/>
+                      </a:ln>
+                    </p:spPr>
+                    <p:txBody>
+                      <a:bodyPr spcFirstLastPara="1" wrap="square" lIns="121900" tIns="121900" rIns="121900" bIns="121900" anchor="ctr" anchorCtr="0">
+                        <a:noAutofit/>
+                      </a:bodyPr>
+                      <a:lstStyle/>
+                      <a:p>
+                        <a:endParaRPr sz="2400">
+                          <a:solidFill>
+                            <a:srgbClr val="595959"/>
+                          </a:solidFill>
+                        </a:endParaRPr>
+                      </a:p>
+                    </p:txBody>
+                  </p:sp>
+                  <p:sp>
+                    <p:nvSpPr>
+                      <p:cNvPr id="91" name="Google Shape;2113;p37">
+                        <a:extLst>
+                          <a:ext uri="{FF2B5EF4-FFF2-40B4-BE49-F238E27FC236}">
+                            <a16:creationId xmlns:a16="http://schemas.microsoft.com/office/drawing/2014/main" id="{F9B1E073-9EF2-1A75-A973-50D3966F406E}"/>
+                          </a:ext>
+                        </a:extLst>
+                      </p:cNvPr>
+                      <p:cNvSpPr/>
+                      <p:nvPr/>
+                    </p:nvSpPr>
+                    <p:spPr>
+                      <a:xfrm>
+                        <a:off x="5810388" y="212375"/>
+                        <a:ext cx="27000" cy="27000"/>
+                      </a:xfrm>
+                      <a:prstGeom prst="ellipse">
+                        <a:avLst/>
+                      </a:prstGeom>
+                      <a:solidFill>
+                        <a:schemeClr val="dk1"/>
+                      </a:solidFill>
+                      <a:ln>
+                        <a:noFill/>
+                      </a:ln>
+                    </p:spPr>
+                    <p:txBody>
+                      <a:bodyPr spcFirstLastPara="1" wrap="square" lIns="121900" tIns="121900" rIns="121900" bIns="121900" anchor="ctr" anchorCtr="0">
+                        <a:noAutofit/>
+                      </a:bodyPr>
+                      <a:lstStyle/>
+                      <a:p>
+                        <a:endParaRPr sz="2400">
+                          <a:solidFill>
+                            <a:srgbClr val="595959"/>
+                          </a:solidFill>
+                        </a:endParaRPr>
+                      </a:p>
+                    </p:txBody>
+                  </p:sp>
+                </p:grpSp>
+              </p:grpSp>
+              <p:sp>
+                <p:nvSpPr>
+                  <p:cNvPr id="94" name="TextBox 93">
+                    <a:extLst>
+                      <a:ext uri="{FF2B5EF4-FFF2-40B4-BE49-F238E27FC236}">
+                        <a16:creationId xmlns:a16="http://schemas.microsoft.com/office/drawing/2014/main" id="{6898029A-2444-B9A8-AE8E-9EEB6E6E09C7}"/>
+                      </a:ext>
+                    </a:extLst>
+                  </p:cNvPr>
+                  <p:cNvSpPr txBox="1"/>
+                  <p:nvPr/>
+                </p:nvSpPr>
+                <p:spPr>
+                  <a:xfrm>
+                    <a:off x="669426" y="1804677"/>
+                    <a:ext cx="529039" cy="459534"/>
+                  </a:xfrm>
+                  <a:prstGeom prst="rect">
+                    <a:avLst/>
+                  </a:prstGeom>
+                  <a:noFill/>
+                </p:spPr>
+                <p:txBody>
+                  <a:bodyPr wrap="square" rtlCol="0">
+                    <a:spAutoFit/>
+                  </a:bodyPr>
+                  <a:lstStyle/>
+                  <a:p>
+                    <a:r>
+                      <a:rPr lang="en-US" sz="2600" dirty="0">
+                        <a:solidFill>
+                          <a:schemeClr val="bg1"/>
+                        </a:solidFill>
+                        <a:latin typeface="Cam "/>
+                      </a:rPr>
+                      <a:t>01</a:t>
+                    </a:r>
+                  </a:p>
+                </p:txBody>
+              </p:sp>
+            </p:grpSp>
+            <p:grpSp>
+              <p:nvGrpSpPr>
+                <p:cNvPr id="112" name="Group 111">
+                  <a:extLst>
+                    <a:ext uri="{FF2B5EF4-FFF2-40B4-BE49-F238E27FC236}">
+                      <a16:creationId xmlns:a16="http://schemas.microsoft.com/office/drawing/2014/main" id="{6F92A63C-A504-7FCD-F494-57D4346289D7}"/>
+                    </a:ext>
+                  </a:extLst>
+                </p:cNvPr>
+                <p:cNvGrpSpPr/>
+                <p:nvPr/>
+              </p:nvGrpSpPr>
+              <p:grpSpPr>
+                <a:xfrm>
+                  <a:off x="5370378" y="3747426"/>
+                  <a:ext cx="831784" cy="837048"/>
+                  <a:chOff x="554783" y="3275072"/>
+                  <a:chExt cx="831784" cy="837048"/>
+                </a:xfrm>
+              </p:grpSpPr>
+              <p:grpSp>
+                <p:nvGrpSpPr>
+                  <p:cNvPr id="76" name="Group 75">
+                    <a:extLst>
+                      <a:ext uri="{FF2B5EF4-FFF2-40B4-BE49-F238E27FC236}">
+                        <a16:creationId xmlns:a16="http://schemas.microsoft.com/office/drawing/2014/main" id="{73AAC318-6112-4CC6-C5DA-A3994B251FAF}"/>
+                      </a:ext>
+                    </a:extLst>
+                  </p:cNvPr>
+                  <p:cNvGrpSpPr/>
+                  <p:nvPr/>
+                </p:nvGrpSpPr>
+                <p:grpSpPr>
+                  <a:xfrm>
+                    <a:off x="554783" y="3275072"/>
+                    <a:ext cx="738830" cy="837048"/>
+                    <a:chOff x="731647" y="573573"/>
+                    <a:chExt cx="635100" cy="734640"/>
+                  </a:xfrm>
+                </p:grpSpPr>
+                <p:grpSp>
+                  <p:nvGrpSpPr>
+                    <p:cNvPr id="77" name="Google Shape;2107;p37">
+                      <a:extLst>
+                        <a:ext uri="{FF2B5EF4-FFF2-40B4-BE49-F238E27FC236}">
+                          <a16:creationId xmlns:a16="http://schemas.microsoft.com/office/drawing/2014/main" id="{ABC19178-A305-AD21-386E-FC80886A722A}"/>
+                        </a:ext>
+                      </a:extLst>
+                    </p:cNvPr>
+                    <p:cNvGrpSpPr/>
+                    <p:nvPr/>
+                  </p:nvGrpSpPr>
+                  <p:grpSpPr>
+                    <a:xfrm>
+                      <a:off x="731647" y="573573"/>
+                      <a:ext cx="635100" cy="635100"/>
+                      <a:chOff x="917231" y="750460"/>
+                      <a:chExt cx="635100" cy="635100"/>
+                    </a:xfrm>
+                  </p:grpSpPr>
+                  <p:sp>
+                    <p:nvSpPr>
+                      <p:cNvPr id="82" name="Google Shape;2108;p37">
+                        <a:extLst>
+                          <a:ext uri="{FF2B5EF4-FFF2-40B4-BE49-F238E27FC236}">
+                            <a16:creationId xmlns:a16="http://schemas.microsoft.com/office/drawing/2014/main" id="{D77B9599-F617-40DC-5403-14C04F7BDDFC}"/>
+                          </a:ext>
+                        </a:extLst>
+                      </p:cNvPr>
+                      <p:cNvSpPr/>
+                      <p:nvPr/>
+                    </p:nvSpPr>
+                    <p:spPr>
+                      <a:xfrm>
+                        <a:off x="917231" y="750460"/>
+                        <a:ext cx="635100" cy="635100"/>
+                      </a:xfrm>
+                      <a:prstGeom prst="ellipse">
+                        <a:avLst/>
+                      </a:prstGeom>
+                      <a:solidFill>
+                        <a:srgbClr val="FFFFFF"/>
+                      </a:solidFill>
+                      <a:ln w="9525" cap="flat" cmpd="sng">
+                        <a:solidFill>
+                          <a:schemeClr val="dk1"/>
+                        </a:solidFill>
+                        <a:prstDash val="solid"/>
+                        <a:round/>
+                        <a:headEnd type="none" w="sm" len="sm"/>
+                        <a:tailEnd type="none" w="sm" len="sm"/>
+                      </a:ln>
+                    </p:spPr>
+                    <p:txBody>
+                      <a:bodyPr spcFirstLastPara="1" wrap="square" lIns="121900" tIns="121900" rIns="121900" bIns="121900" anchor="ctr" anchorCtr="0">
+                        <a:noAutofit/>
+                      </a:bodyPr>
+                      <a:lstStyle/>
+                      <a:p>
+                        <a:endParaRPr sz="2400"/>
+                      </a:p>
+                    </p:txBody>
+                  </p:sp>
+                  <p:sp>
+                    <p:nvSpPr>
+                      <p:cNvPr id="83" name="Google Shape;2109;p37">
+                        <a:extLst>
+                          <a:ext uri="{FF2B5EF4-FFF2-40B4-BE49-F238E27FC236}">
+                            <a16:creationId xmlns:a16="http://schemas.microsoft.com/office/drawing/2014/main" id="{03CD7472-B6E3-3715-5D9F-BB748C396289}"/>
+                          </a:ext>
+                        </a:extLst>
+                      </p:cNvPr>
+                      <p:cNvSpPr/>
+                      <p:nvPr/>
+                    </p:nvSpPr>
+                    <p:spPr>
+                      <a:xfrm>
+                        <a:off x="1001943" y="835185"/>
+                        <a:ext cx="465600" cy="465600"/>
+                      </a:xfrm>
+                      <a:prstGeom prst="ellipse">
+                        <a:avLst/>
+                      </a:prstGeom>
+                      <a:solidFill>
+                        <a:srgbClr val="196847"/>
+                      </a:solidFill>
+                      <a:ln w="9525" cap="flat" cmpd="sng">
+                        <a:solidFill>
+                          <a:schemeClr val="dk2"/>
+                        </a:solidFill>
+                        <a:prstDash val="solid"/>
+                        <a:round/>
+                        <a:headEnd type="none" w="sm" len="sm"/>
+                        <a:tailEnd type="none" w="sm" len="sm"/>
+                      </a:ln>
+                    </p:spPr>
+                    <p:txBody>
+                      <a:bodyPr spcFirstLastPara="1" wrap="square" lIns="121900" tIns="121900" rIns="121900" bIns="121900" anchor="ctr" anchorCtr="0">
+                        <a:noAutofit/>
+                      </a:bodyPr>
+                      <a:lstStyle/>
+                      <a:p>
+                        <a:endParaRPr sz="2400"/>
+                      </a:p>
+                    </p:txBody>
+                  </p:sp>
+                </p:grpSp>
+                <p:grpSp>
+                  <p:nvGrpSpPr>
+                    <p:cNvPr id="78" name="Google Shape;2110;p37">
+                      <a:extLst>
+                        <a:ext uri="{FF2B5EF4-FFF2-40B4-BE49-F238E27FC236}">
+                          <a16:creationId xmlns:a16="http://schemas.microsoft.com/office/drawing/2014/main" id="{8B19C333-44C2-E61E-0722-AE7F77D8949F}"/>
+                        </a:ext>
+                      </a:extLst>
+                    </p:cNvPr>
+                    <p:cNvGrpSpPr/>
+                    <p:nvPr/>
+                  </p:nvGrpSpPr>
+                  <p:grpSpPr>
+                    <a:xfrm>
+                      <a:off x="961679" y="1281213"/>
+                      <a:ext cx="175013" cy="27000"/>
+                      <a:chOff x="5662375" y="212375"/>
+                      <a:chExt cx="175013" cy="27000"/>
+                    </a:xfrm>
+                  </p:grpSpPr>
+                  <p:sp>
+                    <p:nvSpPr>
+                      <p:cNvPr id="79" name="Google Shape;2111;p37">
+                        <a:extLst>
+                          <a:ext uri="{FF2B5EF4-FFF2-40B4-BE49-F238E27FC236}">
+                            <a16:creationId xmlns:a16="http://schemas.microsoft.com/office/drawing/2014/main" id="{AE85DB5A-D3AE-82CC-0454-0694C8A17E1F}"/>
+                          </a:ext>
+                        </a:extLst>
+                      </p:cNvPr>
+                      <p:cNvSpPr/>
+                      <p:nvPr/>
+                    </p:nvSpPr>
+                    <p:spPr>
+                      <a:xfrm>
+                        <a:off x="5662375" y="212375"/>
+                        <a:ext cx="27000" cy="27000"/>
+                      </a:xfrm>
+                      <a:prstGeom prst="ellipse">
+                        <a:avLst/>
+                      </a:prstGeom>
+                      <a:solidFill>
+                        <a:schemeClr val="dk1"/>
+                      </a:solidFill>
+                      <a:ln>
+                        <a:noFill/>
+                      </a:ln>
+                    </p:spPr>
+                    <p:txBody>
+                      <a:bodyPr spcFirstLastPara="1" wrap="square" lIns="121900" tIns="121900" rIns="121900" bIns="121900" anchor="ctr" anchorCtr="0">
+                        <a:noAutofit/>
+                      </a:bodyPr>
+                      <a:lstStyle/>
+                      <a:p>
+                        <a:endParaRPr sz="2400">
+                          <a:solidFill>
+                            <a:srgbClr val="595959"/>
+                          </a:solidFill>
+                        </a:endParaRPr>
+                      </a:p>
+                    </p:txBody>
+                  </p:sp>
+                  <p:sp>
+                    <p:nvSpPr>
+                      <p:cNvPr id="80" name="Google Shape;2112;p37">
+                        <a:extLst>
+                          <a:ext uri="{FF2B5EF4-FFF2-40B4-BE49-F238E27FC236}">
+                            <a16:creationId xmlns:a16="http://schemas.microsoft.com/office/drawing/2014/main" id="{6E973043-8602-E621-25AA-E75CC5BBB6D9}"/>
+                          </a:ext>
+                        </a:extLst>
+                      </p:cNvPr>
+                      <p:cNvSpPr/>
+                      <p:nvPr/>
+                    </p:nvSpPr>
+                    <p:spPr>
+                      <a:xfrm>
+                        <a:off x="5736381" y="212375"/>
+                        <a:ext cx="27000" cy="27000"/>
+                      </a:xfrm>
+                      <a:prstGeom prst="ellipse">
+                        <a:avLst/>
+                      </a:prstGeom>
+                      <a:solidFill>
+                        <a:schemeClr val="dk1"/>
+                      </a:solidFill>
+                      <a:ln>
+                        <a:noFill/>
+                      </a:ln>
+                    </p:spPr>
+                    <p:txBody>
+                      <a:bodyPr spcFirstLastPara="1" wrap="square" lIns="121900" tIns="121900" rIns="121900" bIns="121900" anchor="ctr" anchorCtr="0">
+                        <a:noAutofit/>
+                      </a:bodyPr>
+                      <a:lstStyle/>
+                      <a:p>
+                        <a:endParaRPr sz="2400">
+                          <a:solidFill>
+                            <a:srgbClr val="595959"/>
+                          </a:solidFill>
+                        </a:endParaRPr>
+                      </a:p>
+                    </p:txBody>
+                  </p:sp>
+                  <p:sp>
+                    <p:nvSpPr>
+                      <p:cNvPr id="81" name="Google Shape;2113;p37">
+                        <a:extLst>
+                          <a:ext uri="{FF2B5EF4-FFF2-40B4-BE49-F238E27FC236}">
+                            <a16:creationId xmlns:a16="http://schemas.microsoft.com/office/drawing/2014/main" id="{771E2598-17CC-8585-CCF6-8763A51CB39D}"/>
+                          </a:ext>
+                        </a:extLst>
+                      </p:cNvPr>
+                      <p:cNvSpPr/>
+                      <p:nvPr/>
+                    </p:nvSpPr>
+                    <p:spPr>
+                      <a:xfrm>
+                        <a:off x="5810388" y="212375"/>
+                        <a:ext cx="27000" cy="27000"/>
+                      </a:xfrm>
+                      <a:prstGeom prst="ellipse">
+                        <a:avLst/>
+                      </a:prstGeom>
+                      <a:solidFill>
+                        <a:schemeClr val="dk1"/>
+                      </a:solidFill>
+                      <a:ln>
+                        <a:noFill/>
+                      </a:ln>
+                    </p:spPr>
+                    <p:txBody>
+                      <a:bodyPr spcFirstLastPara="1" wrap="square" lIns="121900" tIns="121900" rIns="121900" bIns="121900" anchor="ctr" anchorCtr="0">
+                        <a:noAutofit/>
+                      </a:bodyPr>
+                      <a:lstStyle/>
+                      <a:p>
+                        <a:endParaRPr sz="2400">
+                          <a:solidFill>
+                            <a:srgbClr val="595959"/>
+                          </a:solidFill>
+                        </a:endParaRPr>
+                      </a:p>
+                    </p:txBody>
+                  </p:sp>
+                </p:grpSp>
+              </p:grpSp>
+              <p:sp>
+                <p:nvSpPr>
+                  <p:cNvPr id="103" name="TextBox 102">
+                    <a:extLst>
+                      <a:ext uri="{FF2B5EF4-FFF2-40B4-BE49-F238E27FC236}">
+                        <a16:creationId xmlns:a16="http://schemas.microsoft.com/office/drawing/2014/main" id="{F2F107CE-D994-E3B9-A444-797363EFD25A}"/>
+                      </a:ext>
+                    </a:extLst>
+                  </p:cNvPr>
+                  <p:cNvSpPr txBox="1"/>
+                  <p:nvPr/>
+                </p:nvSpPr>
+                <p:spPr>
+                  <a:xfrm>
+                    <a:off x="671533" y="3403148"/>
+                    <a:ext cx="715034" cy="459534"/>
+                  </a:xfrm>
+                  <a:prstGeom prst="rect">
+                    <a:avLst/>
+                  </a:prstGeom>
+                  <a:noFill/>
+                </p:spPr>
+                <p:txBody>
+                  <a:bodyPr wrap="square" rtlCol="0">
+                    <a:spAutoFit/>
+                  </a:bodyPr>
+                  <a:lstStyle/>
+                  <a:p>
+                    <a:r>
+                      <a:rPr lang="en-US" sz="2600" dirty="0">
+                        <a:solidFill>
+                          <a:schemeClr val="bg1"/>
+                        </a:solidFill>
+                        <a:latin typeface="Cam "/>
+                      </a:rPr>
+                      <a:t>02</a:t>
+                    </a:r>
+                  </a:p>
+                </p:txBody>
+              </p:sp>
+            </p:grpSp>
+          </p:grpSp>
+          <p:grpSp>
+            <p:nvGrpSpPr>
+              <p:cNvPr id="1100" name="Group 1099">
+                <a:extLst>
+                  <a:ext uri="{FF2B5EF4-FFF2-40B4-BE49-F238E27FC236}">
+                    <a16:creationId xmlns:a16="http://schemas.microsoft.com/office/drawing/2014/main" id="{F5CCA95F-DB85-1F30-A78F-0457280E7E7B}"/>
+                  </a:ext>
+                </a:extLst>
+              </p:cNvPr>
+              <p:cNvGrpSpPr/>
+              <p:nvPr/>
+            </p:nvGrpSpPr>
+            <p:grpSpPr>
+              <a:xfrm>
+                <a:off x="4698862" y="1795472"/>
+                <a:ext cx="481104" cy="2382648"/>
+                <a:chOff x="4726536" y="1790498"/>
+                <a:chExt cx="481104" cy="2382648"/>
+              </a:xfrm>
+            </p:grpSpPr>
+            <p:cxnSp>
+              <p:nvCxnSpPr>
+                <p:cNvPr id="1080" name="Straight Connector 1079">
+                  <a:extLst>
+                    <a:ext uri="{FF2B5EF4-FFF2-40B4-BE49-F238E27FC236}">
+                      <a16:creationId xmlns:a16="http://schemas.microsoft.com/office/drawing/2014/main" id="{A4615A6E-6F6E-44AB-3E51-F2021A98E107}"/>
+                    </a:ext>
+                  </a:extLst>
+                </p:cNvPr>
+                <p:cNvCxnSpPr>
+                  <a:cxnSpLocks/>
+                </p:cNvCxnSpPr>
+                <p:nvPr/>
+              </p:nvCxnSpPr>
+              <p:spPr>
+                <a:xfrm>
+                  <a:off x="4746161" y="1806666"/>
+                  <a:ext cx="461479" cy="1106"/>
+                </a:xfrm>
+                <a:prstGeom prst="line">
+                  <a:avLst/>
+                </a:prstGeom>
+                <a:ln w="38100">
+                  <a:solidFill>
+                    <a:srgbClr val="008000"/>
+                  </a:solidFill>
+                </a:ln>
+              </p:spPr>
+              <p:style>
+                <a:lnRef idx="1">
+                  <a:schemeClr val="accent1"/>
+                </a:lnRef>
+                <a:fillRef idx="0">
+                  <a:schemeClr val="accent1"/>
+                </a:fillRef>
+                <a:effectRef idx="0">
+                  <a:schemeClr val="accent1"/>
+                </a:effectRef>
+                <a:fontRef idx="minor">
+                  <a:schemeClr val="tx1"/>
+                </a:fontRef>
+              </p:style>
+            </p:cxnSp>
+            <p:cxnSp>
+              <p:nvCxnSpPr>
+                <p:cNvPr id="1082" name="Straight Connector 1081">
+                  <a:extLst>
+                    <a:ext uri="{FF2B5EF4-FFF2-40B4-BE49-F238E27FC236}">
+                      <a16:creationId xmlns:a16="http://schemas.microsoft.com/office/drawing/2014/main" id="{29593244-765F-A847-320E-E58F7125C38E}"/>
+                    </a:ext>
+                  </a:extLst>
+                </p:cNvPr>
+                <p:cNvCxnSpPr>
+                  <a:cxnSpLocks/>
+                </p:cNvCxnSpPr>
+                <p:nvPr/>
+              </p:nvCxnSpPr>
+              <p:spPr>
+                <a:xfrm>
+                  <a:off x="4737810" y="4153311"/>
+                  <a:ext cx="461479" cy="1106"/>
+                </a:xfrm>
+                <a:prstGeom prst="line">
+                  <a:avLst/>
+                </a:prstGeom>
+                <a:ln w="38100">
+                  <a:solidFill>
+                    <a:srgbClr val="008000"/>
+                  </a:solidFill>
+                </a:ln>
+              </p:spPr>
+              <p:style>
+                <a:lnRef idx="1">
+                  <a:schemeClr val="accent1"/>
+                </a:lnRef>
+                <a:fillRef idx="0">
+                  <a:schemeClr val="accent1"/>
+                </a:fillRef>
+                <a:effectRef idx="0">
+                  <a:schemeClr val="accent1"/>
+                </a:effectRef>
+                <a:fontRef idx="minor">
+                  <a:schemeClr val="tx1"/>
+                </a:fontRef>
+              </p:style>
+            </p:cxnSp>
+            <p:cxnSp>
+              <p:nvCxnSpPr>
+                <p:cNvPr id="1096" name="Straight Connector 1095">
+                  <a:extLst>
+                    <a:ext uri="{FF2B5EF4-FFF2-40B4-BE49-F238E27FC236}">
+                      <a16:creationId xmlns:a16="http://schemas.microsoft.com/office/drawing/2014/main" id="{4780C6DF-3CAB-EAD6-F92B-41F1845B1E41}"/>
+                    </a:ext>
+                  </a:extLst>
+                </p:cNvPr>
+                <p:cNvCxnSpPr>
+                  <a:cxnSpLocks/>
+                </p:cNvCxnSpPr>
+                <p:nvPr/>
+              </p:nvCxnSpPr>
+              <p:spPr>
+                <a:xfrm>
+                  <a:off x="4726536" y="1790498"/>
+                  <a:ext cx="15705" cy="2382648"/>
+                </a:xfrm>
+                <a:prstGeom prst="line">
+                  <a:avLst/>
+                </a:prstGeom>
+                <a:ln w="38100">
+                  <a:solidFill>
+                    <a:srgbClr val="008000"/>
+                  </a:solidFill>
+                </a:ln>
+              </p:spPr>
+              <p:style>
+                <a:lnRef idx="1">
+                  <a:schemeClr val="accent1"/>
+                </a:lnRef>
+                <a:fillRef idx="0">
+                  <a:schemeClr val="accent1"/>
+                </a:fillRef>
+                <a:effectRef idx="0">
+                  <a:schemeClr val="accent1"/>
+                </a:effectRef>
+                <a:fontRef idx="minor">
+                  <a:schemeClr val="tx1"/>
+                </a:fontRef>
+              </p:style>
+            </p:cxnSp>
+          </p:grpSp>
+        </p:grpSp>
+        <p:sp>
+          <p:nvSpPr>
+            <p:cNvPr id="1104" name="Google Shape;2125;p37">
+              <a:extLst>
+                <a:ext uri="{FF2B5EF4-FFF2-40B4-BE49-F238E27FC236}">
+                  <a16:creationId xmlns:a16="http://schemas.microsoft.com/office/drawing/2014/main" id="{DDDE7A06-A3D4-84B4-EC64-629B804E9CEE}"/>
+                </a:ext>
+              </a:extLst>
+            </p:cNvPr>
+            <p:cNvSpPr/>
+            <p:nvPr/>
+          </p:nvSpPr>
+          <p:spPr>
+            <a:xfrm>
+              <a:off x="1546769" y="1524260"/>
+              <a:ext cx="177389" cy="153969"/>
+            </a:xfrm>
+            <a:prstGeom prst="ellipse">
+              <a:avLst/>
+            </a:prstGeom>
+            <a:solidFill>
+              <a:srgbClr val="196847"/>
+            </a:solidFill>
+            <a:ln w="9525" cap="flat" cmpd="sng">
+              <a:noFill/>
+              <a:prstDash val="solid"/>
+              <a:round/>
+              <a:headEnd type="none" w="sm" len="sm"/>
+              <a:tailEnd type="none" w="sm" len="sm"/>
+            </a:ln>
+          </p:spPr>
+          <p:txBody>
+            <a:bodyPr spcFirstLastPara="1" wrap="square" lIns="121900" tIns="121900" rIns="121900" bIns="121900" anchor="ctr" anchorCtr="0">
+              <a:noAutofit/>
+            </a:bodyPr>
+            <a:lstStyle/>
+            <a:p>
+              <a:endParaRPr sz="2400" dirty="0">
+                <a:solidFill>
+                  <a:srgbClr val="008000"/>
+                </a:solidFill>
+              </a:endParaRPr>
+            </a:p>
+          </p:txBody>
+        </p:sp>
+        <p:sp>
+          <p:nvSpPr>
+            <p:cNvPr id="1105" name="Google Shape;2125;p37">
+              <a:extLst>
+                <a:ext uri="{FF2B5EF4-FFF2-40B4-BE49-F238E27FC236}">
+                  <a16:creationId xmlns:a16="http://schemas.microsoft.com/office/drawing/2014/main" id="{6742CBDE-045E-9870-7E6F-B105F9E89AAE}"/>
+                </a:ext>
+              </a:extLst>
+            </p:cNvPr>
+            <p:cNvSpPr/>
+            <p:nvPr/>
+          </p:nvSpPr>
+          <p:spPr>
+            <a:xfrm>
+              <a:off x="1458074" y="4243630"/>
+              <a:ext cx="177389" cy="153969"/>
+            </a:xfrm>
+            <a:prstGeom prst="ellipse">
+              <a:avLst/>
+            </a:prstGeom>
+            <a:solidFill>
+              <a:srgbClr val="196847"/>
+            </a:solidFill>
+            <a:ln w="9525" cap="flat" cmpd="sng">
+              <a:noFill/>
+              <a:prstDash val="solid"/>
+              <a:round/>
+              <a:headEnd type="none" w="sm" len="sm"/>
+              <a:tailEnd type="none" w="sm" len="sm"/>
+            </a:ln>
+          </p:spPr>
+          <p:txBody>
+            <a:bodyPr spcFirstLastPara="1" wrap="square" lIns="121900" tIns="121900" rIns="121900" bIns="121900" anchor="ctr" anchorCtr="0">
+              <a:noAutofit/>
+            </a:bodyPr>
+            <a:lstStyle/>
+            <a:p>
+              <a:endParaRPr sz="2400" dirty="0">
+                <a:solidFill>
+                  <a:srgbClr val="008000"/>
+                </a:solidFill>
+              </a:endParaRPr>
+            </a:p>
+          </p:txBody>
+        </p:sp>
+      </p:grpSp>
     </p:spTree>
     <p:extLst>
       <p:ext uri="{BB962C8B-B14F-4D97-AF65-F5344CB8AC3E}">
@@ -7636,189 +7601,6 @@
       </p:grpSpPr>
       <p:sp>
         <p:nvSpPr>
-          <p:cNvPr id="2" name="Content Placeholder 1"/>
-          <p:cNvSpPr>
-            <a:spLocks noGrp="1"/>
-          </p:cNvSpPr>
-          <p:nvPr>
-            <p:ph sz="quarter" idx="14"/>
-          </p:nvPr>
-        </p:nvSpPr>
-        <p:spPr/>
-        <p:txBody>
-          <a:bodyPr/>
-          <a:lstStyle/>
-          <a:p>
-            <a:pPr marL="342900" indent="-342900">
-              <a:buFontTx/>
-              <a:buChar char="-"/>
-            </a:pPr>
-            <a:r>
-              <a:rPr lang="en-US" dirty="0" err="1" smtClean="0"/>
-              <a:t>Hơn</a:t>
-            </a:r>
-            <a:r>
-              <a:rPr lang="en-US" dirty="0" smtClean="0"/>
-              <a:t> 10 </a:t>
-            </a:r>
-            <a:r>
-              <a:rPr lang="en-US" dirty="0" err="1" smtClean="0"/>
-              <a:t>triệu</a:t>
-            </a:r>
-            <a:r>
-              <a:rPr lang="en-US" dirty="0" smtClean="0"/>
-              <a:t> </a:t>
-            </a:r>
-            <a:r>
-              <a:rPr lang="en-US" dirty="0" err="1" smtClean="0"/>
-              <a:t>giao</a:t>
-            </a:r>
-            <a:r>
-              <a:rPr lang="en-US" dirty="0" smtClean="0"/>
-              <a:t> </a:t>
-            </a:r>
-            <a:r>
-              <a:rPr lang="en-US" dirty="0" err="1" smtClean="0"/>
-              <a:t>dịch</a:t>
-            </a:r>
-            <a:r>
-              <a:rPr lang="en-US" dirty="0" smtClean="0"/>
-              <a:t> </a:t>
-            </a:r>
-            <a:r>
-              <a:rPr lang="en-US" dirty="0" err="1" smtClean="0"/>
-              <a:t>được</a:t>
-            </a:r>
-            <a:r>
-              <a:rPr lang="en-US" dirty="0" smtClean="0"/>
-              <a:t> </a:t>
-            </a:r>
-            <a:r>
-              <a:rPr lang="en-US" dirty="0" err="1" smtClean="0"/>
-              <a:t>thực</a:t>
-            </a:r>
-            <a:r>
-              <a:rPr lang="en-US" dirty="0" smtClean="0"/>
-              <a:t> </a:t>
-            </a:r>
-            <a:r>
-              <a:rPr lang="en-US" dirty="0" err="1" smtClean="0"/>
-              <a:t>hiện</a:t>
-            </a:r>
-            <a:r>
-              <a:rPr lang="en-US" dirty="0" smtClean="0"/>
-              <a:t> </a:t>
-            </a:r>
-            <a:r>
-              <a:rPr lang="en-US" dirty="0" err="1" smtClean="0"/>
-              <a:t>bởi</a:t>
-            </a:r>
-            <a:r>
-              <a:rPr lang="en-US" dirty="0" smtClean="0"/>
-              <a:t> 318 ĐVCNT </a:t>
-            </a:r>
-            <a:r>
-              <a:rPr lang="en-US" dirty="0" err="1" smtClean="0"/>
-              <a:t>trong</a:t>
-            </a:r>
-            <a:r>
-              <a:rPr lang="en-US" dirty="0" smtClean="0"/>
-              <a:t> 2 </a:t>
-            </a:r>
-            <a:r>
-              <a:rPr lang="en-US" dirty="0" err="1" smtClean="0"/>
-              <a:t>năm</a:t>
-            </a:r>
-            <a:r>
-              <a:rPr lang="en-US" dirty="0" smtClean="0"/>
-              <a:t> 2022 </a:t>
-            </a:r>
-            <a:r>
-              <a:rPr lang="en-US" dirty="0" err="1" smtClean="0"/>
-              <a:t>và</a:t>
-            </a:r>
-            <a:r>
-              <a:rPr lang="en-US" dirty="0" smtClean="0"/>
-              <a:t> 2023.</a:t>
-            </a:r>
-          </a:p>
-          <a:p>
-            <a:pPr marL="342900" indent="-342900">
-              <a:buFontTx/>
-              <a:buChar char="-"/>
-            </a:pPr>
-            <a:r>
-              <a:rPr lang="en-US" dirty="0" smtClean="0"/>
-              <a:t>&gt; 95% </a:t>
-            </a:r>
-            <a:r>
-              <a:rPr lang="en-US" dirty="0" err="1" smtClean="0"/>
-              <a:t>giao</a:t>
-            </a:r>
-            <a:r>
-              <a:rPr lang="en-US" dirty="0" smtClean="0"/>
-              <a:t> </a:t>
-            </a:r>
-            <a:r>
-              <a:rPr lang="en-US" dirty="0" err="1" smtClean="0"/>
-              <a:t>dịch</a:t>
-            </a:r>
-            <a:r>
-              <a:rPr lang="en-US" dirty="0" smtClean="0"/>
-              <a:t> </a:t>
-            </a:r>
-            <a:r>
-              <a:rPr lang="en-US" dirty="0" err="1" smtClean="0"/>
-              <a:t>thành</a:t>
-            </a:r>
-            <a:r>
-              <a:rPr lang="en-US" dirty="0" smtClean="0"/>
-              <a:t> </a:t>
-            </a:r>
-            <a:r>
-              <a:rPr lang="en-US" dirty="0" err="1" smtClean="0"/>
-              <a:t>công</a:t>
-            </a:r>
-            <a:endParaRPr lang="en-US" dirty="0" smtClean="0"/>
-          </a:p>
-          <a:p>
-            <a:pPr marL="342900" indent="-342900">
-              <a:buFontTx/>
-              <a:buChar char="-"/>
-            </a:pPr>
-            <a:r>
-              <a:rPr lang="en-US" dirty="0" err="1" smtClean="0"/>
-              <a:t>Vẽ</a:t>
-            </a:r>
-            <a:r>
-              <a:rPr lang="en-US" dirty="0" smtClean="0"/>
-              <a:t> </a:t>
-            </a:r>
-            <a:r>
-              <a:rPr lang="en-US" dirty="0" err="1" smtClean="0"/>
-              <a:t>biểu</a:t>
-            </a:r>
-            <a:r>
-              <a:rPr lang="en-US" dirty="0" smtClean="0"/>
-              <a:t> </a:t>
-            </a:r>
-            <a:r>
-              <a:rPr lang="en-US" dirty="0" err="1" smtClean="0"/>
-              <a:t>đồ</a:t>
-            </a:r>
-            <a:endParaRPr lang="en-US" dirty="0" smtClean="0"/>
-          </a:p>
-          <a:p>
-            <a:pPr marL="342900" indent="-342900">
-              <a:buFontTx/>
-              <a:buChar char="-"/>
-            </a:pPr>
-            <a:endParaRPr lang="en-US" dirty="0"/>
-          </a:p>
-        </p:txBody>
-      </p:sp>
-      <p:sp>
-        <p:nvSpPr>
           <p:cNvPr id="3" name="Title 2"/>
           <p:cNvSpPr>
             <a:spLocks noGrp="1"/>
@@ -7833,62 +7615,769 @@
           <a:lstStyle/>
           <a:p>
             <a:r>
-              <a:rPr lang="en-US" dirty="0" err="1" smtClean="0"/>
+              <a:rPr lang="en-US" dirty="0" err="1"/>
               <a:t>Tổng</a:t>
             </a:r>
             <a:r>
-              <a:rPr lang="en-US" dirty="0" smtClean="0"/>
-              <a:t> </a:t>
-            </a:r>
-            <a:r>
-              <a:rPr lang="en-US" dirty="0" err="1" smtClean="0"/>
+              <a:rPr lang="en-US" dirty="0"/>
+              <a:t> </a:t>
+            </a:r>
+            <a:r>
+              <a:rPr lang="en-US" dirty="0" err="1"/>
               <a:t>quan</a:t>
             </a:r>
             <a:r>
-              <a:rPr lang="en-US" dirty="0" smtClean="0"/>
-              <a:t> </a:t>
-            </a:r>
-            <a:r>
-              <a:rPr lang="en-US" dirty="0" err="1" smtClean="0"/>
+              <a:rPr lang="en-US" dirty="0"/>
+              <a:t> </a:t>
+            </a:r>
+            <a:r>
+              <a:rPr lang="en-US" dirty="0" err="1"/>
               <a:t>chung</a:t>
             </a:r>
             <a:r>
-              <a:rPr lang="en-US" dirty="0" smtClean="0"/>
-              <a:t> </a:t>
-            </a:r>
-            <a:r>
-              <a:rPr lang="en-US" dirty="0" err="1" smtClean="0"/>
+              <a:rPr lang="en-US" dirty="0"/>
+              <a:t> </a:t>
+            </a:r>
+            <a:r>
+              <a:rPr lang="en-US" dirty="0" err="1"/>
               <a:t>giao</a:t>
             </a:r>
             <a:r>
-              <a:rPr lang="en-US" dirty="0" smtClean="0"/>
-              <a:t> </a:t>
-            </a:r>
-            <a:r>
-              <a:rPr lang="en-US" dirty="0" err="1" smtClean="0"/>
+              <a:rPr lang="en-US" dirty="0"/>
+              <a:t> </a:t>
+            </a:r>
+            <a:r>
+              <a:rPr lang="en-US" dirty="0" err="1"/>
               <a:t>dịch</a:t>
             </a:r>
             <a:r>
-              <a:rPr lang="en-US" dirty="0" smtClean="0"/>
-              <a:t> </a:t>
-            </a:r>
-            <a:r>
-              <a:rPr lang="en-US" dirty="0" err="1" smtClean="0"/>
+              <a:rPr lang="en-US" dirty="0"/>
+              <a:t> </a:t>
+            </a:r>
+            <a:r>
+              <a:rPr lang="en-US" dirty="0" err="1"/>
               <a:t>của</a:t>
             </a:r>
             <a:r>
-              <a:rPr lang="en-US" dirty="0" smtClean="0"/>
-              <a:t> </a:t>
-            </a:r>
-            <a:r>
-              <a:rPr lang="en-US" dirty="0" err="1" smtClean="0"/>
+              <a:rPr lang="en-US" dirty="0"/>
+              <a:t> </a:t>
+            </a:r>
+            <a:r>
+              <a:rPr lang="en-US" dirty="0" err="1"/>
               <a:t>các</a:t>
             </a:r>
             <a:r>
-              <a:rPr lang="en-US" dirty="0" smtClean="0"/>
+              <a:rPr lang="en-US" dirty="0"/>
               <a:t> ĐVCNT</a:t>
             </a:r>
-            <a:endParaRPr lang="en-US" dirty="0"/>
+          </a:p>
+        </p:txBody>
+      </p:sp>
+      <p:sp>
+        <p:nvSpPr>
+          <p:cNvPr id="4" name="Google Shape;2309;p43">
+            <a:extLst>
+              <a:ext uri="{FF2B5EF4-FFF2-40B4-BE49-F238E27FC236}">
+                <a16:creationId xmlns:a16="http://schemas.microsoft.com/office/drawing/2014/main" id="{3F6B6BB9-E7B5-E9E7-B92A-F0F5D39F967D}"/>
+              </a:ext>
+            </a:extLst>
+          </p:cNvPr>
+          <p:cNvSpPr txBox="1"/>
+          <p:nvPr/>
+        </p:nvSpPr>
+        <p:spPr>
+          <a:xfrm>
+            <a:off x="9364471" y="4198799"/>
+            <a:ext cx="1170400" cy="707200"/>
+          </a:xfrm>
+          <a:prstGeom prst="rect">
+            <a:avLst/>
+          </a:prstGeom>
+          <a:noFill/>
+          <a:ln>
+            <a:noFill/>
+          </a:ln>
+        </p:spPr>
+        <p:txBody>
+          <a:bodyPr spcFirstLastPara="1" wrap="square" lIns="121900" tIns="121900" rIns="121900" bIns="121900" anchor="t" anchorCtr="0">
+            <a:noAutofit/>
+          </a:bodyPr>
+          <a:lstStyle/>
+          <a:p>
+            <a:pPr algn="ctr"/>
+            <a:r>
+              <a:rPr lang="en" sz="4000" dirty="0">
+                <a:solidFill>
+                  <a:schemeClr val="lt1"/>
+                </a:solidFill>
+                <a:latin typeface="Barlow Semi Condensed Medium"/>
+                <a:ea typeface="Barlow Semi Condensed Medium"/>
+                <a:cs typeface="Barlow Semi Condensed Medium"/>
+                <a:sym typeface="Barlow Semi Condensed Medium"/>
+              </a:rPr>
+              <a:t>45K</a:t>
+            </a:r>
+            <a:endParaRPr sz="4000" dirty="0">
+              <a:solidFill>
+                <a:schemeClr val="lt1"/>
+              </a:solidFill>
+              <a:latin typeface="Barlow Semi Condensed Medium"/>
+              <a:ea typeface="Barlow Semi Condensed Medium"/>
+              <a:cs typeface="Barlow Semi Condensed Medium"/>
+              <a:sym typeface="Barlow Semi Condensed Medium"/>
+            </a:endParaRPr>
+          </a:p>
+        </p:txBody>
+      </p:sp>
+      <p:grpSp>
+        <p:nvGrpSpPr>
+          <p:cNvPr id="8" name="Google Shape;2314;p43">
+            <a:extLst>
+              <a:ext uri="{FF2B5EF4-FFF2-40B4-BE49-F238E27FC236}">
+                <a16:creationId xmlns:a16="http://schemas.microsoft.com/office/drawing/2014/main" id="{DAEEB1EE-A942-96CF-3B28-6139373C1081}"/>
+              </a:ext>
+            </a:extLst>
+          </p:cNvPr>
+          <p:cNvGrpSpPr/>
+          <p:nvPr/>
+        </p:nvGrpSpPr>
+        <p:grpSpPr>
+          <a:xfrm>
+            <a:off x="8617803" y="1352282"/>
+            <a:ext cx="1549500" cy="1661200"/>
+            <a:chOff x="6293934" y="1010648"/>
+            <a:chExt cx="1245900" cy="1245900"/>
+          </a:xfrm>
+        </p:grpSpPr>
+        <p:sp>
+          <p:nvSpPr>
+            <p:cNvPr id="9" name="Google Shape;2315;p43">
+              <a:extLst>
+                <a:ext uri="{FF2B5EF4-FFF2-40B4-BE49-F238E27FC236}">
+                  <a16:creationId xmlns:a16="http://schemas.microsoft.com/office/drawing/2014/main" id="{2877198B-DC20-59A8-AB05-69C164F85255}"/>
+                </a:ext>
+              </a:extLst>
+            </p:cNvPr>
+            <p:cNvSpPr/>
+            <p:nvPr/>
+          </p:nvSpPr>
+          <p:spPr>
+            <a:xfrm>
+              <a:off x="6293934" y="1010648"/>
+              <a:ext cx="1245900" cy="1245900"/>
+            </a:xfrm>
+            <a:prstGeom prst="ellipse">
+              <a:avLst/>
+            </a:prstGeom>
+            <a:solidFill>
+              <a:srgbClr val="FFFFFF"/>
+            </a:solidFill>
+            <a:ln w="9525" cap="flat" cmpd="sng">
+              <a:solidFill>
+                <a:schemeClr val="dk1"/>
+              </a:solidFill>
+              <a:prstDash val="solid"/>
+              <a:round/>
+              <a:headEnd type="none" w="sm" len="sm"/>
+              <a:tailEnd type="none" w="sm" len="sm"/>
+            </a:ln>
+          </p:spPr>
+          <p:txBody>
+            <a:bodyPr spcFirstLastPara="1" wrap="square" lIns="121900" tIns="121900" rIns="121900" bIns="121900" anchor="ctr" anchorCtr="0">
+              <a:noAutofit/>
+            </a:bodyPr>
+            <a:lstStyle/>
+            <a:p>
+              <a:endParaRPr sz="2400"/>
+            </a:p>
+          </p:txBody>
+        </p:sp>
+        <p:sp>
+          <p:nvSpPr>
+            <p:cNvPr id="10" name="Google Shape;2316;p43">
+              <a:extLst>
+                <a:ext uri="{FF2B5EF4-FFF2-40B4-BE49-F238E27FC236}">
+                  <a16:creationId xmlns:a16="http://schemas.microsoft.com/office/drawing/2014/main" id="{6F8AFF0A-F7A9-839F-B1B7-E2B1E027F3AF}"/>
+                </a:ext>
+              </a:extLst>
+            </p:cNvPr>
+            <p:cNvSpPr/>
+            <p:nvPr/>
+          </p:nvSpPr>
+          <p:spPr>
+            <a:xfrm>
+              <a:off x="6401784" y="1118586"/>
+              <a:ext cx="1030200" cy="1030200"/>
+            </a:xfrm>
+            <a:prstGeom prst="ellipse">
+              <a:avLst/>
+            </a:prstGeom>
+            <a:solidFill>
+              <a:srgbClr val="196847"/>
+            </a:solidFill>
+            <a:ln w="9525" cap="flat" cmpd="sng">
+              <a:solidFill>
+                <a:srgbClr val="006400"/>
+              </a:solidFill>
+              <a:prstDash val="solid"/>
+              <a:round/>
+              <a:headEnd type="none" w="sm" len="sm"/>
+              <a:tailEnd type="none" w="sm" len="sm"/>
+            </a:ln>
+          </p:spPr>
+          <p:txBody>
+            <a:bodyPr spcFirstLastPara="1" wrap="square" lIns="121900" tIns="121900" rIns="121900" bIns="121900" anchor="ctr" anchorCtr="0">
+              <a:noAutofit/>
+            </a:bodyPr>
+            <a:lstStyle/>
+            <a:p>
+              <a:endParaRPr sz="2400"/>
+            </a:p>
+          </p:txBody>
+        </p:sp>
+      </p:grpSp>
+      <p:sp>
+        <p:nvSpPr>
+          <p:cNvPr id="11" name="Google Shape;2317;p43">
+            <a:extLst>
+              <a:ext uri="{FF2B5EF4-FFF2-40B4-BE49-F238E27FC236}">
+                <a16:creationId xmlns:a16="http://schemas.microsoft.com/office/drawing/2014/main" id="{F87A5C7A-BF8A-EB77-E986-39E2D13DEDB8}"/>
+              </a:ext>
+            </a:extLst>
+          </p:cNvPr>
+          <p:cNvSpPr txBox="1"/>
+          <p:nvPr/>
+        </p:nvSpPr>
+        <p:spPr>
+          <a:xfrm rot="10800000" flipV="1">
+            <a:off x="8524240" y="1706880"/>
+            <a:ext cx="1720465" cy="1056130"/>
+          </a:xfrm>
+          <a:prstGeom prst="rect">
+            <a:avLst/>
+          </a:prstGeom>
+          <a:noFill/>
+          <a:ln>
+            <a:noFill/>
+          </a:ln>
+        </p:spPr>
+        <p:txBody>
+          <a:bodyPr spcFirstLastPara="1" wrap="square" lIns="121900" tIns="121900" rIns="121900" bIns="121900" anchor="ctr" anchorCtr="0">
+            <a:noAutofit/>
+          </a:bodyPr>
+          <a:lstStyle/>
+          <a:p>
+            <a:pPr algn="ctr"/>
+            <a:r>
+              <a:rPr lang="en" sz="2400" b="1" dirty="0">
+                <a:solidFill>
+                  <a:schemeClr val="lt1"/>
+                </a:solidFill>
+                <a:latin typeface="Cam "/>
+                <a:ea typeface="Barlow Semi Condensed Medium"/>
+                <a:cs typeface="Barlow Semi Condensed Medium"/>
+                <a:sym typeface="Barlow Semi Condensed Medium"/>
+              </a:rPr>
+              <a:t>Hơn 10  triệu</a:t>
+            </a:r>
+            <a:endParaRPr sz="2400" b="1" dirty="0">
+              <a:solidFill>
+                <a:schemeClr val="lt1"/>
+              </a:solidFill>
+              <a:latin typeface="Cam "/>
+              <a:ea typeface="Barlow Semi Condensed Medium"/>
+              <a:cs typeface="Barlow Semi Condensed Medium"/>
+              <a:sym typeface="Barlow Semi Condensed Medium"/>
+            </a:endParaRPr>
+          </a:p>
+        </p:txBody>
+      </p:sp>
+      <p:sp>
+        <p:nvSpPr>
+          <p:cNvPr id="12" name="Google Shape;2319;p43">
+            <a:extLst>
+              <a:ext uri="{FF2B5EF4-FFF2-40B4-BE49-F238E27FC236}">
+                <a16:creationId xmlns:a16="http://schemas.microsoft.com/office/drawing/2014/main" id="{4D483AA9-80CA-385A-68C9-EFC95A7C2BB1}"/>
+              </a:ext>
+            </a:extLst>
+          </p:cNvPr>
+          <p:cNvSpPr txBox="1"/>
+          <p:nvPr/>
+        </p:nvSpPr>
+        <p:spPr>
+          <a:xfrm rot="10800000" flipV="1">
+            <a:off x="9034669" y="4472609"/>
+            <a:ext cx="785191" cy="188843"/>
+          </a:xfrm>
+          <a:prstGeom prst="rect">
+            <a:avLst/>
+          </a:prstGeom>
+          <a:noFill/>
+          <a:ln>
+            <a:noFill/>
+          </a:ln>
+        </p:spPr>
+        <p:txBody>
+          <a:bodyPr spcFirstLastPara="1" wrap="square" lIns="121900" tIns="121900" rIns="121900" bIns="121900" anchor="ctr" anchorCtr="0">
+            <a:noAutofit/>
+          </a:bodyPr>
+          <a:lstStyle/>
+          <a:p>
+            <a:pPr algn="ctr"/>
+            <a:r>
+              <a:rPr lang="en" sz="3600" dirty="0">
+                <a:solidFill>
+                  <a:schemeClr val="lt1"/>
+                </a:solidFill>
+                <a:latin typeface="Barlow Semi Condensed Medium"/>
+                <a:ea typeface="Barlow Semi Condensed Medium"/>
+                <a:cs typeface="Barlow Semi Condensed Medium"/>
+                <a:sym typeface="Barlow Semi Condensed Medium"/>
+              </a:rPr>
+              <a:t>95%</a:t>
+            </a:r>
+            <a:endParaRPr sz="3600" dirty="0">
+              <a:solidFill>
+                <a:schemeClr val="lt1"/>
+              </a:solidFill>
+              <a:latin typeface="Barlow Semi Condensed Medium"/>
+              <a:ea typeface="Barlow Semi Condensed Medium"/>
+              <a:cs typeface="Barlow Semi Condensed Medium"/>
+              <a:sym typeface="Barlow Semi Condensed Medium"/>
+            </a:endParaRPr>
+          </a:p>
+        </p:txBody>
+      </p:sp>
+      <p:sp>
+        <p:nvSpPr>
+          <p:cNvPr id="19" name="TextBox 18">
+            <a:extLst>
+              <a:ext uri="{FF2B5EF4-FFF2-40B4-BE49-F238E27FC236}">
+                <a16:creationId xmlns:a16="http://schemas.microsoft.com/office/drawing/2014/main" id="{9E9EE1CB-E1C9-A1A6-AAE3-9F09ED6B07FD}"/>
+              </a:ext>
+            </a:extLst>
+          </p:cNvPr>
+          <p:cNvSpPr txBox="1"/>
+          <p:nvPr/>
+        </p:nvSpPr>
+        <p:spPr>
+          <a:xfrm>
+            <a:off x="7343775" y="3133851"/>
+            <a:ext cx="4486275" cy="369332"/>
+          </a:xfrm>
+          <a:prstGeom prst="rect">
+            <a:avLst/>
+          </a:prstGeom>
+          <a:noFill/>
+        </p:spPr>
+        <p:txBody>
+          <a:bodyPr wrap="square" rtlCol="0">
+            <a:spAutoFit/>
+          </a:bodyPr>
+          <a:lstStyle/>
+          <a:p>
+            <a:r>
+              <a:rPr lang="en-US" dirty="0">
+                <a:latin typeface="Cambria" panose="02040503050406030204" pitchFamily="18" charset="0"/>
+                <a:ea typeface="Cambria" panose="02040503050406030204" pitchFamily="18" charset="0"/>
+              </a:rPr>
+              <a:t>Giao </a:t>
+            </a:r>
+            <a:r>
+              <a:rPr lang="en-US" dirty="0" err="1">
+                <a:latin typeface="Cambria" panose="02040503050406030204" pitchFamily="18" charset="0"/>
+                <a:ea typeface="Cambria" panose="02040503050406030204" pitchFamily="18" charset="0"/>
+              </a:rPr>
+              <a:t>dịch</a:t>
+            </a:r>
+            <a:r>
+              <a:rPr lang="en-US" dirty="0">
+                <a:latin typeface="Cambria" panose="02040503050406030204" pitchFamily="18" charset="0"/>
+                <a:ea typeface="Cambria" panose="02040503050406030204" pitchFamily="18" charset="0"/>
+              </a:rPr>
+              <a:t> </a:t>
+            </a:r>
+            <a:r>
+              <a:rPr lang="en-US" dirty="0" err="1">
+                <a:latin typeface="Cambria" panose="02040503050406030204" pitchFamily="18" charset="0"/>
+                <a:ea typeface="Cambria" panose="02040503050406030204" pitchFamily="18" charset="0"/>
+              </a:rPr>
+              <a:t>được</a:t>
+            </a:r>
+            <a:r>
+              <a:rPr lang="en-US" dirty="0">
+                <a:latin typeface="Cambria" panose="02040503050406030204" pitchFamily="18" charset="0"/>
+                <a:ea typeface="Cambria" panose="02040503050406030204" pitchFamily="18" charset="0"/>
+              </a:rPr>
+              <a:t> </a:t>
+            </a:r>
+            <a:r>
+              <a:rPr lang="en-US" dirty="0" err="1">
+                <a:latin typeface="Cambria" panose="02040503050406030204" pitchFamily="18" charset="0"/>
+                <a:ea typeface="Cambria" panose="02040503050406030204" pitchFamily="18" charset="0"/>
+              </a:rPr>
+              <a:t>thực</a:t>
+            </a:r>
+            <a:r>
+              <a:rPr lang="en-US" dirty="0">
+                <a:latin typeface="Cambria" panose="02040503050406030204" pitchFamily="18" charset="0"/>
+                <a:ea typeface="Cambria" panose="02040503050406030204" pitchFamily="18" charset="0"/>
+              </a:rPr>
+              <a:t> </a:t>
+            </a:r>
+            <a:r>
+              <a:rPr lang="en-US" dirty="0" err="1">
+                <a:latin typeface="Cambria" panose="02040503050406030204" pitchFamily="18" charset="0"/>
+                <a:ea typeface="Cambria" panose="02040503050406030204" pitchFamily="18" charset="0"/>
+              </a:rPr>
+              <a:t>hiện</a:t>
+            </a:r>
+            <a:r>
+              <a:rPr lang="en-US" dirty="0">
+                <a:latin typeface="Cambria" panose="02040503050406030204" pitchFamily="18" charset="0"/>
+                <a:ea typeface="Cambria" panose="02040503050406030204" pitchFamily="18" charset="0"/>
+              </a:rPr>
+              <a:t> </a:t>
+            </a:r>
+            <a:r>
+              <a:rPr lang="en-US" dirty="0" err="1">
+                <a:latin typeface="Cambria" panose="02040503050406030204" pitchFamily="18" charset="0"/>
+                <a:ea typeface="Cambria" panose="02040503050406030204" pitchFamily="18" charset="0"/>
+              </a:rPr>
+              <a:t>bởi</a:t>
+            </a:r>
+            <a:r>
+              <a:rPr lang="en-US" dirty="0">
+                <a:latin typeface="Cambria" panose="02040503050406030204" pitchFamily="18" charset="0"/>
+                <a:ea typeface="Cambria" panose="02040503050406030204" pitchFamily="18" charset="0"/>
+              </a:rPr>
+              <a:t> 318 ĐVCNT</a:t>
+            </a:r>
+          </a:p>
+        </p:txBody>
+      </p:sp>
+      <p:sp>
+        <p:nvSpPr>
+          <p:cNvPr id="22" name="TextBox 21">
+            <a:extLst>
+              <a:ext uri="{FF2B5EF4-FFF2-40B4-BE49-F238E27FC236}">
+                <a16:creationId xmlns:a16="http://schemas.microsoft.com/office/drawing/2014/main" id="{383F844A-D1D9-FFD8-F087-D8583D4E12A2}"/>
+              </a:ext>
+            </a:extLst>
+          </p:cNvPr>
+          <p:cNvSpPr txBox="1"/>
+          <p:nvPr/>
+        </p:nvSpPr>
+        <p:spPr>
+          <a:xfrm>
+            <a:off x="7343775" y="5570940"/>
+            <a:ext cx="4293442" cy="369332"/>
+          </a:xfrm>
+          <a:prstGeom prst="rect">
+            <a:avLst/>
+          </a:prstGeom>
+          <a:noFill/>
+        </p:spPr>
+        <p:txBody>
+          <a:bodyPr wrap="square" rtlCol="0">
+            <a:spAutoFit/>
+          </a:bodyPr>
+          <a:lstStyle/>
+          <a:p>
+            <a:r>
+              <a:rPr lang="en-US" dirty="0">
+                <a:latin typeface="Cambria" panose="02040503050406030204" pitchFamily="18" charset="0"/>
+                <a:ea typeface="Cambria" panose="02040503050406030204" pitchFamily="18" charset="0"/>
+              </a:rPr>
+              <a:t>                         Giao </a:t>
+            </a:r>
+            <a:r>
+              <a:rPr lang="en-US" dirty="0" err="1">
+                <a:latin typeface="Cambria" panose="02040503050406030204" pitchFamily="18" charset="0"/>
+                <a:ea typeface="Cambria" panose="02040503050406030204" pitchFamily="18" charset="0"/>
+              </a:rPr>
+              <a:t>dịch</a:t>
+            </a:r>
+            <a:r>
+              <a:rPr lang="en-US" dirty="0">
+                <a:latin typeface="Cambria" panose="02040503050406030204" pitchFamily="18" charset="0"/>
+                <a:ea typeface="Cambria" panose="02040503050406030204" pitchFamily="18" charset="0"/>
+              </a:rPr>
+              <a:t> </a:t>
+            </a:r>
+            <a:r>
+              <a:rPr lang="en-US" dirty="0" err="1">
+                <a:latin typeface="Cambria" panose="02040503050406030204" pitchFamily="18" charset="0"/>
+                <a:ea typeface="Cambria" panose="02040503050406030204" pitchFamily="18" charset="0"/>
+              </a:rPr>
+              <a:t>thành</a:t>
+            </a:r>
+            <a:r>
+              <a:rPr lang="en-US" dirty="0">
+                <a:latin typeface="Cambria" panose="02040503050406030204" pitchFamily="18" charset="0"/>
+                <a:ea typeface="Cambria" panose="02040503050406030204" pitchFamily="18" charset="0"/>
+              </a:rPr>
+              <a:t> </a:t>
+            </a:r>
+            <a:r>
+              <a:rPr lang="en-US" dirty="0" err="1">
+                <a:latin typeface="Cambria" panose="02040503050406030204" pitchFamily="18" charset="0"/>
+                <a:ea typeface="Cambria" panose="02040503050406030204" pitchFamily="18" charset="0"/>
+              </a:rPr>
+              <a:t>công</a:t>
+            </a:r>
+            <a:endParaRPr lang="en-US" dirty="0">
+              <a:latin typeface="Cambria" panose="02040503050406030204" pitchFamily="18" charset="0"/>
+              <a:ea typeface="Cambria" panose="02040503050406030204" pitchFamily="18" charset="0"/>
+            </a:endParaRPr>
+          </a:p>
+        </p:txBody>
+      </p:sp>
+      <p:pic>
+        <p:nvPicPr>
+          <p:cNvPr id="30" name="Content Placeholder 29">
+            <a:extLst>
+              <a:ext uri="{FF2B5EF4-FFF2-40B4-BE49-F238E27FC236}">
+                <a16:creationId xmlns:a16="http://schemas.microsoft.com/office/drawing/2014/main" id="{0EA01D70-289A-4FBD-ABD4-A5A95DAECA16}"/>
+              </a:ext>
+            </a:extLst>
+          </p:cNvPr>
+          <p:cNvPicPr>
+            <a:picLocks noGrp="1" noChangeAspect="1"/>
+          </p:cNvPicPr>
+          <p:nvPr>
+            <p:ph sz="quarter" idx="14"/>
+          </p:nvPr>
+        </p:nvPicPr>
+        <p:blipFill>
+          <a:blip r:embed="rId2"/>
+          <a:stretch>
+            <a:fillRect/>
+          </a:stretch>
+        </p:blipFill>
+        <p:spPr>
+          <a:xfrm>
+            <a:off x="951472" y="1456842"/>
+            <a:ext cx="5795377" cy="3483392"/>
+          </a:xfrm>
+          <a:prstGeom prst="rect">
+            <a:avLst/>
+          </a:prstGeom>
+        </p:spPr>
+      </p:pic>
+      <p:sp>
+        <p:nvSpPr>
+          <p:cNvPr id="32" name="TextBox 31">
+            <a:extLst>
+              <a:ext uri="{FF2B5EF4-FFF2-40B4-BE49-F238E27FC236}">
+                <a16:creationId xmlns:a16="http://schemas.microsoft.com/office/drawing/2014/main" id="{CBFF74CE-C4B0-87E9-6502-E2B64A63B326}"/>
+              </a:ext>
+            </a:extLst>
+          </p:cNvPr>
+          <p:cNvSpPr txBox="1"/>
+          <p:nvPr/>
+        </p:nvSpPr>
+        <p:spPr>
+          <a:xfrm>
+            <a:off x="8940174" y="4367733"/>
+            <a:ext cx="1170400" cy="523220"/>
+          </a:xfrm>
+          <a:prstGeom prst="rect">
+            <a:avLst/>
+          </a:prstGeom>
+          <a:noFill/>
+        </p:spPr>
+        <p:txBody>
+          <a:bodyPr wrap="square" rtlCol="0">
+            <a:spAutoFit/>
+          </a:bodyPr>
+          <a:lstStyle/>
+          <a:p>
+            <a:r>
+              <a:rPr lang="en-US" sz="2800" b="1" dirty="0">
+                <a:solidFill>
+                  <a:schemeClr val="bg1"/>
+                </a:solidFill>
+                <a:latin typeface="Cambria" panose="02040503050406030204" pitchFamily="18" charset="0"/>
+                <a:ea typeface="Cambria" panose="02040503050406030204" pitchFamily="18" charset="0"/>
+              </a:rPr>
+              <a:t>  </a:t>
+            </a:r>
+            <a:r>
+              <a:rPr lang="en-US" sz="2400" b="1" dirty="0">
+                <a:solidFill>
+                  <a:schemeClr val="bg1"/>
+                </a:solidFill>
+                <a:latin typeface="Cambria" panose="02040503050406030204" pitchFamily="18" charset="0"/>
+                <a:ea typeface="Cambria" panose="02040503050406030204" pitchFamily="18" charset="0"/>
+              </a:rPr>
+              <a:t>95%</a:t>
+            </a:r>
+            <a:r>
+              <a:rPr lang="en-US" sz="2400" dirty="0">
+                <a:latin typeface="Cambria" panose="02040503050406030204" pitchFamily="18" charset="0"/>
+                <a:ea typeface="Cambria" panose="02040503050406030204" pitchFamily="18" charset="0"/>
+              </a:rPr>
+              <a:t> </a:t>
+            </a:r>
+          </a:p>
+        </p:txBody>
+      </p:sp>
+      <p:grpSp>
+        <p:nvGrpSpPr>
+          <p:cNvPr id="2" name="Google Shape;2314;p43">
+            <a:extLst>
+              <a:ext uri="{FF2B5EF4-FFF2-40B4-BE49-F238E27FC236}">
+                <a16:creationId xmlns:a16="http://schemas.microsoft.com/office/drawing/2014/main" id="{54C7422E-C5A5-1CD2-B8FD-7091A120B430}"/>
+              </a:ext>
+            </a:extLst>
+          </p:cNvPr>
+          <p:cNvGrpSpPr/>
+          <p:nvPr/>
+        </p:nvGrpSpPr>
+        <p:grpSpPr>
+          <a:xfrm>
+            <a:off x="8652514" y="3774636"/>
+            <a:ext cx="1549500" cy="1661200"/>
+            <a:chOff x="6293934" y="1010648"/>
+            <a:chExt cx="1245900" cy="1245900"/>
+          </a:xfrm>
+        </p:grpSpPr>
+        <p:sp>
+          <p:nvSpPr>
+            <p:cNvPr id="5" name="Google Shape;2315;p43">
+              <a:extLst>
+                <a:ext uri="{FF2B5EF4-FFF2-40B4-BE49-F238E27FC236}">
+                  <a16:creationId xmlns:a16="http://schemas.microsoft.com/office/drawing/2014/main" id="{810C85CB-1692-1F63-2AD5-E29B0703EC30}"/>
+                </a:ext>
+              </a:extLst>
+            </p:cNvPr>
+            <p:cNvSpPr/>
+            <p:nvPr/>
+          </p:nvSpPr>
+          <p:spPr>
+            <a:xfrm>
+              <a:off x="6293934" y="1010648"/>
+              <a:ext cx="1245900" cy="1245900"/>
+            </a:xfrm>
+            <a:prstGeom prst="ellipse">
+              <a:avLst/>
+            </a:prstGeom>
+            <a:solidFill>
+              <a:srgbClr val="FFFFFF"/>
+            </a:solidFill>
+            <a:ln w="9525" cap="flat" cmpd="sng">
+              <a:solidFill>
+                <a:schemeClr val="dk1"/>
+              </a:solidFill>
+              <a:prstDash val="solid"/>
+              <a:round/>
+              <a:headEnd type="none" w="sm" len="sm"/>
+              <a:tailEnd type="none" w="sm" len="sm"/>
+            </a:ln>
+          </p:spPr>
+          <p:txBody>
+            <a:bodyPr spcFirstLastPara="1" wrap="square" lIns="121900" tIns="121900" rIns="121900" bIns="121900" anchor="ctr" anchorCtr="0">
+              <a:noAutofit/>
+            </a:bodyPr>
+            <a:lstStyle/>
+            <a:p>
+              <a:endParaRPr sz="2400"/>
+            </a:p>
+          </p:txBody>
+        </p:sp>
+        <p:sp>
+          <p:nvSpPr>
+            <p:cNvPr id="7" name="Google Shape;2316;p43">
+              <a:extLst>
+                <a:ext uri="{FF2B5EF4-FFF2-40B4-BE49-F238E27FC236}">
+                  <a16:creationId xmlns:a16="http://schemas.microsoft.com/office/drawing/2014/main" id="{8D000E03-F33E-2319-4973-EE9F078D2B29}"/>
+                </a:ext>
+              </a:extLst>
+            </p:cNvPr>
+            <p:cNvSpPr/>
+            <p:nvPr/>
+          </p:nvSpPr>
+          <p:spPr>
+            <a:xfrm>
+              <a:off x="6401784" y="1118586"/>
+              <a:ext cx="1030200" cy="1030200"/>
+            </a:xfrm>
+            <a:prstGeom prst="ellipse">
+              <a:avLst/>
+            </a:prstGeom>
+            <a:solidFill>
+              <a:srgbClr val="196847"/>
+            </a:solidFill>
+            <a:ln w="9525" cap="flat" cmpd="sng">
+              <a:solidFill>
+                <a:srgbClr val="006400"/>
+              </a:solidFill>
+              <a:prstDash val="solid"/>
+              <a:round/>
+              <a:headEnd type="none" w="sm" len="sm"/>
+              <a:tailEnd type="none" w="sm" len="sm"/>
+            </a:ln>
+          </p:spPr>
+          <p:txBody>
+            <a:bodyPr spcFirstLastPara="1" wrap="square" lIns="121900" tIns="121900" rIns="121900" bIns="121900" anchor="ctr" anchorCtr="0">
+              <a:noAutofit/>
+            </a:bodyPr>
+            <a:lstStyle/>
+            <a:p>
+              <a:endParaRPr sz="2400"/>
+            </a:p>
+          </p:txBody>
+        </p:sp>
+      </p:grpSp>
+      <p:sp>
+        <p:nvSpPr>
+          <p:cNvPr id="13" name="TextBox 12">
+            <a:extLst>
+              <a:ext uri="{FF2B5EF4-FFF2-40B4-BE49-F238E27FC236}">
+                <a16:creationId xmlns:a16="http://schemas.microsoft.com/office/drawing/2014/main" id="{FDC5E141-85E5-8461-6C4F-70B8E9A1D2CF}"/>
+              </a:ext>
+            </a:extLst>
+          </p:cNvPr>
+          <p:cNvSpPr txBox="1"/>
+          <p:nvPr/>
+        </p:nvSpPr>
+        <p:spPr>
+          <a:xfrm>
+            <a:off x="8940174" y="4352688"/>
+            <a:ext cx="1092998" cy="461665"/>
+          </a:xfrm>
+          <a:prstGeom prst="rect">
+            <a:avLst/>
+          </a:prstGeom>
+          <a:noFill/>
+        </p:spPr>
+        <p:txBody>
+          <a:bodyPr wrap="square" rtlCol="0">
+            <a:spAutoFit/>
+          </a:bodyPr>
+          <a:lstStyle/>
+          <a:p>
+            <a:r>
+              <a:rPr lang="en-US" sz="2400" dirty="0">
+                <a:solidFill>
+                  <a:schemeClr val="bg1"/>
+                </a:solidFill>
+                <a:latin typeface="Cambria" panose="02040503050406030204" pitchFamily="18" charset="0"/>
+                <a:ea typeface="Cambria" panose="02040503050406030204" pitchFamily="18" charset="0"/>
+              </a:rPr>
+              <a:t>  </a:t>
+            </a:r>
+            <a:r>
+              <a:rPr lang="en-US" sz="2400" b="1" dirty="0">
+                <a:solidFill>
+                  <a:schemeClr val="bg1"/>
+                </a:solidFill>
+                <a:latin typeface="Cambria" panose="02040503050406030204" pitchFamily="18" charset="0"/>
+                <a:ea typeface="Cambria" panose="02040503050406030204" pitchFamily="18" charset="0"/>
+              </a:rPr>
+              <a:t>95%</a:t>
+            </a:r>
           </a:p>
         </p:txBody>
       </p:sp>
@@ -7924,7 +8413,13 @@
       </p:grpSpPr>
       <p:sp>
         <p:nvSpPr>
-          <p:cNvPr id="2" name="Content Placeholder 1"/>
+          <p:cNvPr id="2" name="Content Placeholder 1">
+            <a:extLst>
+              <a:ext uri="{FF2B5EF4-FFF2-40B4-BE49-F238E27FC236}">
+                <a16:creationId xmlns:a16="http://schemas.microsoft.com/office/drawing/2014/main" id="{7807D35A-27FD-E7BE-0EBD-EBB199BFABF3}"/>
+              </a:ext>
+            </a:extLst>
+          </p:cNvPr>
           <p:cNvSpPr>
             <a:spLocks noGrp="1"/>
           </p:cNvSpPr>
@@ -7932,217 +8427,138 @@
             <p:ph sz="quarter" idx="14"/>
           </p:nvPr>
         </p:nvSpPr>
-        <p:spPr/>
+        <p:spPr>
+          <a:xfrm>
+            <a:off x="493902" y="973930"/>
+            <a:ext cx="11190750" cy="5093239"/>
+          </a:xfrm>
+        </p:spPr>
         <p:txBody>
           <a:bodyPr/>
           <a:lstStyle/>
           <a:p>
             <a:r>
-              <a:rPr lang="en-US" dirty="0" smtClean="0"/>
-              <a:t>- </a:t>
-            </a:r>
-            <a:r>
-              <a:rPr lang="en-US" dirty="0" err="1" smtClean="0"/>
-              <a:t>chỉ</a:t>
-            </a:r>
-            <a:r>
-              <a:rPr lang="en-US" dirty="0" smtClean="0"/>
-              <a:t> </a:t>
-            </a:r>
-            <a:r>
-              <a:rPr lang="en-US" dirty="0" err="1" smtClean="0"/>
-              <a:t>chiếm</a:t>
-            </a:r>
-            <a:r>
-              <a:rPr lang="en-US" dirty="0" smtClean="0"/>
-              <a:t> 4k </a:t>
-            </a:r>
-            <a:r>
-              <a:rPr lang="en-US" dirty="0" err="1" smtClean="0"/>
-              <a:t>giao</a:t>
-            </a:r>
-            <a:r>
-              <a:rPr lang="en-US" dirty="0" smtClean="0"/>
-              <a:t> </a:t>
-            </a:r>
-            <a:r>
-              <a:rPr lang="en-US" dirty="0" err="1" smtClean="0"/>
-              <a:t>dịch</a:t>
-            </a:r>
-            <a:r>
-              <a:rPr lang="en-US" dirty="0" smtClean="0"/>
-              <a:t> (</a:t>
-            </a:r>
-            <a:r>
-              <a:rPr lang="en-US" dirty="0" err="1" smtClean="0"/>
-              <a:t>rất</a:t>
-            </a:r>
-            <a:r>
-              <a:rPr lang="en-US" dirty="0" smtClean="0"/>
-              <a:t> </a:t>
-            </a:r>
-            <a:r>
-              <a:rPr lang="en-US" dirty="0" err="1" smtClean="0"/>
-              <a:t>nhỏ</a:t>
-            </a:r>
-            <a:r>
-              <a:rPr lang="en-US" dirty="0" smtClean="0"/>
-              <a:t> </a:t>
-            </a:r>
-            <a:r>
-              <a:rPr lang="en-US" dirty="0" err="1" smtClean="0"/>
-              <a:t>sv</a:t>
-            </a:r>
-            <a:r>
-              <a:rPr lang="en-US" dirty="0" smtClean="0"/>
-              <a:t> 10tr)</a:t>
-            </a:r>
-          </a:p>
-          <a:p>
-            <a:pPr marL="342900" indent="-342900">
-              <a:buFontTx/>
-              <a:buChar char="-"/>
-            </a:pPr>
-            <a:r>
-              <a:rPr lang="en-US" dirty="0" smtClean="0"/>
-              <a:t>30 ĐVCNT </a:t>
-            </a:r>
-            <a:r>
-              <a:rPr lang="en-US" dirty="0" err="1" smtClean="0"/>
+              <a:rPr lang="en-US" sz="1600" b="0" dirty="0">
+                <a:solidFill>
+                  <a:schemeClr val="bg2">
+                    <a:lumMod val="25000"/>
+                  </a:schemeClr>
+                </a:solidFill>
+              </a:rPr>
+              <a:t>50% ĐVCTN </a:t>
+            </a:r>
+            <a:r>
+              <a:rPr lang="en-US" sz="1600" b="0" dirty="0" err="1">
+                <a:solidFill>
+                  <a:schemeClr val="bg2">
+                    <a:lumMod val="25000"/>
+                  </a:schemeClr>
+                </a:solidFill>
+              </a:rPr>
               <a:t>có</a:t>
             </a:r>
             <a:r>
-              <a:rPr lang="en-US" dirty="0" smtClean="0"/>
-              <a:t> </a:t>
-            </a:r>
-            <a:r>
-              <a:rPr lang="en-US" dirty="0" err="1" smtClean="0"/>
+              <a:rPr lang="en-US" sz="1600" b="0" dirty="0">
+                <a:solidFill>
+                  <a:schemeClr val="bg2">
+                    <a:lumMod val="25000"/>
+                  </a:schemeClr>
+                </a:solidFill>
+              </a:rPr>
+              <a:t> </a:t>
+            </a:r>
+            <a:r>
+              <a:rPr lang="en-US" sz="1600" b="0" dirty="0" err="1">
+                <a:solidFill>
+                  <a:schemeClr val="bg2">
+                    <a:lumMod val="25000"/>
+                  </a:schemeClr>
+                </a:solidFill>
+              </a:rPr>
               <a:t>tỷ</a:t>
             </a:r>
             <a:r>
-              <a:rPr lang="en-US" dirty="0" smtClean="0"/>
-              <a:t> </a:t>
-            </a:r>
-            <a:r>
-              <a:rPr lang="en-US" dirty="0" err="1" smtClean="0"/>
+              <a:rPr lang="en-US" sz="1600" b="0" dirty="0">
+                <a:solidFill>
+                  <a:schemeClr val="bg2">
+                    <a:lumMod val="25000"/>
+                  </a:schemeClr>
+                </a:solidFill>
+              </a:rPr>
+              <a:t> </a:t>
+            </a:r>
+            <a:r>
+              <a:rPr lang="en-US" sz="1600" b="0" dirty="0" err="1">
+                <a:solidFill>
+                  <a:schemeClr val="bg2">
+                    <a:lumMod val="25000"/>
+                  </a:schemeClr>
+                </a:solidFill>
+              </a:rPr>
               <a:t>lệ</a:t>
             </a:r>
             <a:r>
-              <a:rPr lang="en-US" dirty="0" smtClean="0"/>
-              <a:t> </a:t>
-            </a:r>
-            <a:r>
-              <a:rPr lang="en-US" dirty="0" err="1" smtClean="0"/>
+              <a:rPr lang="en-US" sz="1600" b="0" dirty="0">
+                <a:solidFill>
+                  <a:schemeClr val="bg2">
+                    <a:lumMod val="25000"/>
+                  </a:schemeClr>
+                </a:solidFill>
+              </a:rPr>
+              <a:t> </a:t>
+            </a:r>
+            <a:r>
+              <a:rPr lang="en-US" sz="1600" b="0" dirty="0" err="1">
+                <a:solidFill>
+                  <a:schemeClr val="bg2">
+                    <a:lumMod val="25000"/>
+                  </a:schemeClr>
+                </a:solidFill>
+              </a:rPr>
               <a:t>lỗi</a:t>
             </a:r>
             <a:r>
-              <a:rPr lang="en-US" dirty="0" smtClean="0"/>
-              <a:t> &gt;=50 %. Cao </a:t>
-            </a:r>
-            <a:r>
-              <a:rPr lang="en-US" dirty="0" err="1" smtClean="0"/>
-              <a:t>nhất</a:t>
-            </a:r>
-            <a:r>
-              <a:rPr lang="en-US" dirty="0" smtClean="0"/>
-              <a:t> </a:t>
-            </a:r>
-            <a:r>
-              <a:rPr lang="en-US" dirty="0" err="1" smtClean="0"/>
-              <a:t>là</a:t>
-            </a:r>
-            <a:endParaRPr lang="en-US" dirty="0" smtClean="0"/>
-          </a:p>
-          <a:p>
-            <a:pPr marL="342900" indent="-342900">
-              <a:buFontTx/>
-              <a:buChar char="-"/>
-            </a:pPr>
-            <a:r>
-              <a:rPr lang="en-US" dirty="0" err="1" smtClean="0"/>
-              <a:t>Vẽ</a:t>
-            </a:r>
-            <a:r>
-              <a:rPr lang="en-US" dirty="0" smtClean="0"/>
-              <a:t> 2 </a:t>
-            </a:r>
-            <a:r>
-              <a:rPr lang="en-US" dirty="0" err="1" smtClean="0"/>
-              <a:t>biểu</a:t>
-            </a:r>
-            <a:r>
-              <a:rPr lang="en-US" dirty="0" smtClean="0"/>
-              <a:t> </a:t>
-            </a:r>
-            <a:r>
-              <a:rPr lang="en-US" dirty="0" err="1" smtClean="0"/>
-              <a:t>đồ</a:t>
-            </a:r>
-            <a:r>
-              <a:rPr lang="en-US" dirty="0" smtClean="0"/>
-              <a:t> so </a:t>
-            </a:r>
-            <a:r>
-              <a:rPr lang="en-US" dirty="0" err="1" smtClean="0"/>
-              <a:t>sánh</a:t>
-            </a:r>
-            <a:r>
-              <a:rPr lang="en-US" dirty="0" smtClean="0"/>
-              <a:t> 30/381 merchant. 1 </a:t>
-            </a:r>
-            <a:r>
-              <a:rPr lang="en-US" dirty="0" err="1" smtClean="0"/>
-              <a:t>biểu</a:t>
-            </a:r>
-            <a:r>
-              <a:rPr lang="en-US" dirty="0" smtClean="0"/>
-              <a:t> </a:t>
-            </a:r>
-            <a:r>
-              <a:rPr lang="en-US" dirty="0" err="1" smtClean="0"/>
-              <a:t>đồ</a:t>
-            </a:r>
-            <a:r>
-              <a:rPr lang="en-US" dirty="0" smtClean="0"/>
-              <a:t> </a:t>
-            </a:r>
-            <a:r>
-              <a:rPr lang="en-US" dirty="0" err="1" smtClean="0"/>
-              <a:t>phần</a:t>
-            </a:r>
-            <a:r>
-              <a:rPr lang="en-US" dirty="0" smtClean="0"/>
-              <a:t> </a:t>
-            </a:r>
-            <a:r>
-              <a:rPr lang="en-US" dirty="0" err="1" smtClean="0"/>
-              <a:t>trăm</a:t>
-            </a:r>
-            <a:r>
-              <a:rPr lang="en-US" dirty="0" smtClean="0"/>
-              <a:t> </a:t>
-            </a:r>
-            <a:r>
-              <a:rPr lang="en-US" dirty="0" err="1" smtClean="0"/>
-              <a:t>các</a:t>
-            </a:r>
-            <a:r>
-              <a:rPr lang="en-US" dirty="0" smtClean="0"/>
-              <a:t> merchant (boxplot)</a:t>
-            </a:r>
-          </a:p>
-          <a:p>
-            <a:pPr marL="342900" indent="-342900">
-              <a:buFontTx/>
-              <a:buChar char="-"/>
-            </a:pPr>
-            <a:endParaRPr lang="en-US" dirty="0"/>
+              <a:rPr lang="en-US" sz="1600" b="0" dirty="0">
+                <a:solidFill>
+                  <a:schemeClr val="bg2">
+                    <a:lumMod val="25000"/>
+                  </a:schemeClr>
+                </a:solidFill>
+              </a:rPr>
+              <a:t> </a:t>
+            </a:r>
+            <a:r>
+              <a:rPr lang="en-US" sz="1600" b="0" dirty="0" err="1">
+                <a:solidFill>
+                  <a:schemeClr val="bg2">
+                    <a:lumMod val="25000"/>
+                  </a:schemeClr>
+                </a:solidFill>
+              </a:rPr>
+              <a:t>dưới</a:t>
+            </a:r>
+            <a:r>
+              <a:rPr lang="en-US" sz="1600" b="0" dirty="0">
+                <a:solidFill>
+                  <a:schemeClr val="bg2">
+                    <a:lumMod val="25000"/>
+                  </a:schemeClr>
+                </a:solidFill>
+              </a:rPr>
+              <a:t> 2%</a:t>
+            </a:r>
           </a:p>
         </p:txBody>
       </p:sp>
       <p:sp>
         <p:nvSpPr>
-          <p:cNvPr id="3" name="Title 2"/>
+          <p:cNvPr id="3" name="Title 2">
+            <a:extLst>
+              <a:ext uri="{FF2B5EF4-FFF2-40B4-BE49-F238E27FC236}">
+                <a16:creationId xmlns:a16="http://schemas.microsoft.com/office/drawing/2014/main" id="{24E0BA77-4B60-D563-9DA8-8CFC99371114}"/>
+              </a:ext>
+            </a:extLst>
+          </p:cNvPr>
           <p:cNvSpPr>
             <a:spLocks noGrp="1"/>
           </p:cNvSpPr>
@@ -8156,101 +8572,1296 @@
           <a:lstStyle/>
           <a:p>
             <a:r>
-              <a:rPr lang="en-US" dirty="0" err="1" smtClean="0"/>
+              <a:rPr lang="en-US" dirty="0"/>
+              <a:t>30 ĐVCNT </a:t>
+            </a:r>
+            <a:r>
+              <a:rPr lang="en-US" dirty="0" err="1"/>
+              <a:t>có</a:t>
+            </a:r>
+            <a:r>
+              <a:rPr lang="en-US" dirty="0"/>
+              <a:t> </a:t>
+            </a:r>
+            <a:r>
+              <a:rPr lang="en-US" dirty="0" err="1"/>
+              <a:t>tỷ</a:t>
+            </a:r>
+            <a:r>
+              <a:rPr lang="en-US" dirty="0"/>
+              <a:t> </a:t>
+            </a:r>
+            <a:r>
+              <a:rPr lang="en-US" dirty="0" err="1"/>
+              <a:t>lệ</a:t>
+            </a:r>
+            <a:r>
+              <a:rPr lang="en-US" dirty="0"/>
+              <a:t> </a:t>
+            </a:r>
+            <a:r>
+              <a:rPr lang="en-US" dirty="0" err="1"/>
+              <a:t>lỗi</a:t>
+            </a:r>
+            <a:r>
+              <a:rPr lang="en-US" dirty="0"/>
+              <a:t> </a:t>
+            </a:r>
+            <a:r>
+              <a:rPr lang="en-US" dirty="0" err="1"/>
+              <a:t>giao</a:t>
+            </a:r>
+            <a:r>
+              <a:rPr lang="en-US" dirty="0"/>
+              <a:t> </a:t>
+            </a:r>
+            <a:r>
+              <a:rPr lang="en-US" dirty="0" err="1"/>
+              <a:t>dịch</a:t>
+            </a:r>
+            <a:r>
+              <a:rPr lang="en-US" dirty="0"/>
+              <a:t> </a:t>
+            </a:r>
+            <a:r>
+              <a:rPr lang="en-US" dirty="0" err="1"/>
+              <a:t>lớn</a:t>
+            </a:r>
+            <a:r>
+              <a:rPr lang="en-US" dirty="0"/>
+              <a:t> </a:t>
+            </a:r>
+            <a:r>
+              <a:rPr lang="en-US" dirty="0" err="1"/>
+              <a:t>hơn</a:t>
+            </a:r>
+            <a:r>
+              <a:rPr lang="en-US" dirty="0"/>
+              <a:t> </a:t>
+            </a:r>
+            <a:r>
+              <a:rPr lang="en-US" dirty="0" err="1"/>
+              <a:t>hoặc</a:t>
+            </a:r>
+            <a:r>
+              <a:rPr lang="en-US" dirty="0"/>
+              <a:t> </a:t>
+            </a:r>
+            <a:r>
+              <a:rPr lang="en-US" dirty="0" err="1"/>
+              <a:t>bằng</a:t>
+            </a:r>
+            <a:r>
+              <a:rPr lang="en-US" dirty="0"/>
+              <a:t> 50%</a:t>
+            </a:r>
+          </a:p>
+        </p:txBody>
+      </p:sp>
+      <p:pic>
+        <p:nvPicPr>
+          <p:cNvPr id="11" name="Picture 10">
+            <a:extLst>
+              <a:ext uri="{FF2B5EF4-FFF2-40B4-BE49-F238E27FC236}">
+                <a16:creationId xmlns:a16="http://schemas.microsoft.com/office/drawing/2014/main" id="{1DBD6AB3-4042-2A2B-B1CE-0B6AAB06727E}"/>
+              </a:ext>
+            </a:extLst>
+          </p:cNvPr>
+          <p:cNvPicPr>
+            <a:picLocks noChangeAspect="1"/>
+          </p:cNvPicPr>
+          <p:nvPr/>
+        </p:nvPicPr>
+        <p:blipFill>
+          <a:blip r:embed="rId2"/>
+          <a:stretch>
+            <a:fillRect/>
+          </a:stretch>
+        </p:blipFill>
+        <p:spPr>
+          <a:xfrm>
+            <a:off x="493902" y="1562133"/>
+            <a:ext cx="4832845" cy="3200400"/>
+          </a:xfrm>
+          <a:prstGeom prst="rect">
+            <a:avLst/>
+          </a:prstGeom>
+        </p:spPr>
+      </p:pic>
+      <p:pic>
+        <p:nvPicPr>
+          <p:cNvPr id="15" name="Picture 14">
+            <a:extLst>
+              <a:ext uri="{FF2B5EF4-FFF2-40B4-BE49-F238E27FC236}">
+                <a16:creationId xmlns:a16="http://schemas.microsoft.com/office/drawing/2014/main" id="{E4D1EEC7-2CB1-074F-5025-A56B149EA431}"/>
+              </a:ext>
+            </a:extLst>
+          </p:cNvPr>
+          <p:cNvPicPr>
+            <a:picLocks noChangeAspect="1"/>
+          </p:cNvPicPr>
+          <p:nvPr/>
+        </p:nvPicPr>
+        <p:blipFill>
+          <a:blip r:embed="rId3"/>
+          <a:stretch>
+            <a:fillRect/>
+          </a:stretch>
+        </p:blipFill>
+        <p:spPr>
+          <a:xfrm>
+            <a:off x="6173007" y="1649350"/>
+            <a:ext cx="4832810" cy="3200400"/>
+          </a:xfrm>
+          <a:prstGeom prst="rect">
+            <a:avLst/>
+          </a:prstGeom>
+        </p:spPr>
+      </p:pic>
+      <p:sp>
+        <p:nvSpPr>
+          <p:cNvPr id="10" name="TextBox 9">
+            <a:extLst>
+              <a:ext uri="{FF2B5EF4-FFF2-40B4-BE49-F238E27FC236}">
+                <a16:creationId xmlns:a16="http://schemas.microsoft.com/office/drawing/2014/main" id="{B3E36051-846E-61E2-690E-0E827AF0BB57}"/>
+              </a:ext>
+            </a:extLst>
+          </p:cNvPr>
+          <p:cNvSpPr txBox="1"/>
+          <p:nvPr/>
+        </p:nvSpPr>
+        <p:spPr>
+          <a:xfrm>
+            <a:off x="6847840" y="5566929"/>
+            <a:ext cx="2987040" cy="923330"/>
+          </a:xfrm>
+          <a:prstGeom prst="rect">
+            <a:avLst/>
+          </a:prstGeom>
+          <a:noFill/>
+        </p:spPr>
+        <p:txBody>
+          <a:bodyPr wrap="square" rtlCol="0">
+            <a:spAutoFit/>
+          </a:bodyPr>
+          <a:lstStyle/>
+          <a:p>
+            <a:endParaRPr lang="en-US" dirty="0"/>
+          </a:p>
+          <a:p>
+            <a:endParaRPr lang="en-US" dirty="0"/>
+          </a:p>
+          <a:p>
+            <a:endParaRPr lang="en-US" dirty="0"/>
+          </a:p>
+        </p:txBody>
+      </p:sp>
+      <p:sp>
+        <p:nvSpPr>
+          <p:cNvPr id="21" name="TextBox 20">
+            <a:extLst>
+              <a:ext uri="{FF2B5EF4-FFF2-40B4-BE49-F238E27FC236}">
+                <a16:creationId xmlns:a16="http://schemas.microsoft.com/office/drawing/2014/main" id="{A2270B9A-1B90-BAB2-426C-EDFDD4B1A06A}"/>
+              </a:ext>
+            </a:extLst>
+          </p:cNvPr>
+          <p:cNvSpPr txBox="1"/>
+          <p:nvPr/>
+        </p:nvSpPr>
+        <p:spPr>
+          <a:xfrm>
+            <a:off x="6173007" y="1110063"/>
+            <a:ext cx="4612640" cy="338554"/>
+          </a:xfrm>
+          <a:prstGeom prst="rect">
+            <a:avLst/>
+          </a:prstGeom>
+          <a:noFill/>
+        </p:spPr>
+        <p:txBody>
+          <a:bodyPr wrap="square" rtlCol="0">
+            <a:spAutoFit/>
+          </a:bodyPr>
+          <a:lstStyle/>
+          <a:p>
+            <a:r>
+              <a:rPr lang="en-US" sz="1600" dirty="0">
+                <a:solidFill>
+                  <a:schemeClr val="bg2">
+                    <a:lumMod val="25000"/>
+                  </a:schemeClr>
+                </a:solidFill>
+                <a:latin typeface="Cambria" panose="02040503050406030204" pitchFamily="18" charset="0"/>
+                <a:ea typeface="Cambria" panose="02040503050406030204" pitchFamily="18" charset="0"/>
+              </a:rPr>
+              <a:t>30 ĐVCNT </a:t>
+            </a:r>
+            <a:r>
+              <a:rPr lang="en-US" sz="1600" dirty="0" err="1">
+                <a:solidFill>
+                  <a:schemeClr val="bg2">
+                    <a:lumMod val="25000"/>
+                  </a:schemeClr>
+                </a:solidFill>
+                <a:latin typeface="Cambria" panose="02040503050406030204" pitchFamily="18" charset="0"/>
+                <a:ea typeface="Cambria" panose="02040503050406030204" pitchFamily="18" charset="0"/>
+              </a:rPr>
+              <a:t>có</a:t>
+            </a:r>
+            <a:r>
+              <a:rPr lang="en-US" sz="1600" dirty="0">
+                <a:solidFill>
+                  <a:schemeClr val="bg2">
+                    <a:lumMod val="25000"/>
+                  </a:schemeClr>
+                </a:solidFill>
+                <a:latin typeface="Cambria" panose="02040503050406030204" pitchFamily="18" charset="0"/>
+                <a:ea typeface="Cambria" panose="02040503050406030204" pitchFamily="18" charset="0"/>
+              </a:rPr>
+              <a:t> </a:t>
+            </a:r>
+            <a:r>
+              <a:rPr lang="en-US" sz="1600" dirty="0" err="1">
+                <a:solidFill>
+                  <a:schemeClr val="bg2">
+                    <a:lumMod val="25000"/>
+                  </a:schemeClr>
+                </a:solidFill>
+                <a:latin typeface="Cambria" panose="02040503050406030204" pitchFamily="18" charset="0"/>
+                <a:ea typeface="Cambria" panose="02040503050406030204" pitchFamily="18" charset="0"/>
+              </a:rPr>
+              <a:t>tỷ</a:t>
+            </a:r>
+            <a:r>
+              <a:rPr lang="en-US" sz="1600" dirty="0">
+                <a:solidFill>
+                  <a:schemeClr val="bg2">
+                    <a:lumMod val="25000"/>
+                  </a:schemeClr>
+                </a:solidFill>
+                <a:latin typeface="Cambria" panose="02040503050406030204" pitchFamily="18" charset="0"/>
+                <a:ea typeface="Cambria" panose="02040503050406030204" pitchFamily="18" charset="0"/>
+              </a:rPr>
+              <a:t> </a:t>
+            </a:r>
+            <a:r>
+              <a:rPr lang="en-US" sz="1600" dirty="0" err="1">
+                <a:solidFill>
+                  <a:schemeClr val="bg2">
+                    <a:lumMod val="25000"/>
+                  </a:schemeClr>
+                </a:solidFill>
+                <a:latin typeface="Cambria" panose="02040503050406030204" pitchFamily="18" charset="0"/>
+                <a:ea typeface="Cambria" panose="02040503050406030204" pitchFamily="18" charset="0"/>
+              </a:rPr>
+              <a:t>lệ</a:t>
+            </a:r>
+            <a:r>
+              <a:rPr lang="en-US" sz="1600" dirty="0">
+                <a:solidFill>
+                  <a:schemeClr val="bg2">
+                    <a:lumMod val="25000"/>
+                  </a:schemeClr>
+                </a:solidFill>
+                <a:latin typeface="Cambria" panose="02040503050406030204" pitchFamily="18" charset="0"/>
+                <a:ea typeface="Cambria" panose="02040503050406030204" pitchFamily="18" charset="0"/>
+              </a:rPr>
+              <a:t> </a:t>
+            </a:r>
+            <a:r>
+              <a:rPr lang="en-US" sz="1600" dirty="0" err="1">
+                <a:solidFill>
+                  <a:schemeClr val="bg2">
+                    <a:lumMod val="25000"/>
+                  </a:schemeClr>
+                </a:solidFill>
+                <a:latin typeface="Cambria" panose="02040503050406030204" pitchFamily="18" charset="0"/>
+                <a:ea typeface="Cambria" panose="02040503050406030204" pitchFamily="18" charset="0"/>
+              </a:rPr>
+              <a:t>lỗi</a:t>
+            </a:r>
+            <a:r>
+              <a:rPr lang="en-US" sz="1600" dirty="0">
+                <a:solidFill>
+                  <a:schemeClr val="bg2">
+                    <a:lumMod val="25000"/>
+                  </a:schemeClr>
+                </a:solidFill>
+                <a:latin typeface="Cambria" panose="02040503050406030204" pitchFamily="18" charset="0"/>
+                <a:ea typeface="Cambria" panose="02040503050406030204" pitchFamily="18" charset="0"/>
+              </a:rPr>
+              <a:t> </a:t>
+            </a:r>
+            <a:r>
+              <a:rPr lang="en-US" sz="1600" dirty="0" err="1">
+                <a:solidFill>
+                  <a:schemeClr val="bg2">
+                    <a:lumMod val="25000"/>
+                  </a:schemeClr>
+                </a:solidFill>
+                <a:latin typeface="Cambria" panose="02040503050406030204" pitchFamily="18" charset="0"/>
+                <a:ea typeface="Cambria" panose="02040503050406030204" pitchFamily="18" charset="0"/>
+              </a:rPr>
+              <a:t>lớn</a:t>
+            </a:r>
+            <a:r>
+              <a:rPr lang="en-US" sz="1600" dirty="0">
+                <a:solidFill>
+                  <a:schemeClr val="bg2">
+                    <a:lumMod val="25000"/>
+                  </a:schemeClr>
+                </a:solidFill>
+                <a:latin typeface="Cambria" panose="02040503050406030204" pitchFamily="18" charset="0"/>
+                <a:ea typeface="Cambria" panose="02040503050406030204" pitchFamily="18" charset="0"/>
+              </a:rPr>
+              <a:t> </a:t>
+            </a:r>
+            <a:r>
+              <a:rPr lang="en-US" sz="1600" dirty="0" err="1">
+                <a:solidFill>
+                  <a:schemeClr val="bg2">
+                    <a:lumMod val="25000"/>
+                  </a:schemeClr>
+                </a:solidFill>
+                <a:latin typeface="Cambria" panose="02040503050406030204" pitchFamily="18" charset="0"/>
+                <a:ea typeface="Cambria" panose="02040503050406030204" pitchFamily="18" charset="0"/>
+              </a:rPr>
+              <a:t>hơn</a:t>
+            </a:r>
+            <a:r>
+              <a:rPr lang="en-US" sz="1600" dirty="0">
+                <a:solidFill>
+                  <a:schemeClr val="bg2">
+                    <a:lumMod val="25000"/>
+                  </a:schemeClr>
+                </a:solidFill>
+                <a:latin typeface="Cambria" panose="02040503050406030204" pitchFamily="18" charset="0"/>
+                <a:ea typeface="Cambria" panose="02040503050406030204" pitchFamily="18" charset="0"/>
+              </a:rPr>
+              <a:t> </a:t>
+            </a:r>
+            <a:r>
+              <a:rPr lang="en-US" sz="1600" dirty="0" err="1">
+                <a:solidFill>
+                  <a:schemeClr val="bg2">
+                    <a:lumMod val="25000"/>
+                  </a:schemeClr>
+                </a:solidFill>
+                <a:latin typeface="Cambria" panose="02040503050406030204" pitchFamily="18" charset="0"/>
+                <a:ea typeface="Cambria" panose="02040503050406030204" pitchFamily="18" charset="0"/>
+              </a:rPr>
+              <a:t>hoặc</a:t>
+            </a:r>
+            <a:r>
+              <a:rPr lang="en-US" sz="1600" dirty="0">
+                <a:solidFill>
+                  <a:schemeClr val="bg2">
+                    <a:lumMod val="25000"/>
+                  </a:schemeClr>
+                </a:solidFill>
+                <a:latin typeface="Cambria" panose="02040503050406030204" pitchFamily="18" charset="0"/>
+                <a:ea typeface="Cambria" panose="02040503050406030204" pitchFamily="18" charset="0"/>
+              </a:rPr>
+              <a:t> </a:t>
+            </a:r>
+            <a:r>
+              <a:rPr lang="en-US" sz="1600" dirty="0" err="1">
+                <a:solidFill>
+                  <a:schemeClr val="bg2">
+                    <a:lumMod val="25000"/>
+                  </a:schemeClr>
+                </a:solidFill>
+                <a:latin typeface="Cambria" panose="02040503050406030204" pitchFamily="18" charset="0"/>
+                <a:ea typeface="Cambria" panose="02040503050406030204" pitchFamily="18" charset="0"/>
+              </a:rPr>
+              <a:t>bằng</a:t>
+            </a:r>
+            <a:r>
+              <a:rPr lang="en-US" sz="1600" dirty="0">
+                <a:solidFill>
+                  <a:schemeClr val="bg2">
+                    <a:lumMod val="25000"/>
+                  </a:schemeClr>
+                </a:solidFill>
+                <a:latin typeface="Cambria" panose="02040503050406030204" pitchFamily="18" charset="0"/>
+                <a:ea typeface="Cambria" panose="02040503050406030204" pitchFamily="18" charset="0"/>
+              </a:rPr>
+              <a:t> 50%</a:t>
+            </a:r>
+          </a:p>
+        </p:txBody>
+      </p:sp>
+      <p:cxnSp>
+        <p:nvCxnSpPr>
+          <p:cNvPr id="26" name="Straight Connector 25">
+            <a:extLst>
+              <a:ext uri="{FF2B5EF4-FFF2-40B4-BE49-F238E27FC236}">
+                <a16:creationId xmlns:a16="http://schemas.microsoft.com/office/drawing/2014/main" id="{43D547AA-9647-F248-58BA-E971CB91B348}"/>
+              </a:ext>
+            </a:extLst>
+          </p:cNvPr>
+          <p:cNvCxnSpPr/>
+          <p:nvPr/>
+        </p:nvCxnSpPr>
+        <p:spPr>
+          <a:xfrm>
+            <a:off x="5776111" y="1189560"/>
+            <a:ext cx="18107" cy="5084491"/>
+          </a:xfrm>
+          <a:prstGeom prst="line">
+            <a:avLst/>
+          </a:prstGeom>
+          <a:ln w="3175">
+            <a:solidFill>
+              <a:srgbClr val="196847"/>
+            </a:solidFill>
+            <a:prstDash val="dash"/>
+          </a:ln>
+        </p:spPr>
+        <p:style>
+          <a:lnRef idx="1">
+            <a:schemeClr val="accent1"/>
+          </a:lnRef>
+          <a:fillRef idx="0">
+            <a:schemeClr val="accent1"/>
+          </a:fillRef>
+          <a:effectRef idx="0">
+            <a:schemeClr val="accent1"/>
+          </a:effectRef>
+          <a:fontRef idx="minor">
+            <a:schemeClr val="tx1"/>
+          </a:fontRef>
+        </p:style>
+      </p:cxnSp>
+      <p:sp>
+        <p:nvSpPr>
+          <p:cNvPr id="27" name="TextBox 26">
+            <a:extLst>
+              <a:ext uri="{FF2B5EF4-FFF2-40B4-BE49-F238E27FC236}">
+                <a16:creationId xmlns:a16="http://schemas.microsoft.com/office/drawing/2014/main" id="{364B9A12-0581-8E6B-AB74-235FCB3540B3}"/>
+              </a:ext>
+            </a:extLst>
+          </p:cNvPr>
+          <p:cNvSpPr txBox="1"/>
+          <p:nvPr/>
+        </p:nvSpPr>
+        <p:spPr>
+          <a:xfrm>
+            <a:off x="6096000" y="5069840"/>
+            <a:ext cx="6038015" cy="1200329"/>
+          </a:xfrm>
+          <a:prstGeom prst="rect">
+            <a:avLst/>
+          </a:prstGeom>
+          <a:noFill/>
+        </p:spPr>
+        <p:txBody>
+          <a:bodyPr wrap="square" rtlCol="0">
+            <a:spAutoFit/>
+          </a:bodyPr>
+          <a:lstStyle/>
+          <a:p>
+            <a:r>
+              <a:rPr lang="en-US" dirty="0">
+                <a:latin typeface="Cambria" panose="02040503050406030204" pitchFamily="18" charset="0"/>
+                <a:ea typeface="Cambria" panose="02040503050406030204" pitchFamily="18" charset="0"/>
+              </a:rPr>
+              <a:t>30 ĐVCNT </a:t>
+            </a:r>
+            <a:r>
+              <a:rPr lang="en-US" dirty="0" err="1">
+                <a:latin typeface="Cambria" panose="02040503050406030204" pitchFamily="18" charset="0"/>
+                <a:ea typeface="Cambria" panose="02040503050406030204" pitchFamily="18" charset="0"/>
+              </a:rPr>
+              <a:t>chỉ</a:t>
+            </a:r>
+            <a:r>
+              <a:rPr lang="en-US" dirty="0">
+                <a:latin typeface="Cambria" panose="02040503050406030204" pitchFamily="18" charset="0"/>
+                <a:ea typeface="Cambria" panose="02040503050406030204" pitchFamily="18" charset="0"/>
+              </a:rPr>
+              <a:t> </a:t>
+            </a:r>
+            <a:r>
+              <a:rPr lang="en-US" dirty="0" err="1">
+                <a:latin typeface="Cambria" panose="02040503050406030204" pitchFamily="18" charset="0"/>
+                <a:ea typeface="Cambria" panose="02040503050406030204" pitchFamily="18" charset="0"/>
+              </a:rPr>
+              <a:t>chiếm</a:t>
+            </a:r>
+            <a:r>
+              <a:rPr lang="en-US" dirty="0">
+                <a:latin typeface="Cambria" panose="02040503050406030204" pitchFamily="18" charset="0"/>
+                <a:ea typeface="Cambria" panose="02040503050406030204" pitchFamily="18" charset="0"/>
+              </a:rPr>
+              <a:t> </a:t>
+            </a:r>
+            <a:r>
+              <a:rPr lang="en-US" dirty="0" err="1">
+                <a:latin typeface="Cambria" panose="02040503050406030204" pitchFamily="18" charset="0"/>
+                <a:ea typeface="Cambria" panose="02040503050406030204" pitchFamily="18" charset="0"/>
+              </a:rPr>
+              <a:t>hơn</a:t>
+            </a:r>
+            <a:r>
+              <a:rPr lang="en-US" dirty="0">
+                <a:latin typeface="Cambria" panose="02040503050406030204" pitchFamily="18" charset="0"/>
+                <a:ea typeface="Cambria" panose="02040503050406030204" pitchFamily="18" charset="0"/>
+              </a:rPr>
+              <a:t> 4000 </a:t>
+            </a:r>
+            <a:r>
+              <a:rPr lang="en-US" dirty="0" err="1">
+                <a:latin typeface="Cambria" panose="02040503050406030204" pitchFamily="18" charset="0"/>
+                <a:ea typeface="Cambria" panose="02040503050406030204" pitchFamily="18" charset="0"/>
+              </a:rPr>
+              <a:t>tổng</a:t>
+            </a:r>
+            <a:r>
+              <a:rPr lang="en-US" dirty="0">
+                <a:latin typeface="Cambria" panose="02040503050406030204" pitchFamily="18" charset="0"/>
+                <a:ea typeface="Cambria" panose="02040503050406030204" pitchFamily="18" charset="0"/>
+              </a:rPr>
+              <a:t> </a:t>
+            </a:r>
+            <a:r>
+              <a:rPr lang="en-US" dirty="0" err="1">
+                <a:latin typeface="Cambria" panose="02040503050406030204" pitchFamily="18" charset="0"/>
+                <a:ea typeface="Cambria" panose="02040503050406030204" pitchFamily="18" charset="0"/>
+              </a:rPr>
+              <a:t>giao</a:t>
+            </a:r>
+            <a:r>
+              <a:rPr lang="en-US" dirty="0">
+                <a:latin typeface="Cambria" panose="02040503050406030204" pitchFamily="18" charset="0"/>
+                <a:ea typeface="Cambria" panose="02040503050406030204" pitchFamily="18" charset="0"/>
+              </a:rPr>
+              <a:t> </a:t>
+            </a:r>
+            <a:r>
+              <a:rPr lang="en-US" dirty="0" err="1">
+                <a:latin typeface="Cambria" panose="02040503050406030204" pitchFamily="18" charset="0"/>
+                <a:ea typeface="Cambria" panose="02040503050406030204" pitchFamily="18" charset="0"/>
+              </a:rPr>
+              <a:t>dịch</a:t>
+            </a:r>
+            <a:r>
+              <a:rPr lang="en-US" dirty="0">
+                <a:latin typeface="Cambria" panose="02040503050406030204" pitchFamily="18" charset="0"/>
+                <a:ea typeface="Cambria" panose="02040503050406030204" pitchFamily="18" charset="0"/>
+              </a:rPr>
+              <a:t> (</a:t>
+            </a:r>
+            <a:r>
+              <a:rPr lang="en-US" dirty="0" err="1">
+                <a:latin typeface="Cambria" panose="02040503050406030204" pitchFamily="18" charset="0"/>
+                <a:ea typeface="Cambria" panose="02040503050406030204" pitchFamily="18" charset="0"/>
+              </a:rPr>
+              <a:t>tất</a:t>
+            </a:r>
+            <a:r>
+              <a:rPr lang="en-US" dirty="0">
+                <a:latin typeface="Cambria" panose="02040503050406030204" pitchFamily="18" charset="0"/>
+                <a:ea typeface="Cambria" panose="02040503050406030204" pitchFamily="18" charset="0"/>
+              </a:rPr>
+              <a:t> </a:t>
+            </a:r>
+            <a:r>
+              <a:rPr lang="en-US" dirty="0" err="1">
+                <a:latin typeface="Cambria" panose="02040503050406030204" pitchFamily="18" charset="0"/>
+                <a:ea typeface="Cambria" panose="02040503050406030204" pitchFamily="18" charset="0"/>
+              </a:rPr>
+              <a:t>cả</a:t>
+            </a:r>
+            <a:r>
+              <a:rPr lang="en-US" dirty="0">
+                <a:latin typeface="Cambria" panose="02040503050406030204" pitchFamily="18" charset="0"/>
+                <a:ea typeface="Cambria" panose="02040503050406030204" pitchFamily="18" charset="0"/>
+              </a:rPr>
+              <a:t> </a:t>
+            </a:r>
+            <a:r>
+              <a:rPr lang="en-US" dirty="0" err="1">
+                <a:latin typeface="Cambria" panose="02040503050406030204" pitchFamily="18" charset="0"/>
+                <a:ea typeface="Cambria" panose="02040503050406030204" pitchFamily="18" charset="0"/>
+              </a:rPr>
+              <a:t>các</a:t>
+            </a:r>
+            <a:r>
+              <a:rPr lang="en-US" dirty="0">
+                <a:latin typeface="Cambria" panose="02040503050406030204" pitchFamily="18" charset="0"/>
+                <a:ea typeface="Cambria" panose="02040503050406030204" pitchFamily="18" charset="0"/>
+              </a:rPr>
+              <a:t> </a:t>
+            </a:r>
+            <a:r>
+              <a:rPr lang="en-US" dirty="0" err="1">
+                <a:latin typeface="Cambria" panose="02040503050406030204" pitchFamily="18" charset="0"/>
+                <a:ea typeface="Cambria" panose="02040503050406030204" pitchFamily="18" charset="0"/>
+              </a:rPr>
+              <a:t>trạng</a:t>
+            </a:r>
+            <a:r>
+              <a:rPr lang="en-US" dirty="0">
+                <a:latin typeface="Cambria" panose="02040503050406030204" pitchFamily="18" charset="0"/>
+                <a:ea typeface="Cambria" panose="02040503050406030204" pitchFamily="18" charset="0"/>
+              </a:rPr>
+              <a:t> </a:t>
+            </a:r>
+            <a:r>
+              <a:rPr lang="en-US" dirty="0" err="1">
+                <a:latin typeface="Cambria" panose="02040503050406030204" pitchFamily="18" charset="0"/>
+                <a:ea typeface="Cambria" panose="02040503050406030204" pitchFamily="18" charset="0"/>
+              </a:rPr>
+              <a:t>thái</a:t>
+            </a:r>
+            <a:r>
+              <a:rPr lang="en-US" dirty="0">
+                <a:latin typeface="Cambria" panose="02040503050406030204" pitchFamily="18" charset="0"/>
+                <a:ea typeface="Cambria" panose="02040503050406030204" pitchFamily="18" charset="0"/>
+              </a:rPr>
+              <a:t>). Con </a:t>
+            </a:r>
+            <a:r>
+              <a:rPr lang="en-US" dirty="0" err="1">
+                <a:latin typeface="Cambria" panose="02040503050406030204" pitchFamily="18" charset="0"/>
+                <a:ea typeface="Cambria" panose="02040503050406030204" pitchFamily="18" charset="0"/>
+              </a:rPr>
+              <a:t>số</a:t>
+            </a:r>
+            <a:r>
+              <a:rPr lang="en-US" dirty="0">
+                <a:latin typeface="Cambria" panose="02040503050406030204" pitchFamily="18" charset="0"/>
+                <a:ea typeface="Cambria" panose="02040503050406030204" pitchFamily="18" charset="0"/>
+              </a:rPr>
+              <a:t> </a:t>
+            </a:r>
+            <a:r>
+              <a:rPr lang="en-US" dirty="0" err="1">
+                <a:latin typeface="Cambria" panose="02040503050406030204" pitchFamily="18" charset="0"/>
+                <a:ea typeface="Cambria" panose="02040503050406030204" pitchFamily="18" charset="0"/>
+              </a:rPr>
+              <a:t>này</a:t>
+            </a:r>
+            <a:r>
+              <a:rPr lang="en-US" dirty="0">
+                <a:latin typeface="Cambria" panose="02040503050406030204" pitchFamily="18" charset="0"/>
+                <a:ea typeface="Cambria" panose="02040503050406030204" pitchFamily="18" charset="0"/>
+              </a:rPr>
+              <a:t> </a:t>
+            </a:r>
+            <a:r>
+              <a:rPr lang="en-US" dirty="0" err="1">
+                <a:latin typeface="Cambria" panose="02040503050406030204" pitchFamily="18" charset="0"/>
+                <a:ea typeface="Cambria" panose="02040503050406030204" pitchFamily="18" charset="0"/>
+              </a:rPr>
+              <a:t>là</a:t>
+            </a:r>
+            <a:r>
+              <a:rPr lang="en-US" dirty="0">
+                <a:latin typeface="Cambria" panose="02040503050406030204" pitchFamily="18" charset="0"/>
+                <a:ea typeface="Cambria" panose="02040503050406030204" pitchFamily="18" charset="0"/>
+              </a:rPr>
+              <a:t> </a:t>
+            </a:r>
+            <a:r>
+              <a:rPr lang="en-US" dirty="0" err="1">
+                <a:latin typeface="Cambria" panose="02040503050406030204" pitchFamily="18" charset="0"/>
+                <a:ea typeface="Cambria" panose="02040503050406030204" pitchFamily="18" charset="0"/>
+              </a:rPr>
+              <a:t>rất</a:t>
+            </a:r>
+            <a:r>
+              <a:rPr lang="en-US" dirty="0">
+                <a:latin typeface="Cambria" panose="02040503050406030204" pitchFamily="18" charset="0"/>
+                <a:ea typeface="Cambria" panose="02040503050406030204" pitchFamily="18" charset="0"/>
+              </a:rPr>
+              <a:t> </a:t>
+            </a:r>
+            <a:r>
+              <a:rPr lang="en-US" dirty="0" err="1">
+                <a:latin typeface="Cambria" panose="02040503050406030204" pitchFamily="18" charset="0"/>
+                <a:ea typeface="Cambria" panose="02040503050406030204" pitchFamily="18" charset="0"/>
+              </a:rPr>
+              <a:t>nhỏ</a:t>
+            </a:r>
+            <a:r>
+              <a:rPr lang="en-US" dirty="0">
+                <a:latin typeface="Cambria" panose="02040503050406030204" pitchFamily="18" charset="0"/>
+                <a:ea typeface="Cambria" panose="02040503050406030204" pitchFamily="18" charset="0"/>
+              </a:rPr>
+              <a:t> so </a:t>
+            </a:r>
+            <a:r>
+              <a:rPr lang="en-US" dirty="0" err="1">
+                <a:latin typeface="Cambria" panose="02040503050406030204" pitchFamily="18" charset="0"/>
+                <a:ea typeface="Cambria" panose="02040503050406030204" pitchFamily="18" charset="0"/>
+              </a:rPr>
+              <a:t>với</a:t>
+            </a:r>
+            <a:r>
+              <a:rPr lang="en-US" dirty="0">
+                <a:latin typeface="Cambria" panose="02040503050406030204" pitchFamily="18" charset="0"/>
+                <a:ea typeface="Cambria" panose="02040503050406030204" pitchFamily="18" charset="0"/>
+              </a:rPr>
+              <a:t> 10 </a:t>
+            </a:r>
+            <a:r>
+              <a:rPr lang="en-US" dirty="0" err="1">
+                <a:latin typeface="Cambria" panose="02040503050406030204" pitchFamily="18" charset="0"/>
+                <a:ea typeface="Cambria" panose="02040503050406030204" pitchFamily="18" charset="0"/>
+              </a:rPr>
+              <a:t>triệu</a:t>
+            </a:r>
+            <a:r>
+              <a:rPr lang="en-US" dirty="0">
+                <a:latin typeface="Cambria" panose="02040503050406030204" pitchFamily="18" charset="0"/>
+                <a:ea typeface="Cambria" panose="02040503050406030204" pitchFamily="18" charset="0"/>
+              </a:rPr>
+              <a:t> </a:t>
+            </a:r>
+            <a:r>
+              <a:rPr lang="en-US" dirty="0" err="1">
+                <a:latin typeface="Cambria" panose="02040503050406030204" pitchFamily="18" charset="0"/>
+                <a:ea typeface="Cambria" panose="02040503050406030204" pitchFamily="18" charset="0"/>
+              </a:rPr>
+              <a:t>giao</a:t>
+            </a:r>
+            <a:r>
+              <a:rPr lang="en-US" dirty="0">
+                <a:latin typeface="Cambria" panose="02040503050406030204" pitchFamily="18" charset="0"/>
+                <a:ea typeface="Cambria" panose="02040503050406030204" pitchFamily="18" charset="0"/>
+              </a:rPr>
+              <a:t> </a:t>
+            </a:r>
+            <a:r>
+              <a:rPr lang="en-US" dirty="0" err="1">
+                <a:latin typeface="Cambria" panose="02040503050406030204" pitchFamily="18" charset="0"/>
+                <a:ea typeface="Cambria" panose="02040503050406030204" pitchFamily="18" charset="0"/>
+              </a:rPr>
+              <a:t>dịch</a:t>
+            </a:r>
+            <a:r>
+              <a:rPr lang="en-US" dirty="0">
+                <a:latin typeface="Cambria" panose="02040503050406030204" pitchFamily="18" charset="0"/>
+                <a:ea typeface="Cambria" panose="02040503050406030204" pitchFamily="18" charset="0"/>
+              </a:rPr>
+              <a:t> </a:t>
+            </a:r>
+            <a:r>
+              <a:rPr lang="en-US" dirty="0" err="1">
+                <a:latin typeface="Cambria" panose="02040503050406030204" pitchFamily="18" charset="0"/>
+                <a:ea typeface="Cambria" panose="02040503050406030204" pitchFamily="18" charset="0"/>
+              </a:rPr>
+              <a:t>của</a:t>
+            </a:r>
+            <a:r>
+              <a:rPr lang="en-US" dirty="0">
+                <a:latin typeface="Cambria" panose="02040503050406030204" pitchFamily="18" charset="0"/>
+                <a:ea typeface="Cambria" panose="02040503050406030204" pitchFamily="18" charset="0"/>
+              </a:rPr>
+              <a:t> 381 ĐVCNT.</a:t>
+            </a:r>
+          </a:p>
+          <a:p>
+            <a:r>
+              <a:rPr lang="en-US" dirty="0" err="1">
+                <a:latin typeface="Cambria" panose="02040503050406030204" pitchFamily="18" charset="0"/>
+                <a:ea typeface="Cambria" panose="02040503050406030204" pitchFamily="18" charset="0"/>
+              </a:rPr>
               <a:t>Tỷ</a:t>
             </a:r>
             <a:r>
-              <a:rPr lang="en-US" dirty="0" smtClean="0"/>
-              <a:t> </a:t>
-            </a:r>
-            <a:r>
-              <a:rPr lang="en-US" dirty="0" err="1" smtClean="0"/>
+              <a:rPr lang="en-US" dirty="0">
+                <a:latin typeface="Cambria" panose="02040503050406030204" pitchFamily="18" charset="0"/>
+                <a:ea typeface="Cambria" panose="02040503050406030204" pitchFamily="18" charset="0"/>
+              </a:rPr>
+              <a:t> </a:t>
+            </a:r>
+            <a:r>
+              <a:rPr lang="en-US" dirty="0" err="1">
+                <a:latin typeface="Cambria" panose="02040503050406030204" pitchFamily="18" charset="0"/>
+                <a:ea typeface="Cambria" panose="02040503050406030204" pitchFamily="18" charset="0"/>
+              </a:rPr>
               <a:t>lệ</a:t>
             </a:r>
             <a:r>
-              <a:rPr lang="en-US" dirty="0" smtClean="0"/>
-              <a:t> </a:t>
-            </a:r>
-            <a:r>
-              <a:rPr lang="en-US" dirty="0" err="1" smtClean="0"/>
+              <a:rPr lang="en-US" dirty="0">
+                <a:latin typeface="Cambria" panose="02040503050406030204" pitchFamily="18" charset="0"/>
+                <a:ea typeface="Cambria" panose="02040503050406030204" pitchFamily="18" charset="0"/>
+              </a:rPr>
+              <a:t> </a:t>
+            </a:r>
+            <a:r>
+              <a:rPr lang="en-US" dirty="0" err="1">
+                <a:latin typeface="Cambria" panose="02040503050406030204" pitchFamily="18" charset="0"/>
+                <a:ea typeface="Cambria" panose="02040503050406030204" pitchFamily="18" charset="0"/>
+              </a:rPr>
               <a:t>lỗi</a:t>
             </a:r>
             <a:r>
-              <a:rPr lang="en-US" dirty="0" smtClean="0"/>
-              <a:t> </a:t>
-            </a:r>
-            <a:r>
-              <a:rPr lang="en-US" dirty="0" err="1" smtClean="0"/>
-              <a:t>từng</a:t>
-            </a:r>
-            <a:r>
-              <a:rPr lang="en-US" dirty="0" smtClean="0"/>
-              <a:t> ĐVCNT( </a:t>
-            </a:r>
-            <a:r>
-              <a:rPr lang="en-US" dirty="0" err="1" smtClean="0"/>
-              <a:t>bao</a:t>
-            </a:r>
-            <a:r>
-              <a:rPr lang="en-US" dirty="0" smtClean="0"/>
-              <a:t> </a:t>
-            </a:r>
-            <a:r>
-              <a:rPr lang="en-US" dirty="0" err="1" smtClean="0"/>
-              <a:t>nhiêu</a:t>
-            </a:r>
-            <a:r>
-              <a:rPr lang="en-US" dirty="0" smtClean="0"/>
-              <a:t> ĐVCNT </a:t>
-            </a:r>
-            <a:r>
-              <a:rPr lang="en-US" dirty="0" err="1" smtClean="0"/>
+              <a:rPr lang="en-US" dirty="0">
+                <a:latin typeface="Cambria" panose="02040503050406030204" pitchFamily="18" charset="0"/>
+                <a:ea typeface="Cambria" panose="02040503050406030204" pitchFamily="18" charset="0"/>
+              </a:rPr>
+              <a:t> </a:t>
+            </a:r>
+            <a:r>
+              <a:rPr lang="en-US" dirty="0" err="1">
+                <a:latin typeface="Cambria" panose="02040503050406030204" pitchFamily="18" charset="0"/>
+                <a:ea typeface="Cambria" panose="02040503050406030204" pitchFamily="18" charset="0"/>
+              </a:rPr>
+              <a:t>trung</a:t>
+            </a:r>
+            <a:r>
+              <a:rPr lang="en-US" dirty="0">
+                <a:latin typeface="Cambria" panose="02040503050406030204" pitchFamily="18" charset="0"/>
+                <a:ea typeface="Cambria" panose="02040503050406030204" pitchFamily="18" charset="0"/>
+              </a:rPr>
+              <a:t> </a:t>
+            </a:r>
+            <a:r>
+              <a:rPr lang="en-US" dirty="0" err="1">
+                <a:latin typeface="Cambria" panose="02040503050406030204" pitchFamily="18" charset="0"/>
+                <a:ea typeface="Cambria" panose="02040503050406030204" pitchFamily="18" charset="0"/>
+              </a:rPr>
+              <a:t>bình</a:t>
+            </a:r>
+            <a:r>
+              <a:rPr lang="en-US" dirty="0">
+                <a:latin typeface="Cambria" panose="02040503050406030204" pitchFamily="18" charset="0"/>
+                <a:ea typeface="Cambria" panose="02040503050406030204" pitchFamily="18" charset="0"/>
+              </a:rPr>
+              <a:t> </a:t>
+            </a:r>
+            <a:r>
+              <a:rPr lang="en-US" dirty="0" err="1">
+                <a:latin typeface="Cambria" panose="02040503050406030204" pitchFamily="18" charset="0"/>
+                <a:ea typeface="Cambria" panose="02040503050406030204" pitchFamily="18" charset="0"/>
+              </a:rPr>
+              <a:t>của</a:t>
+            </a:r>
+            <a:r>
+              <a:rPr lang="en-US" dirty="0">
+                <a:latin typeface="Cambria" panose="02040503050406030204" pitchFamily="18" charset="0"/>
+                <a:ea typeface="Cambria" panose="02040503050406030204" pitchFamily="18" charset="0"/>
+              </a:rPr>
+              <a:t> 30 ĐVCNT </a:t>
+            </a:r>
+            <a:r>
+              <a:rPr lang="en-US" dirty="0" err="1">
+                <a:latin typeface="Cambria" panose="02040503050406030204" pitchFamily="18" charset="0"/>
+                <a:ea typeface="Cambria" panose="02040503050406030204" pitchFamily="18" charset="0"/>
+              </a:rPr>
+              <a:t>là</a:t>
+            </a:r>
+            <a:r>
+              <a:rPr lang="en-US" dirty="0">
+                <a:latin typeface="Cambria" panose="02040503050406030204" pitchFamily="18" charset="0"/>
+                <a:ea typeface="Cambria" panose="02040503050406030204" pitchFamily="18" charset="0"/>
+              </a:rPr>
+              <a:t> 72%.</a:t>
+            </a:r>
+          </a:p>
+        </p:txBody>
+      </p:sp>
+      <p:pic>
+        <p:nvPicPr>
+          <p:cNvPr id="40" name="Graphic 39" descr="Badge Tick1 with solid fill">
+            <a:extLst>
+              <a:ext uri="{FF2B5EF4-FFF2-40B4-BE49-F238E27FC236}">
+                <a16:creationId xmlns:a16="http://schemas.microsoft.com/office/drawing/2014/main" id="{E2B27B6E-E67D-676D-0854-12FECC7A8174}"/>
+              </a:ext>
+            </a:extLst>
+          </p:cNvPr>
+          <p:cNvPicPr>
+            <a:picLocks noChangeAspect="1"/>
+          </p:cNvPicPr>
+          <p:nvPr/>
+        </p:nvPicPr>
+        <p:blipFill>
+          <a:blip r:embed="rId4">
+            <a:extLst>
+              <a:ext uri="{28A0092B-C50C-407E-A947-70E740481C1C}">
+                <a14:useLocalDpi xmlns:a14="http://schemas.microsoft.com/office/drawing/2010/main" val="0"/>
+              </a:ext>
+              <a:ext uri="{96DAC541-7B7A-43D3-8B79-37D633B846F1}">
+                <asvg:svgBlip xmlns:asvg="http://schemas.microsoft.com/office/drawing/2016/SVG/main" r:embed="rId5"/>
+              </a:ext>
+            </a:extLst>
+          </a:blip>
+          <a:stretch>
+            <a:fillRect/>
+          </a:stretch>
+        </p:blipFill>
+        <p:spPr>
+          <a:xfrm>
+            <a:off x="5776111" y="5069840"/>
+            <a:ext cx="414787" cy="414792"/>
+          </a:xfrm>
+          <a:prstGeom prst="rect">
+            <a:avLst/>
+          </a:prstGeom>
+        </p:spPr>
+      </p:pic>
+      <p:pic>
+        <p:nvPicPr>
+          <p:cNvPr id="41" name="Graphic 40" descr="Badge Tick1 with solid fill">
+            <a:extLst>
+              <a:ext uri="{FF2B5EF4-FFF2-40B4-BE49-F238E27FC236}">
+                <a16:creationId xmlns:a16="http://schemas.microsoft.com/office/drawing/2014/main" id="{EA36C06D-D08F-025D-E895-9EE92C55EB97}"/>
+              </a:ext>
+            </a:extLst>
+          </p:cNvPr>
+          <p:cNvPicPr>
+            <a:picLocks noChangeAspect="1"/>
+          </p:cNvPicPr>
+          <p:nvPr/>
+        </p:nvPicPr>
+        <p:blipFill>
+          <a:blip r:embed="rId4">
+            <a:extLst>
+              <a:ext uri="{28A0092B-C50C-407E-A947-70E740481C1C}">
+                <a14:useLocalDpi xmlns:a14="http://schemas.microsoft.com/office/drawing/2010/main" val="0"/>
+              </a:ext>
+              <a:ext uri="{96DAC541-7B7A-43D3-8B79-37D633B846F1}">
+                <asvg:svgBlip xmlns:asvg="http://schemas.microsoft.com/office/drawing/2016/SVG/main" r:embed="rId5"/>
+              </a:ext>
+            </a:extLst>
+          </a:blip>
+          <a:stretch>
+            <a:fillRect/>
+          </a:stretch>
+        </p:blipFill>
+        <p:spPr>
+          <a:xfrm>
+            <a:off x="5776111" y="5899287"/>
+            <a:ext cx="414787" cy="414792"/>
+          </a:xfrm>
+          <a:prstGeom prst="rect">
+            <a:avLst/>
+          </a:prstGeom>
+        </p:spPr>
+      </p:pic>
+      <p:pic>
+        <p:nvPicPr>
+          <p:cNvPr id="42" name="Graphic 41" descr="Badge Tick1 with solid fill">
+            <a:extLst>
+              <a:ext uri="{FF2B5EF4-FFF2-40B4-BE49-F238E27FC236}">
+                <a16:creationId xmlns:a16="http://schemas.microsoft.com/office/drawing/2014/main" id="{370AFCC2-D9BF-6207-46FF-0F624590E7E3}"/>
+              </a:ext>
+            </a:extLst>
+          </p:cNvPr>
+          <p:cNvPicPr>
+            <a:picLocks noChangeAspect="1"/>
+          </p:cNvPicPr>
+          <p:nvPr/>
+        </p:nvPicPr>
+        <p:blipFill>
+          <a:blip r:embed="rId6">
+            <a:extLst>
+              <a:ext uri="{28A0092B-C50C-407E-A947-70E740481C1C}">
+                <a14:useLocalDpi xmlns:a14="http://schemas.microsoft.com/office/drawing/2010/main" val="0"/>
+              </a:ext>
+              <a:ext uri="{96DAC541-7B7A-43D3-8B79-37D633B846F1}">
+                <asvg:svgBlip xmlns:asvg="http://schemas.microsoft.com/office/drawing/2016/SVG/main" r:embed="rId7"/>
+              </a:ext>
+            </a:extLst>
+          </a:blip>
+          <a:stretch>
+            <a:fillRect/>
+          </a:stretch>
+        </p:blipFill>
+        <p:spPr>
+          <a:xfrm>
+            <a:off x="479725" y="5148534"/>
+            <a:ext cx="414787" cy="414792"/>
+          </a:xfrm>
+          <a:prstGeom prst="rect">
+            <a:avLst/>
+          </a:prstGeom>
+        </p:spPr>
+      </p:pic>
+      <p:pic>
+        <p:nvPicPr>
+          <p:cNvPr id="43" name="Graphic 42" descr="Badge Tick1 with solid fill">
+            <a:extLst>
+              <a:ext uri="{FF2B5EF4-FFF2-40B4-BE49-F238E27FC236}">
+                <a16:creationId xmlns:a16="http://schemas.microsoft.com/office/drawing/2014/main" id="{80DDCF8D-4D4F-60B5-C8C2-7436D6F85192}"/>
+              </a:ext>
+            </a:extLst>
+          </p:cNvPr>
+          <p:cNvPicPr>
+            <a:picLocks noChangeAspect="1"/>
+          </p:cNvPicPr>
+          <p:nvPr/>
+        </p:nvPicPr>
+        <p:blipFill>
+          <a:blip r:embed="rId6">
+            <a:extLst>
+              <a:ext uri="{28A0092B-C50C-407E-A947-70E740481C1C}">
+                <a14:useLocalDpi xmlns:a14="http://schemas.microsoft.com/office/drawing/2010/main" val="0"/>
+              </a:ext>
+              <a:ext uri="{96DAC541-7B7A-43D3-8B79-37D633B846F1}">
+                <asvg:svgBlip xmlns:asvg="http://schemas.microsoft.com/office/drawing/2016/SVG/main" r:embed="rId7"/>
+              </a:ext>
+            </a:extLst>
+          </a:blip>
+          <a:stretch>
+            <a:fillRect/>
+          </a:stretch>
+        </p:blipFill>
+        <p:spPr>
+          <a:xfrm>
+            <a:off x="479724" y="6001993"/>
+            <a:ext cx="414787" cy="414792"/>
+          </a:xfrm>
+          <a:prstGeom prst="rect">
+            <a:avLst/>
+          </a:prstGeom>
+        </p:spPr>
+      </p:pic>
+      <p:sp>
+        <p:nvSpPr>
+          <p:cNvPr id="44" name="TextBox 43">
+            <a:extLst>
+              <a:ext uri="{FF2B5EF4-FFF2-40B4-BE49-F238E27FC236}">
+                <a16:creationId xmlns:a16="http://schemas.microsoft.com/office/drawing/2014/main" id="{A4FD1083-36AF-9BC6-882E-DD74F878318A}"/>
+              </a:ext>
+            </a:extLst>
+          </p:cNvPr>
+          <p:cNvSpPr txBox="1"/>
+          <p:nvPr/>
+        </p:nvSpPr>
+        <p:spPr>
+          <a:xfrm>
+            <a:off x="833984" y="5195795"/>
+            <a:ext cx="4492763" cy="369332"/>
+          </a:xfrm>
+          <a:prstGeom prst="rect">
+            <a:avLst/>
+          </a:prstGeom>
+          <a:noFill/>
+        </p:spPr>
+        <p:txBody>
+          <a:bodyPr wrap="square" rtlCol="0">
+            <a:spAutoFit/>
+          </a:bodyPr>
+          <a:lstStyle/>
+          <a:p>
+            <a:r>
+              <a:rPr lang="en-US" dirty="0">
+                <a:latin typeface="Cambria" panose="02040503050406030204" pitchFamily="18" charset="0"/>
+                <a:ea typeface="Cambria" panose="02040503050406030204" pitchFamily="18" charset="0"/>
+              </a:rPr>
+              <a:t>71 ĐVCNT </a:t>
+            </a:r>
+            <a:r>
+              <a:rPr lang="en-US" dirty="0" err="1">
+                <a:latin typeface="Cambria" panose="02040503050406030204" pitchFamily="18" charset="0"/>
+                <a:ea typeface="Cambria" panose="02040503050406030204" pitchFamily="18" charset="0"/>
+              </a:rPr>
               <a:t>có</a:t>
             </a:r>
             <a:r>
-              <a:rPr lang="en-US" dirty="0" smtClean="0"/>
-              <a:t> </a:t>
-            </a:r>
-            <a:r>
-              <a:rPr lang="en-US" dirty="0" err="1" smtClean="0"/>
+              <a:rPr lang="en-US" dirty="0">
+                <a:latin typeface="Cambria" panose="02040503050406030204" pitchFamily="18" charset="0"/>
+                <a:ea typeface="Cambria" panose="02040503050406030204" pitchFamily="18" charset="0"/>
+              </a:rPr>
+              <a:t> </a:t>
+            </a:r>
+            <a:r>
+              <a:rPr lang="en-US" dirty="0" err="1">
+                <a:latin typeface="Cambria" panose="02040503050406030204" pitchFamily="18" charset="0"/>
+                <a:ea typeface="Cambria" panose="02040503050406030204" pitchFamily="18" charset="0"/>
+              </a:rPr>
+              <a:t>tỷ</a:t>
+            </a:r>
+            <a:r>
+              <a:rPr lang="en-US" dirty="0">
+                <a:latin typeface="Cambria" panose="02040503050406030204" pitchFamily="18" charset="0"/>
+                <a:ea typeface="Cambria" panose="02040503050406030204" pitchFamily="18" charset="0"/>
+              </a:rPr>
+              <a:t> </a:t>
+            </a:r>
+            <a:r>
+              <a:rPr lang="en-US" dirty="0" err="1">
+                <a:latin typeface="Cambria" panose="02040503050406030204" pitchFamily="18" charset="0"/>
+                <a:ea typeface="Cambria" panose="02040503050406030204" pitchFamily="18" charset="0"/>
+              </a:rPr>
+              <a:t>lệ</a:t>
+            </a:r>
+            <a:r>
+              <a:rPr lang="en-US" dirty="0">
+                <a:latin typeface="Cambria" panose="02040503050406030204" pitchFamily="18" charset="0"/>
+                <a:ea typeface="Cambria" panose="02040503050406030204" pitchFamily="18" charset="0"/>
+              </a:rPr>
+              <a:t> </a:t>
+            </a:r>
+            <a:r>
+              <a:rPr lang="en-US" dirty="0" err="1">
+                <a:latin typeface="Cambria" panose="02040503050406030204" pitchFamily="18" charset="0"/>
+                <a:ea typeface="Cambria" panose="02040503050406030204" pitchFamily="18" charset="0"/>
+              </a:rPr>
               <a:t>lỗi</a:t>
             </a:r>
             <a:r>
-              <a:rPr lang="en-US" dirty="0" smtClean="0"/>
-              <a:t> </a:t>
-            </a:r>
-            <a:r>
-              <a:rPr lang="en-US" dirty="0" err="1" smtClean="0"/>
-              <a:t>trên</a:t>
-            </a:r>
-            <a:r>
-              <a:rPr lang="en-US" dirty="0" smtClean="0"/>
-              <a:t> 50% </a:t>
-            </a:r>
-            <a:r>
-              <a:rPr lang="en-US" dirty="0" err="1" smtClean="0"/>
-              <a:t>giao</a:t>
-            </a:r>
-            <a:r>
-              <a:rPr lang="en-US" dirty="0" smtClean="0"/>
-              <a:t> </a:t>
-            </a:r>
-            <a:r>
-              <a:rPr lang="en-US" dirty="0" err="1" smtClean="0"/>
-              <a:t>dịch</a:t>
-            </a:r>
-            <a:r>
-              <a:rPr lang="en-US" dirty="0" smtClean="0"/>
-              <a:t>)</a:t>
-            </a:r>
-            <a:endParaRPr lang="en-US" dirty="0"/>
+              <a:rPr lang="en-US" dirty="0">
+                <a:latin typeface="Cambria" panose="02040503050406030204" pitchFamily="18" charset="0"/>
+                <a:ea typeface="Cambria" panose="02040503050406030204" pitchFamily="18" charset="0"/>
+              </a:rPr>
+              <a:t> </a:t>
+            </a:r>
+            <a:r>
+              <a:rPr lang="en-US" dirty="0" err="1">
+                <a:latin typeface="Cambria" panose="02040503050406030204" pitchFamily="18" charset="0"/>
+                <a:ea typeface="Cambria" panose="02040503050406030204" pitchFamily="18" charset="0"/>
+              </a:rPr>
+              <a:t>bằng</a:t>
+            </a:r>
+            <a:r>
+              <a:rPr lang="en-US" dirty="0">
+                <a:latin typeface="Cambria" panose="02040503050406030204" pitchFamily="18" charset="0"/>
+                <a:ea typeface="Cambria" panose="02040503050406030204" pitchFamily="18" charset="0"/>
+              </a:rPr>
+              <a:t> 0. </a:t>
+            </a:r>
+          </a:p>
+        </p:txBody>
+      </p:sp>
+      <p:sp>
+        <p:nvSpPr>
+          <p:cNvPr id="45" name="TextBox 44">
+            <a:extLst>
+              <a:ext uri="{FF2B5EF4-FFF2-40B4-BE49-F238E27FC236}">
+                <a16:creationId xmlns:a16="http://schemas.microsoft.com/office/drawing/2014/main" id="{A5184694-882F-5D66-B120-A650A582AC72}"/>
+              </a:ext>
+            </a:extLst>
+          </p:cNvPr>
+          <p:cNvSpPr txBox="1"/>
+          <p:nvPr/>
+        </p:nvSpPr>
+        <p:spPr>
+          <a:xfrm>
+            <a:off x="781241" y="5998390"/>
+            <a:ext cx="4745139" cy="369332"/>
+          </a:xfrm>
+          <a:prstGeom prst="rect">
+            <a:avLst/>
+          </a:prstGeom>
+          <a:noFill/>
+        </p:spPr>
+        <p:txBody>
+          <a:bodyPr wrap="square" rtlCol="0">
+            <a:spAutoFit/>
+          </a:bodyPr>
+          <a:lstStyle/>
+          <a:p>
+            <a:r>
+              <a:rPr lang="en-US" dirty="0" err="1">
+                <a:latin typeface="Cambria" panose="02040503050406030204" pitchFamily="18" charset="0"/>
+                <a:ea typeface="Cambria" panose="02040503050406030204" pitchFamily="18" charset="0"/>
+              </a:rPr>
+              <a:t>Tỷ</a:t>
+            </a:r>
+            <a:r>
+              <a:rPr lang="en-US" dirty="0">
+                <a:latin typeface="Cambria" panose="02040503050406030204" pitchFamily="18" charset="0"/>
+                <a:ea typeface="Cambria" panose="02040503050406030204" pitchFamily="18" charset="0"/>
+              </a:rPr>
+              <a:t> </a:t>
+            </a:r>
+            <a:r>
+              <a:rPr lang="en-US" dirty="0" err="1">
+                <a:latin typeface="Cambria" panose="02040503050406030204" pitchFamily="18" charset="0"/>
+                <a:ea typeface="Cambria" panose="02040503050406030204" pitchFamily="18" charset="0"/>
+              </a:rPr>
+              <a:t>lệ</a:t>
+            </a:r>
+            <a:r>
+              <a:rPr lang="en-US" dirty="0">
+                <a:latin typeface="Cambria" panose="02040503050406030204" pitchFamily="18" charset="0"/>
+                <a:ea typeface="Cambria" panose="02040503050406030204" pitchFamily="18" charset="0"/>
+              </a:rPr>
+              <a:t> </a:t>
+            </a:r>
+            <a:r>
+              <a:rPr lang="en-US" dirty="0" err="1">
+                <a:latin typeface="Cambria" panose="02040503050406030204" pitchFamily="18" charset="0"/>
+                <a:ea typeface="Cambria" panose="02040503050406030204" pitchFamily="18" charset="0"/>
+              </a:rPr>
+              <a:t>lỗi</a:t>
+            </a:r>
+            <a:r>
+              <a:rPr lang="en-US" dirty="0">
+                <a:latin typeface="Cambria" panose="02040503050406030204" pitchFamily="18" charset="0"/>
+                <a:ea typeface="Cambria" panose="02040503050406030204" pitchFamily="18" charset="0"/>
+              </a:rPr>
+              <a:t> </a:t>
+            </a:r>
+            <a:r>
+              <a:rPr lang="en-US" dirty="0" err="1">
+                <a:latin typeface="Cambria" panose="02040503050406030204" pitchFamily="18" charset="0"/>
+                <a:ea typeface="Cambria" panose="02040503050406030204" pitchFamily="18" charset="0"/>
+              </a:rPr>
+              <a:t>trung</a:t>
+            </a:r>
+            <a:r>
+              <a:rPr lang="en-US" dirty="0">
+                <a:latin typeface="Cambria" panose="02040503050406030204" pitchFamily="18" charset="0"/>
+                <a:ea typeface="Cambria" panose="02040503050406030204" pitchFamily="18" charset="0"/>
+              </a:rPr>
+              <a:t> </a:t>
+            </a:r>
+            <a:r>
+              <a:rPr lang="en-US" dirty="0" err="1">
+                <a:latin typeface="Cambria" panose="02040503050406030204" pitchFamily="18" charset="0"/>
+                <a:ea typeface="Cambria" panose="02040503050406030204" pitchFamily="18" charset="0"/>
+              </a:rPr>
+              <a:t>bình</a:t>
+            </a:r>
+            <a:r>
+              <a:rPr lang="en-US" dirty="0">
+                <a:latin typeface="Cambria" panose="02040503050406030204" pitchFamily="18" charset="0"/>
+                <a:ea typeface="Cambria" panose="02040503050406030204" pitchFamily="18" charset="0"/>
+              </a:rPr>
+              <a:t> </a:t>
+            </a:r>
+            <a:r>
+              <a:rPr lang="en-US" dirty="0" err="1">
+                <a:latin typeface="Cambria" panose="02040503050406030204" pitchFamily="18" charset="0"/>
+                <a:ea typeface="Cambria" panose="02040503050406030204" pitchFamily="18" charset="0"/>
+              </a:rPr>
+              <a:t>của</a:t>
+            </a:r>
+            <a:r>
+              <a:rPr lang="en-US" dirty="0">
+                <a:latin typeface="Cambria" panose="02040503050406030204" pitchFamily="18" charset="0"/>
+                <a:ea typeface="Cambria" panose="02040503050406030204" pitchFamily="18" charset="0"/>
+              </a:rPr>
+              <a:t> 318 ĐVCNT </a:t>
+            </a:r>
+            <a:r>
+              <a:rPr lang="en-US" dirty="0" err="1">
+                <a:latin typeface="Cambria" panose="02040503050406030204" pitchFamily="18" charset="0"/>
+                <a:ea typeface="Cambria" panose="02040503050406030204" pitchFamily="18" charset="0"/>
+              </a:rPr>
+              <a:t>là</a:t>
+            </a:r>
+            <a:r>
+              <a:rPr lang="en-US" dirty="0">
+                <a:latin typeface="Cambria" panose="02040503050406030204" pitchFamily="18" charset="0"/>
+                <a:ea typeface="Cambria" panose="02040503050406030204" pitchFamily="18" charset="0"/>
+              </a:rPr>
+              <a:t> 11%.</a:t>
+            </a:r>
           </a:p>
         </p:txBody>
       </p:sp>
     </p:spTree>
     <p:extLst>
       <p:ext uri="{BB962C8B-B14F-4D97-AF65-F5344CB8AC3E}">
-        <p14:creationId xmlns:p14="http://schemas.microsoft.com/office/powerpoint/2010/main" val="2903720375"/>
+        <p14:creationId xmlns:p14="http://schemas.microsoft.com/office/powerpoint/2010/main" val="40550578"/>
       </p:ext>
     </p:extLst>
   </p:cSld>
@@ -8507,7 +10118,6 @@
             <a:off x="433138" y="90180"/>
             <a:ext cx="10306810" cy="651085"/>
           </a:xfrm>
-          <a:extLst/>
         </p:spPr>
         <p:txBody>
           <a:bodyPr>
@@ -8522,71 +10132,124 @@
               <a:defRPr/>
             </a:pPr>
             <a:r>
-              <a:rPr lang="en-US" sz="1600" dirty="0" smtClean="0"/>
+              <a:rPr lang="en-US" sz="1600" dirty="0"/>
               <a:t>Số </a:t>
             </a:r>
             <a:r>
-              <a:rPr lang="en-US" sz="1600" dirty="0" err="1" smtClean="0"/>
+              <a:rPr lang="en-US" sz="1600" dirty="0" err="1"/>
               <a:t>lượng</a:t>
             </a:r>
             <a:r>
-              <a:rPr lang="en-US" sz="1600" dirty="0" smtClean="0"/>
-              <a:t> KH active năm 2023 có </a:t>
-            </a:r>
-            <a:r>
-              <a:rPr lang="en-US" sz="1600" dirty="0" err="1" smtClean="0"/>
-              <a:t>xu</a:t>
-            </a:r>
-            <a:r>
-              <a:rPr lang="en-US" sz="1600" dirty="0" smtClean="0"/>
-              <a:t> </a:t>
-            </a:r>
-            <a:r>
-              <a:rPr lang="en-US" sz="1600" dirty="0" err="1" smtClean="0"/>
-              <a:t>hướng</a:t>
-            </a:r>
-            <a:r>
-              <a:rPr lang="en-US" sz="1600" dirty="0" smtClean="0"/>
-              <a:t> </a:t>
-            </a:r>
-            <a:r>
-              <a:rPr lang="en-US" sz="1600" dirty="0" err="1" smtClean="0"/>
-              <a:t>tăng</a:t>
-            </a:r>
-            <a:r>
-              <a:rPr lang="en-US" sz="1600" dirty="0" smtClean="0"/>
-              <a:t> lên </a:t>
-            </a:r>
-            <a:r>
-              <a:rPr lang="en-US" sz="1600" dirty="0" err="1" smtClean="0"/>
+              <a:rPr lang="en-US" sz="1600" dirty="0"/>
+              <a:t> </a:t>
+            </a:r>
+            <a:r>
+              <a:rPr lang="en-US" sz="1600" dirty="0" err="1"/>
+              <a:t>giao</a:t>
+            </a:r>
+            <a:r>
+              <a:rPr lang="en-US" sz="1600" dirty="0"/>
+              <a:t> </a:t>
+            </a:r>
+            <a:r>
+              <a:rPr lang="en-US" sz="1600" dirty="0" err="1"/>
+              <a:t>dịch</a:t>
+            </a:r>
+            <a:r>
+              <a:rPr lang="en-US" sz="1600" dirty="0"/>
+              <a:t> </a:t>
+            </a:r>
+            <a:r>
+              <a:rPr lang="en-US" sz="1600" dirty="0" err="1"/>
               <a:t>và</a:t>
             </a:r>
             <a:r>
-              <a:rPr lang="en-US" sz="1600" dirty="0" smtClean="0"/>
-              <a:t> </a:t>
-            </a:r>
-            <a:r>
-              <a:rPr lang="en-US" sz="1600" dirty="0" err="1" smtClean="0"/>
-              <a:t>tăng</a:t>
-            </a:r>
-            <a:r>
-              <a:rPr lang="en-US" sz="1600" dirty="0" smtClean="0"/>
-              <a:t> </a:t>
-            </a:r>
-            <a:r>
-              <a:rPr lang="en-US" sz="1600" dirty="0" err="1" smtClean="0"/>
-              <a:t>mạnh</a:t>
-            </a:r>
-            <a:r>
-              <a:rPr lang="en-US" sz="1600" dirty="0" smtClean="0"/>
-              <a:t> ở tháng 12</a:t>
-            </a:r>
-            <a:br>
-              <a:rPr lang="en-US" sz="1600" dirty="0" smtClean="0"/>
-            </a:br>
-            <a:r>
-              <a:rPr lang="vi-VN" sz="1600" dirty="0"/>
-              <a:t>KH chưa thực sự có nhiều nhu cầu nâng hạn mức giao dịch online</a:t>
+              <a:rPr lang="en-US" sz="1600" dirty="0"/>
+              <a:t> </a:t>
+            </a:r>
+            <a:r>
+              <a:rPr lang="en-US" sz="1600" dirty="0" err="1"/>
+              <a:t>Giá</a:t>
+            </a:r>
+            <a:r>
+              <a:rPr lang="en-US" sz="1600" dirty="0"/>
+              <a:t> </a:t>
+            </a:r>
+            <a:r>
+              <a:rPr lang="en-US" sz="1600" dirty="0" err="1"/>
+              <a:t>trị</a:t>
+            </a:r>
+            <a:r>
+              <a:rPr lang="en-US" sz="1600" dirty="0"/>
+              <a:t> </a:t>
+            </a:r>
+            <a:r>
+              <a:rPr lang="en-US" sz="1600" dirty="0" err="1"/>
+              <a:t>giao</a:t>
+            </a:r>
+            <a:r>
+              <a:rPr lang="en-US" sz="1600" dirty="0"/>
+              <a:t> </a:t>
+            </a:r>
+            <a:r>
+              <a:rPr lang="en-US" sz="1600" dirty="0" err="1"/>
+              <a:t>dịch</a:t>
+            </a:r>
+            <a:r>
+              <a:rPr lang="en-US" sz="1600" dirty="0"/>
+              <a:t> </a:t>
+            </a:r>
+            <a:r>
+              <a:rPr lang="en-US" sz="1600" dirty="0" err="1"/>
+              <a:t>của</a:t>
+            </a:r>
+            <a:r>
+              <a:rPr lang="en-US" sz="1600" dirty="0"/>
+              <a:t> 30 ĐVCNT </a:t>
+            </a:r>
+            <a:r>
+              <a:rPr lang="en-US" sz="1600" dirty="0" err="1"/>
+              <a:t>có</a:t>
+            </a:r>
+            <a:r>
+              <a:rPr lang="en-US" sz="1600" dirty="0"/>
+              <a:t> </a:t>
+            </a:r>
+            <a:r>
+              <a:rPr lang="en-US" sz="1600" dirty="0" err="1"/>
+              <a:t>tỷ</a:t>
+            </a:r>
+            <a:r>
+              <a:rPr lang="en-US" sz="1600" dirty="0"/>
+              <a:t> </a:t>
+            </a:r>
+            <a:r>
+              <a:rPr lang="en-US" sz="1600" dirty="0" err="1"/>
+              <a:t>lệ</a:t>
+            </a:r>
+            <a:r>
+              <a:rPr lang="en-US" sz="1600" dirty="0"/>
+              <a:t> </a:t>
+            </a:r>
+            <a:r>
+              <a:rPr lang="en-US" sz="1600" dirty="0" err="1"/>
+              <a:t>lỗi</a:t>
+            </a:r>
+            <a:r>
+              <a:rPr lang="en-US" sz="1600" dirty="0"/>
+              <a:t> </a:t>
+            </a:r>
+            <a:r>
+              <a:rPr lang="en-US" sz="1600" dirty="0" err="1"/>
+              <a:t>cao</a:t>
+            </a:r>
+            <a:r>
+              <a:rPr lang="en-US" sz="1600" dirty="0"/>
+              <a:t> </a:t>
+            </a:r>
+            <a:r>
+              <a:rPr lang="en-US" sz="1600" dirty="0" err="1"/>
+              <a:t>nhất</a:t>
             </a:r>
             <a:endParaRPr lang="en-US" sz="1600" dirty="0"/>
           </a:p>
@@ -8629,8 +10292,8 @@
         </p:nvSpPr>
         <p:spPr>
           <a:xfrm>
-            <a:off x="830010" y="1189560"/>
-            <a:ext cx="4447164" cy="523220"/>
+            <a:off x="830009" y="1189560"/>
+            <a:ext cx="4622169" cy="338554"/>
           </a:xfrm>
           <a:prstGeom prst="rect">
             <a:avLst/>
@@ -8644,292 +10307,196 @@
           <a:lstStyle/>
           <a:p>
             <a:r>
-              <a:rPr lang="en-US" sz="1400" b="1" dirty="0" err="1" smtClean="0">
+              <a:rPr lang="en-US" sz="1600" b="1" dirty="0" err="1">
                 <a:solidFill>
                   <a:srgbClr val="196847"/>
                 </a:solidFill>
-              </a:rPr>
-              <a:t>Khách</a:t>
-            </a:r>
-            <a:r>
-              <a:rPr lang="en-US" sz="1400" b="1" dirty="0" smtClean="0">
+                <a:latin typeface="Cambria" panose="02040503050406030204" pitchFamily="18" charset="0"/>
+                <a:ea typeface="Cambria" panose="02040503050406030204" pitchFamily="18" charset="0"/>
+              </a:rPr>
+              <a:t>Số</a:t>
+            </a:r>
+            <a:r>
+              <a:rPr lang="en-US" sz="1600" b="1" dirty="0">
                 <a:solidFill>
                   <a:srgbClr val="196847"/>
                 </a:solidFill>
-              </a:rPr>
-              <a:t> </a:t>
-            </a:r>
-            <a:r>
-              <a:rPr lang="en-US" sz="1400" b="1" dirty="0" err="1" smtClean="0">
+                <a:latin typeface="Cambria" panose="02040503050406030204" pitchFamily="18" charset="0"/>
+                <a:ea typeface="Cambria" panose="02040503050406030204" pitchFamily="18" charset="0"/>
+              </a:rPr>
+              <a:t> </a:t>
+            </a:r>
+            <a:r>
+              <a:rPr lang="en-US" sz="1600" b="1" dirty="0" err="1">
                 <a:solidFill>
                   <a:srgbClr val="196847"/>
                 </a:solidFill>
-              </a:rPr>
-              <a:t>hàng</a:t>
-            </a:r>
-            <a:r>
-              <a:rPr lang="en-US" sz="1400" b="1" dirty="0" smtClean="0">
+                <a:latin typeface="Cambria" panose="02040503050406030204" pitchFamily="18" charset="0"/>
+                <a:ea typeface="Cambria" panose="02040503050406030204" pitchFamily="18" charset="0"/>
+              </a:rPr>
+              <a:t>lượng</a:t>
+            </a:r>
+            <a:r>
+              <a:rPr lang="en-US" sz="1600" b="1" dirty="0">
                 <a:solidFill>
                   <a:srgbClr val="196847"/>
                 </a:solidFill>
-              </a:rPr>
-              <a:t> Active </a:t>
-            </a:r>
-            <a:r>
-              <a:rPr lang="en-US" sz="1400" dirty="0" smtClean="0">
+                <a:latin typeface="Cambria" panose="02040503050406030204" pitchFamily="18" charset="0"/>
+                <a:ea typeface="Cambria" panose="02040503050406030204" pitchFamily="18" charset="0"/>
+              </a:rPr>
+              <a:t> </a:t>
+            </a:r>
+            <a:r>
+              <a:rPr lang="en-US" sz="1600" b="1" dirty="0" err="1">
+                <a:solidFill>
+                  <a:srgbClr val="196847"/>
+                </a:solidFill>
+                <a:latin typeface="Cambria" panose="02040503050406030204" pitchFamily="18" charset="0"/>
+                <a:ea typeface="Cambria" panose="02040503050406030204" pitchFamily="18" charset="0"/>
+              </a:rPr>
+              <a:t>giao</a:t>
+            </a:r>
+            <a:r>
+              <a:rPr lang="en-US" sz="1600" b="1" dirty="0">
+                <a:solidFill>
+                  <a:srgbClr val="196847"/>
+                </a:solidFill>
+                <a:latin typeface="Cambria" panose="02040503050406030204" pitchFamily="18" charset="0"/>
+                <a:ea typeface="Cambria" panose="02040503050406030204" pitchFamily="18" charset="0"/>
+              </a:rPr>
+              <a:t> </a:t>
+            </a:r>
+            <a:r>
+              <a:rPr lang="en-US" sz="1600" b="1" dirty="0" err="1">
+                <a:solidFill>
+                  <a:srgbClr val="196847"/>
+                </a:solidFill>
+                <a:latin typeface="Cambria" panose="02040503050406030204" pitchFamily="18" charset="0"/>
+                <a:ea typeface="Cambria" panose="02040503050406030204" pitchFamily="18" charset="0"/>
+              </a:rPr>
+              <a:t>dịch</a:t>
+            </a:r>
+            <a:r>
+              <a:rPr lang="en-US" sz="1600" b="1" dirty="0">
+                <a:solidFill>
+                  <a:srgbClr val="196847"/>
+                </a:solidFill>
+                <a:latin typeface="Cambria" panose="02040503050406030204" pitchFamily="18" charset="0"/>
+                <a:ea typeface="Cambria" panose="02040503050406030204" pitchFamily="18" charset="0"/>
+              </a:rPr>
+              <a:t> </a:t>
+            </a:r>
+            <a:r>
+              <a:rPr lang="en-US" sz="1600" dirty="0" err="1">
                 <a:solidFill>
                   <a:schemeClr val="tx1">
                     <a:lumMod val="75000"/>
                     <a:lumOff val="25000"/>
                   </a:schemeClr>
                 </a:solidFill>
-              </a:rPr>
-              <a:t>là </a:t>
-            </a:r>
-            <a:r>
-              <a:rPr lang="en-US" sz="1400" dirty="0" err="1">
+                <a:latin typeface="Cambria" panose="02040503050406030204" pitchFamily="18" charset="0"/>
+                <a:ea typeface="Cambria" panose="02040503050406030204" pitchFamily="18" charset="0"/>
+              </a:rPr>
+              <a:t>tăng</a:t>
+            </a:r>
+            <a:r>
+              <a:rPr lang="en-US" sz="1600" dirty="0">
                 <a:solidFill>
                   <a:schemeClr val="tx1">
                     <a:lumMod val="75000"/>
                     <a:lumOff val="25000"/>
                   </a:schemeClr>
                 </a:solidFill>
-              </a:rPr>
-              <a:t>khách</a:t>
-            </a:r>
-            <a:r>
-              <a:rPr lang="en-US" sz="1400" dirty="0">
+                <a:latin typeface="Cambria" panose="02040503050406030204" pitchFamily="18" charset="0"/>
+                <a:ea typeface="Cambria" panose="02040503050406030204" pitchFamily="18" charset="0"/>
+              </a:rPr>
+              <a:t> </a:t>
+            </a:r>
+            <a:r>
+              <a:rPr lang="en-US" sz="1600" dirty="0" err="1">
                 <a:solidFill>
                   <a:schemeClr val="tx1">
                     <a:lumMod val="75000"/>
                     <a:lumOff val="25000"/>
                   </a:schemeClr>
                 </a:solidFill>
-              </a:rPr>
-              <a:t> </a:t>
-            </a:r>
-            <a:r>
-              <a:rPr lang="en-US" sz="1400" dirty="0" err="1">
+                <a:latin typeface="Cambria" panose="02040503050406030204" pitchFamily="18" charset="0"/>
+                <a:ea typeface="Cambria" panose="02040503050406030204" pitchFamily="18" charset="0"/>
+              </a:rPr>
+              <a:t>mạnh</a:t>
+            </a:r>
+            <a:r>
+              <a:rPr lang="en-US" sz="1600" dirty="0">
                 <a:solidFill>
                   <a:schemeClr val="tx1">
                     <a:lumMod val="75000"/>
                     <a:lumOff val="25000"/>
                   </a:schemeClr>
                 </a:solidFill>
-              </a:rPr>
-              <a:t>hàng</a:t>
-            </a:r>
-            <a:r>
-              <a:rPr lang="en-US" sz="1400" dirty="0">
+                <a:latin typeface="Cambria" panose="02040503050406030204" pitchFamily="18" charset="0"/>
+                <a:ea typeface="Cambria" panose="02040503050406030204" pitchFamily="18" charset="0"/>
+              </a:rPr>
+              <a:t> </a:t>
+            </a:r>
+            <a:r>
+              <a:rPr lang="en-US" sz="1600" dirty="0" err="1">
                 <a:solidFill>
                   <a:schemeClr val="tx1">
                     <a:lumMod val="75000"/>
                     <a:lumOff val="25000"/>
                   </a:schemeClr>
                 </a:solidFill>
-              </a:rPr>
-              <a:t> </a:t>
-            </a:r>
-            <a:r>
-              <a:rPr lang="en-US" sz="1400" b="1" dirty="0">
-                <a:solidFill>
-                  <a:srgbClr val="196847"/>
-                </a:solidFill>
-              </a:rPr>
-              <a:t>có tài </a:t>
-            </a:r>
-            <a:r>
-              <a:rPr lang="en-US" sz="1400" b="1" dirty="0" err="1">
-                <a:solidFill>
-                  <a:srgbClr val="196847"/>
-                </a:solidFill>
-              </a:rPr>
-              <a:t>khoản</a:t>
-            </a:r>
-            <a:r>
-              <a:rPr lang="en-US" sz="1400" b="1" dirty="0">
-                <a:solidFill>
-                  <a:srgbClr val="196847"/>
-                </a:solidFill>
-              </a:rPr>
-              <a:t> VPB </a:t>
-            </a:r>
-            <a:r>
-              <a:rPr lang="en-US" sz="1400" b="1" dirty="0" smtClean="0">
-                <a:solidFill>
-                  <a:srgbClr val="196847"/>
-                </a:solidFill>
-              </a:rPr>
-              <a:t>active</a:t>
-            </a:r>
-            <a:r>
-              <a:rPr lang="en-US" sz="1400" dirty="0" smtClean="0">
+                <a:latin typeface="Cambria" panose="02040503050406030204" pitchFamily="18" charset="0"/>
+                <a:ea typeface="Cambria" panose="02040503050406030204" pitchFamily="18" charset="0"/>
+              </a:rPr>
+              <a:t>vào</a:t>
+            </a:r>
+            <a:r>
+              <a:rPr lang="en-US" sz="1600" dirty="0">
                 <a:solidFill>
                   <a:schemeClr val="tx1">
                     <a:lumMod val="75000"/>
                     <a:lumOff val="25000"/>
                   </a:schemeClr>
                 </a:solidFill>
-              </a:rPr>
-              <a:t>, </a:t>
-            </a:r>
-            <a:r>
-              <a:rPr lang="en-US" sz="1400" dirty="0">
+                <a:latin typeface="Cambria" panose="02040503050406030204" pitchFamily="18" charset="0"/>
+                <a:ea typeface="Cambria" panose="02040503050406030204" pitchFamily="18" charset="0"/>
+              </a:rPr>
+              <a:t> </a:t>
+            </a:r>
+            <a:r>
+              <a:rPr lang="en-US" sz="1600" dirty="0" err="1">
                 <a:solidFill>
                   <a:schemeClr val="tx1">
                     <a:lumMod val="75000"/>
                     <a:lumOff val="25000"/>
                   </a:schemeClr>
                 </a:solidFill>
-              </a:rPr>
-              <a:t>có </a:t>
-            </a:r>
-            <a:r>
-              <a:rPr lang="en-US" sz="1400" dirty="0" err="1">
+                <a:latin typeface="Cambria" panose="02040503050406030204" pitchFamily="18" charset="0"/>
+                <a:ea typeface="Cambria" panose="02040503050406030204" pitchFamily="18" charset="0"/>
+              </a:rPr>
+              <a:t>tháng</a:t>
+            </a:r>
+            <a:r>
+              <a:rPr lang="en-US" sz="1600" dirty="0">
                 <a:solidFill>
                   <a:schemeClr val="tx1">
                     <a:lumMod val="75000"/>
                     <a:lumOff val="25000"/>
                   </a:schemeClr>
                 </a:solidFill>
-              </a:rPr>
-              <a:t>phát</a:t>
-            </a:r>
-            <a:r>
-              <a:rPr lang="en-US" sz="1400" dirty="0">
-                <a:solidFill>
-                  <a:schemeClr val="tx1">
-                    <a:lumMod val="75000"/>
-                    <a:lumOff val="25000"/>
-                  </a:schemeClr>
-                </a:solidFill>
-              </a:rPr>
-              <a:t> </a:t>
-            </a:r>
-            <a:r>
-              <a:rPr lang="en-US" sz="1400" dirty="0" err="1">
-                <a:solidFill>
-                  <a:schemeClr val="tx1">
-                    <a:lumMod val="75000"/>
-                    <a:lumOff val="25000"/>
-                  </a:schemeClr>
-                </a:solidFill>
-              </a:rPr>
-              <a:t>sinh</a:t>
-            </a:r>
-            <a:r>
-              <a:rPr lang="en-US" sz="1400" dirty="0">
-                <a:solidFill>
-                  <a:schemeClr val="tx1">
-                    <a:lumMod val="75000"/>
-                    <a:lumOff val="25000"/>
-                  </a:schemeClr>
-                </a:solidFill>
-              </a:rPr>
-              <a:t> </a:t>
-            </a:r>
-            <a:r>
-              <a:rPr lang="en-US" sz="1400" b="1" dirty="0">
-                <a:solidFill>
-                  <a:srgbClr val="196847"/>
-                </a:solidFill>
-              </a:rPr>
-              <a:t>giao </a:t>
-            </a:r>
-            <a:r>
-              <a:rPr lang="en-US" sz="1400" b="1" dirty="0" err="1">
-                <a:solidFill>
-                  <a:srgbClr val="196847"/>
-                </a:solidFill>
-              </a:rPr>
-              <a:t>dịch</a:t>
-            </a:r>
-            <a:r>
-              <a:rPr lang="en-US" sz="1400" b="1" dirty="0">
-                <a:solidFill>
-                  <a:srgbClr val="196847"/>
-                </a:solidFill>
-              </a:rPr>
-              <a:t> online </a:t>
-            </a:r>
-            <a:r>
-              <a:rPr lang="en-US" sz="1400" dirty="0" err="1" smtClean="0">
-                <a:solidFill>
-                  <a:schemeClr val="tx1">
-                    <a:lumMod val="75000"/>
-                    <a:lumOff val="25000"/>
-                  </a:schemeClr>
-                </a:solidFill>
-              </a:rPr>
-              <a:t>hoặc</a:t>
-            </a:r>
-            <a:r>
-              <a:rPr lang="en-US" sz="1400" dirty="0" smtClean="0">
-                <a:solidFill>
-                  <a:schemeClr val="tx1">
-                    <a:lumMod val="75000"/>
-                    <a:lumOff val="25000"/>
-                  </a:schemeClr>
-                </a:solidFill>
-              </a:rPr>
-              <a:t> </a:t>
-            </a:r>
-            <a:r>
-              <a:rPr lang="en-US" sz="1400" b="1" dirty="0">
-                <a:solidFill>
-                  <a:srgbClr val="196847"/>
-                </a:solidFill>
-              </a:rPr>
-              <a:t>giao </a:t>
-            </a:r>
-            <a:r>
-              <a:rPr lang="en-US" sz="1400" b="1" dirty="0" err="1">
-                <a:solidFill>
-                  <a:srgbClr val="196847"/>
-                </a:solidFill>
-              </a:rPr>
-              <a:t>dịch</a:t>
-            </a:r>
-            <a:r>
-              <a:rPr lang="en-US" sz="1400" b="1" dirty="0">
-                <a:solidFill>
-                  <a:srgbClr val="196847"/>
-                </a:solidFill>
-              </a:rPr>
-              <a:t> </a:t>
-            </a:r>
-            <a:r>
-              <a:rPr lang="en-US" sz="1400" b="1" dirty="0" err="1">
-                <a:solidFill>
-                  <a:srgbClr val="196847"/>
-                </a:solidFill>
-              </a:rPr>
-              <a:t>tại</a:t>
-            </a:r>
-            <a:r>
-              <a:rPr lang="en-US" sz="1400" b="1" dirty="0">
-                <a:solidFill>
-                  <a:srgbClr val="196847"/>
-                </a:solidFill>
-              </a:rPr>
-              <a:t> </a:t>
-            </a:r>
-            <a:r>
-              <a:rPr lang="en-US" sz="1400" b="1" dirty="0" err="1">
-                <a:solidFill>
-                  <a:srgbClr val="196847"/>
-                </a:solidFill>
-              </a:rPr>
-              <a:t>quầy</a:t>
-            </a:r>
-            <a:r>
-              <a:rPr lang="en-US" sz="1400" b="1" dirty="0">
-                <a:solidFill>
-                  <a:srgbClr val="196847"/>
-                </a:solidFill>
-              </a:rPr>
-              <a:t> </a:t>
-            </a:r>
+                <a:latin typeface="Cambria" panose="02040503050406030204" pitchFamily="18" charset="0"/>
+                <a:ea typeface="Cambria" panose="02040503050406030204" pitchFamily="18" charset="0"/>
+              </a:rPr>
+              <a:t> 5/2023</a:t>
+            </a:r>
+            <a:endParaRPr lang="en-US" sz="1600" b="1" dirty="0">
+              <a:solidFill>
+                <a:srgbClr val="196847"/>
+              </a:solidFill>
+              <a:latin typeface="Cambria" panose="02040503050406030204" pitchFamily="18" charset="0"/>
+              <a:ea typeface="Cambria" panose="02040503050406030204" pitchFamily="18" charset="0"/>
+            </a:endParaRPr>
           </a:p>
         </p:txBody>
       </p:sp>
@@ -8942,7 +10509,7 @@
           <p:nvPr>
             <p:extLst>
               <p:ext uri="{D42A27DB-BD31-4B8C-83A1-F6EECF244321}">
-                <p14:modId xmlns:p14="http://schemas.microsoft.com/office/powerpoint/2010/main" val="4201253356"/>
+                <p14:modId xmlns:p14="http://schemas.microsoft.com/office/powerpoint/2010/main" val="2064298788"/>
               </p:ext>
             </p:extLst>
           </p:nvPr>
@@ -8957,30 +10524,6 @@
           </a:graphicData>
         </a:graphic>
       </p:graphicFrame>
-      <p:graphicFrame>
-        <p:nvGraphicFramePr>
-          <p:cNvPr id="12" name="Chart 11"/>
-          <p:cNvGraphicFramePr>
-            <a:graphicFrameLocks/>
-          </p:cNvGraphicFramePr>
-          <p:nvPr>
-            <p:extLst>
-              <p:ext uri="{D42A27DB-BD31-4B8C-83A1-F6EECF244321}">
-                <p14:modId xmlns:p14="http://schemas.microsoft.com/office/powerpoint/2010/main" val="4281561852"/>
-              </p:ext>
-            </p:extLst>
-          </p:nvPr>
-        </p:nvGraphicFramePr>
-        <p:xfrm>
-          <a:off x="6164415" y="2254313"/>
-          <a:ext cx="5459241" cy="4100887"/>
-        </p:xfrm>
-        <a:graphic>
-          <a:graphicData uri="http://schemas.openxmlformats.org/drawingml/2006/chart">
-            <c:chart xmlns:c="http://schemas.openxmlformats.org/drawingml/2006/chart" xmlns:r="http://schemas.openxmlformats.org/officeDocument/2006/relationships" r:id="rId4"/>
-          </a:graphicData>
-        </a:graphic>
-      </p:graphicFrame>
       <p:sp>
         <p:nvSpPr>
           <p:cNvPr id="13" name="TextBox 12"/>
@@ -8989,8 +10532,8 @@
         </p:nvSpPr>
         <p:spPr>
           <a:xfrm>
-            <a:off x="360710" y="5500708"/>
-            <a:ext cx="5091469" cy="1015663"/>
+            <a:off x="607643" y="5129935"/>
+            <a:ext cx="4953630" cy="1105431"/>
           </a:xfrm>
           <a:prstGeom prst="rect">
             <a:avLst/>
@@ -9009,184 +10552,519 @@
               </a:lnSpc>
             </a:pPr>
             <a:r>
-              <a:rPr lang="vi-VN" sz="1200" dirty="0">
+              <a:rPr lang="en-US" dirty="0" err="1">
                 <a:solidFill>
                   <a:schemeClr val="tx1">
                     <a:lumMod val="75000"/>
                     <a:lumOff val="25000"/>
                   </a:schemeClr>
                 </a:solidFill>
-              </a:rPr>
-              <a:t>Số lượng KH active năm 2023 </a:t>
-            </a:r>
-            <a:r>
-              <a:rPr lang="vi-VN" sz="1200" b="1" dirty="0">
-                <a:solidFill>
-                  <a:srgbClr val="196847"/>
-                </a:solidFill>
-              </a:rPr>
-              <a:t>có xu hướng tăng lên </a:t>
-            </a:r>
-            <a:r>
-              <a:rPr lang="vi-VN" sz="1200" dirty="0">
+                <a:latin typeface="Cambria" panose="02040503050406030204" pitchFamily="18" charset="0"/>
+                <a:ea typeface="Cambria" panose="02040503050406030204" pitchFamily="18" charset="0"/>
+              </a:rPr>
+              <a:t>Số</a:t>
+            </a:r>
+            <a:r>
+              <a:rPr lang="en-US" dirty="0">
                 <a:solidFill>
                   <a:schemeClr val="tx1">
                     <a:lumMod val="75000"/>
                     <a:lumOff val="25000"/>
                   </a:schemeClr>
                 </a:solidFill>
-              </a:rPr>
-              <a:t>và tăng mạnh ở tháng </a:t>
-            </a:r>
-            <a:r>
-              <a:rPr lang="vi-VN" sz="1200" dirty="0" smtClean="0">
+                <a:latin typeface="Cambria" panose="02040503050406030204" pitchFamily="18" charset="0"/>
+                <a:ea typeface="Cambria" panose="02040503050406030204" pitchFamily="18" charset="0"/>
+              </a:rPr>
+              <a:t> </a:t>
+            </a:r>
+            <a:r>
+              <a:rPr lang="en-US" dirty="0" err="1">
                 <a:solidFill>
                   <a:schemeClr val="tx1">
                     <a:lumMod val="75000"/>
                     <a:lumOff val="25000"/>
                   </a:schemeClr>
                 </a:solidFill>
-              </a:rPr>
-              <a:t>12</a:t>
-            </a:r>
-            <a:r>
-              <a:rPr lang="en-US" sz="1200" dirty="0" smtClean="0">
+                <a:latin typeface="Cambria" panose="02040503050406030204" pitchFamily="18" charset="0"/>
+                <a:ea typeface="Cambria" panose="02040503050406030204" pitchFamily="18" charset="0"/>
+              </a:rPr>
+              <a:t>lượng</a:t>
+            </a:r>
+            <a:r>
+              <a:rPr lang="en-US" dirty="0">
                 <a:solidFill>
                   <a:schemeClr val="tx1">
                     <a:lumMod val="75000"/>
                     <a:lumOff val="25000"/>
                   </a:schemeClr>
                 </a:solidFill>
-              </a:rPr>
-              <a:t>. </a:t>
-            </a:r>
-          </a:p>
-          <a:p>
-            <a:pPr>
-              <a:lnSpc>
-                <a:spcPct val="125000"/>
-              </a:lnSpc>
-            </a:pPr>
-            <a:r>
-              <a:rPr lang="en-US" sz="1200" dirty="0" smtClean="0">
+                <a:latin typeface="Cambria" panose="02040503050406030204" pitchFamily="18" charset="0"/>
+                <a:ea typeface="Cambria" panose="02040503050406030204" pitchFamily="18" charset="0"/>
+              </a:rPr>
+              <a:t> </a:t>
+            </a:r>
+            <a:r>
+              <a:rPr lang="en-US" dirty="0" err="1">
                 <a:solidFill>
                   <a:schemeClr val="tx1">
                     <a:lumMod val="75000"/>
                     <a:lumOff val="25000"/>
                   </a:schemeClr>
                 </a:solidFill>
-              </a:rPr>
-              <a:t>Ở tháng 12/2023, số </a:t>
-            </a:r>
-            <a:r>
-              <a:rPr lang="en-US" sz="1200" dirty="0" err="1" smtClean="0">
+                <a:latin typeface="Cambria" panose="02040503050406030204" pitchFamily="18" charset="0"/>
+                <a:ea typeface="Cambria" panose="02040503050406030204" pitchFamily="18" charset="0"/>
+              </a:rPr>
+              <a:t>giao</a:t>
+            </a:r>
+            <a:r>
+              <a:rPr lang="en-US" dirty="0">
                 <a:solidFill>
                   <a:schemeClr val="tx1">
                     <a:lumMod val="75000"/>
                     <a:lumOff val="25000"/>
                   </a:schemeClr>
                 </a:solidFill>
-              </a:rPr>
-              <a:t>lượng</a:t>
-            </a:r>
-            <a:r>
-              <a:rPr lang="en-US" sz="1200" dirty="0" smtClean="0">
+                <a:latin typeface="Cambria" panose="02040503050406030204" pitchFamily="18" charset="0"/>
+                <a:ea typeface="Cambria" panose="02040503050406030204" pitchFamily="18" charset="0"/>
+              </a:rPr>
+              <a:t> </a:t>
+            </a:r>
+            <a:r>
+              <a:rPr lang="en-US" dirty="0" err="1">
                 <a:solidFill>
                   <a:schemeClr val="tx1">
                     <a:lumMod val="75000"/>
                     <a:lumOff val="25000"/>
                   </a:schemeClr>
                 </a:solidFill>
-              </a:rPr>
-              <a:t> KH active </a:t>
-            </a:r>
-            <a:r>
-              <a:rPr lang="en-US" sz="1200" b="1" dirty="0" err="1" smtClean="0">
-                <a:solidFill>
-                  <a:srgbClr val="196847"/>
-                </a:solidFill>
-              </a:rPr>
-              <a:t>tăng</a:t>
-            </a:r>
-            <a:r>
-              <a:rPr lang="en-US" sz="1200" b="1" dirty="0" smtClean="0">
-                <a:solidFill>
-                  <a:srgbClr val="196847"/>
-                </a:solidFill>
-              </a:rPr>
-              <a:t> </a:t>
-            </a:r>
-            <a:r>
-              <a:rPr lang="en-US" sz="1200" b="1" dirty="0">
-                <a:solidFill>
-                  <a:srgbClr val="196847"/>
-                </a:solidFill>
-              </a:rPr>
-              <a:t>1,809,145 </a:t>
-            </a:r>
-            <a:r>
-              <a:rPr lang="en-US" sz="1200" b="1" dirty="0" smtClean="0">
-                <a:solidFill>
-                  <a:srgbClr val="196847"/>
-                </a:solidFill>
-              </a:rPr>
-              <a:t>KH </a:t>
-            </a:r>
-            <a:r>
-              <a:rPr lang="en-US" sz="1200" dirty="0" smtClean="0">
+                <a:latin typeface="Cambria" panose="02040503050406030204" pitchFamily="18" charset="0"/>
+                <a:ea typeface="Cambria" panose="02040503050406030204" pitchFamily="18" charset="0"/>
+              </a:rPr>
+              <a:t>dịch</a:t>
+            </a:r>
+            <a:r>
+              <a:rPr lang="en-US" dirty="0">
                 <a:solidFill>
                   <a:schemeClr val="tx1">
                     <a:lumMod val="75000"/>
                     <a:lumOff val="25000"/>
                   </a:schemeClr>
                 </a:solidFill>
-              </a:rPr>
-              <a:t>so với đầu năm 2023.</a:t>
-            </a:r>
-            <a:endParaRPr lang="en-US" sz="1200" dirty="0">
-              <a:solidFill>
-                <a:schemeClr val="tx1">
-                  <a:lumMod val="75000"/>
-                  <a:lumOff val="25000"/>
-                </a:schemeClr>
-              </a:solidFill>
-            </a:endParaRPr>
-          </a:p>
-          <a:p>
-            <a:pPr>
-              <a:lnSpc>
-                <a:spcPct val="125000"/>
-              </a:lnSpc>
-            </a:pPr>
-            <a:r>
-              <a:rPr lang="en-US" sz="1200" dirty="0" smtClean="0">
+                <a:latin typeface="Cambria" panose="02040503050406030204" pitchFamily="18" charset="0"/>
+                <a:ea typeface="Cambria" panose="02040503050406030204" pitchFamily="18" charset="0"/>
+              </a:rPr>
+              <a:t> </a:t>
+            </a:r>
+            <a:r>
+              <a:rPr lang="en-US" dirty="0" err="1">
                 <a:solidFill>
                   <a:schemeClr val="tx1">
                     <a:lumMod val="75000"/>
                     <a:lumOff val="25000"/>
                   </a:schemeClr>
                 </a:solidFill>
-              </a:rPr>
-              <a:t> </a:t>
-            </a:r>
-            <a:endParaRPr lang="en-US" sz="1200" b="1" dirty="0" smtClean="0">
+                <a:latin typeface="Cambria" panose="02040503050406030204" pitchFamily="18" charset="0"/>
+                <a:ea typeface="Cambria" panose="02040503050406030204" pitchFamily="18" charset="0"/>
+              </a:rPr>
+              <a:t>đạt</a:t>
+            </a:r>
+            <a:r>
+              <a:rPr lang="en-US" dirty="0">
+                <a:solidFill>
+                  <a:schemeClr val="tx1">
+                    <a:lumMod val="75000"/>
+                    <a:lumOff val="25000"/>
+                  </a:schemeClr>
+                </a:solidFill>
+                <a:latin typeface="Cambria" panose="02040503050406030204" pitchFamily="18" charset="0"/>
+                <a:ea typeface="Cambria" panose="02040503050406030204" pitchFamily="18" charset="0"/>
+              </a:rPr>
+              <a:t> </a:t>
+            </a:r>
+            <a:r>
+              <a:rPr lang="en-US" dirty="0" err="1">
+                <a:solidFill>
+                  <a:schemeClr val="tx1">
+                    <a:lumMod val="75000"/>
+                    <a:lumOff val="25000"/>
+                  </a:schemeClr>
+                </a:solidFill>
+                <a:latin typeface="Cambria" panose="02040503050406030204" pitchFamily="18" charset="0"/>
+                <a:ea typeface="Cambria" panose="02040503050406030204" pitchFamily="18" charset="0"/>
+              </a:rPr>
+              <a:t>đỉnh</a:t>
+            </a:r>
+            <a:r>
+              <a:rPr lang="en-US" dirty="0">
+                <a:solidFill>
+                  <a:schemeClr val="tx1">
+                    <a:lumMod val="75000"/>
+                    <a:lumOff val="25000"/>
+                  </a:schemeClr>
+                </a:solidFill>
+                <a:latin typeface="Cambria" panose="02040503050406030204" pitchFamily="18" charset="0"/>
+                <a:ea typeface="Cambria" panose="02040503050406030204" pitchFamily="18" charset="0"/>
+              </a:rPr>
+              <a:t> </a:t>
+            </a:r>
+            <a:r>
+              <a:rPr lang="en-US" dirty="0" err="1">
+                <a:solidFill>
+                  <a:schemeClr val="tx1">
+                    <a:lumMod val="75000"/>
+                    <a:lumOff val="25000"/>
+                  </a:schemeClr>
+                </a:solidFill>
+                <a:latin typeface="Cambria" panose="02040503050406030204" pitchFamily="18" charset="0"/>
+                <a:ea typeface="Cambria" panose="02040503050406030204" pitchFamily="18" charset="0"/>
+              </a:rPr>
+              <a:t>vào</a:t>
+            </a:r>
+            <a:r>
+              <a:rPr lang="en-US" dirty="0">
+                <a:solidFill>
+                  <a:schemeClr val="tx1">
+                    <a:lumMod val="75000"/>
+                    <a:lumOff val="25000"/>
+                  </a:schemeClr>
+                </a:solidFill>
+                <a:latin typeface="Cambria" panose="02040503050406030204" pitchFamily="18" charset="0"/>
+                <a:ea typeface="Cambria" panose="02040503050406030204" pitchFamily="18" charset="0"/>
+              </a:rPr>
+              <a:t> </a:t>
+            </a:r>
+            <a:r>
+              <a:rPr lang="en-US" dirty="0" err="1">
+                <a:solidFill>
+                  <a:schemeClr val="tx1">
+                    <a:lumMod val="75000"/>
+                    <a:lumOff val="25000"/>
+                  </a:schemeClr>
+                </a:solidFill>
+                <a:latin typeface="Cambria" panose="02040503050406030204" pitchFamily="18" charset="0"/>
+                <a:ea typeface="Cambria" panose="02040503050406030204" pitchFamily="18" charset="0"/>
+              </a:rPr>
+              <a:t>tháng</a:t>
+            </a:r>
+            <a:r>
+              <a:rPr lang="en-US" dirty="0">
+                <a:solidFill>
+                  <a:schemeClr val="tx1">
+                    <a:lumMod val="75000"/>
+                    <a:lumOff val="25000"/>
+                  </a:schemeClr>
+                </a:solidFill>
+                <a:latin typeface="Cambria" panose="02040503050406030204" pitchFamily="18" charset="0"/>
+                <a:ea typeface="Cambria" panose="02040503050406030204" pitchFamily="18" charset="0"/>
+              </a:rPr>
+              <a:t> 5/2023 (825 </a:t>
+            </a:r>
+            <a:r>
+              <a:rPr lang="en-US" dirty="0" err="1">
+                <a:solidFill>
+                  <a:schemeClr val="tx1">
+                    <a:lumMod val="75000"/>
+                    <a:lumOff val="25000"/>
+                  </a:schemeClr>
+                </a:solidFill>
+                <a:latin typeface="Cambria" panose="02040503050406030204" pitchFamily="18" charset="0"/>
+                <a:ea typeface="Cambria" panose="02040503050406030204" pitchFamily="18" charset="0"/>
+              </a:rPr>
+              <a:t>giao</a:t>
+            </a:r>
+            <a:r>
+              <a:rPr lang="en-US" dirty="0">
+                <a:solidFill>
+                  <a:schemeClr val="tx1">
+                    <a:lumMod val="75000"/>
+                    <a:lumOff val="25000"/>
+                  </a:schemeClr>
+                </a:solidFill>
+                <a:latin typeface="Cambria" panose="02040503050406030204" pitchFamily="18" charset="0"/>
+                <a:ea typeface="Cambria" panose="02040503050406030204" pitchFamily="18" charset="0"/>
+              </a:rPr>
+              <a:t> </a:t>
+            </a:r>
+            <a:r>
+              <a:rPr lang="en-US" dirty="0" err="1">
+                <a:solidFill>
+                  <a:schemeClr val="tx1">
+                    <a:lumMod val="75000"/>
+                    <a:lumOff val="25000"/>
+                  </a:schemeClr>
+                </a:solidFill>
+                <a:latin typeface="Cambria" panose="02040503050406030204" pitchFamily="18" charset="0"/>
+                <a:ea typeface="Cambria" panose="02040503050406030204" pitchFamily="18" charset="0"/>
+              </a:rPr>
+              <a:t>dịch</a:t>
+            </a:r>
+            <a:r>
+              <a:rPr lang="en-US" dirty="0">
+                <a:solidFill>
+                  <a:schemeClr val="tx1">
+                    <a:lumMod val="75000"/>
+                    <a:lumOff val="25000"/>
+                  </a:schemeClr>
+                </a:solidFill>
+                <a:latin typeface="Cambria" panose="02040503050406030204" pitchFamily="18" charset="0"/>
+                <a:ea typeface="Cambria" panose="02040503050406030204" pitchFamily="18" charset="0"/>
+              </a:rPr>
+              <a:t>). Sau </a:t>
+            </a:r>
+            <a:r>
+              <a:rPr lang="en-US" dirty="0" err="1">
+                <a:solidFill>
+                  <a:schemeClr val="tx1">
+                    <a:lumMod val="75000"/>
+                    <a:lumOff val="25000"/>
+                  </a:schemeClr>
+                </a:solidFill>
+                <a:latin typeface="Cambria" panose="02040503050406030204" pitchFamily="18" charset="0"/>
+                <a:ea typeface="Cambria" panose="02040503050406030204" pitchFamily="18" charset="0"/>
+              </a:rPr>
+              <a:t>đó</a:t>
+            </a:r>
+            <a:r>
+              <a:rPr lang="en-US" dirty="0">
+                <a:solidFill>
+                  <a:schemeClr val="tx1">
+                    <a:lumMod val="75000"/>
+                    <a:lumOff val="25000"/>
+                  </a:schemeClr>
+                </a:solidFill>
+                <a:latin typeface="Cambria" panose="02040503050406030204" pitchFamily="18" charset="0"/>
+                <a:ea typeface="Cambria" panose="02040503050406030204" pitchFamily="18" charset="0"/>
+              </a:rPr>
+              <a:t> </a:t>
+            </a:r>
+            <a:r>
+              <a:rPr lang="en-US" dirty="0" err="1">
+                <a:solidFill>
+                  <a:schemeClr val="tx1">
+                    <a:lumMod val="75000"/>
+                    <a:lumOff val="25000"/>
+                  </a:schemeClr>
+                </a:solidFill>
+                <a:latin typeface="Cambria" panose="02040503050406030204" pitchFamily="18" charset="0"/>
+                <a:ea typeface="Cambria" panose="02040503050406030204" pitchFamily="18" charset="0"/>
+              </a:rPr>
+              <a:t>giảm</a:t>
+            </a:r>
+            <a:r>
+              <a:rPr lang="en-US" dirty="0">
+                <a:solidFill>
+                  <a:schemeClr val="tx1">
+                    <a:lumMod val="75000"/>
+                    <a:lumOff val="25000"/>
+                  </a:schemeClr>
+                </a:solidFill>
+                <a:latin typeface="Cambria" panose="02040503050406030204" pitchFamily="18" charset="0"/>
+                <a:ea typeface="Cambria" panose="02040503050406030204" pitchFamily="18" charset="0"/>
+              </a:rPr>
+              <a:t> </a:t>
+            </a:r>
+            <a:r>
+              <a:rPr lang="en-US" dirty="0" err="1">
+                <a:solidFill>
+                  <a:schemeClr val="tx1">
+                    <a:lumMod val="75000"/>
+                    <a:lumOff val="25000"/>
+                  </a:schemeClr>
+                </a:solidFill>
+                <a:latin typeface="Cambria" panose="02040503050406030204" pitchFamily="18" charset="0"/>
+                <a:ea typeface="Cambria" panose="02040503050406030204" pitchFamily="18" charset="0"/>
+              </a:rPr>
+              <a:t>dần</a:t>
+            </a:r>
+            <a:r>
+              <a:rPr lang="en-US" dirty="0">
+                <a:solidFill>
+                  <a:schemeClr val="tx1">
+                    <a:lumMod val="75000"/>
+                    <a:lumOff val="25000"/>
+                  </a:schemeClr>
+                </a:solidFill>
+                <a:latin typeface="Cambria" panose="02040503050406030204" pitchFamily="18" charset="0"/>
+                <a:ea typeface="Cambria" panose="02040503050406030204" pitchFamily="18" charset="0"/>
+              </a:rPr>
+              <a:t>, </a:t>
+            </a:r>
+            <a:r>
+              <a:rPr lang="en-US" dirty="0" err="1">
+                <a:solidFill>
+                  <a:schemeClr val="tx1">
+                    <a:lumMod val="75000"/>
+                    <a:lumOff val="25000"/>
+                  </a:schemeClr>
+                </a:solidFill>
+                <a:latin typeface="Cambria" panose="02040503050406030204" pitchFamily="18" charset="0"/>
+                <a:ea typeface="Cambria" panose="02040503050406030204" pitchFamily="18" charset="0"/>
+              </a:rPr>
+              <a:t>và</a:t>
+            </a:r>
+            <a:r>
+              <a:rPr lang="en-US" dirty="0">
+                <a:solidFill>
+                  <a:schemeClr val="tx1">
+                    <a:lumMod val="75000"/>
+                    <a:lumOff val="25000"/>
+                  </a:schemeClr>
+                </a:solidFill>
+                <a:latin typeface="Cambria" panose="02040503050406030204" pitchFamily="18" charset="0"/>
+                <a:ea typeface="Cambria" panose="02040503050406030204" pitchFamily="18" charset="0"/>
+              </a:rPr>
+              <a:t> </a:t>
+            </a:r>
+            <a:r>
+              <a:rPr lang="en-US" dirty="0" err="1">
+                <a:solidFill>
+                  <a:schemeClr val="tx1">
+                    <a:lumMod val="75000"/>
+                    <a:lumOff val="25000"/>
+                  </a:schemeClr>
+                </a:solidFill>
+                <a:latin typeface="Cambria" panose="02040503050406030204" pitchFamily="18" charset="0"/>
+                <a:ea typeface="Cambria" panose="02040503050406030204" pitchFamily="18" charset="0"/>
+              </a:rPr>
+              <a:t>lấy</a:t>
+            </a:r>
+            <a:r>
+              <a:rPr lang="en-US" dirty="0">
+                <a:solidFill>
+                  <a:schemeClr val="tx1">
+                    <a:lumMod val="75000"/>
+                    <a:lumOff val="25000"/>
+                  </a:schemeClr>
+                </a:solidFill>
+                <a:latin typeface="Cambria" panose="02040503050406030204" pitchFamily="18" charset="0"/>
+                <a:ea typeface="Cambria" panose="02040503050406030204" pitchFamily="18" charset="0"/>
+              </a:rPr>
+              <a:t> </a:t>
+            </a:r>
+            <a:r>
+              <a:rPr lang="en-US" dirty="0" err="1">
+                <a:solidFill>
+                  <a:schemeClr val="tx1">
+                    <a:lumMod val="75000"/>
+                    <a:lumOff val="25000"/>
+                  </a:schemeClr>
+                </a:solidFill>
+                <a:latin typeface="Cambria" panose="02040503050406030204" pitchFamily="18" charset="0"/>
+                <a:ea typeface="Cambria" panose="02040503050406030204" pitchFamily="18" charset="0"/>
+              </a:rPr>
+              <a:t>lại</a:t>
+            </a:r>
+            <a:r>
+              <a:rPr lang="en-US" dirty="0">
+                <a:solidFill>
+                  <a:schemeClr val="tx1">
+                    <a:lumMod val="75000"/>
+                    <a:lumOff val="25000"/>
+                  </a:schemeClr>
+                </a:solidFill>
+                <a:latin typeface="Cambria" panose="02040503050406030204" pitchFamily="18" charset="0"/>
+                <a:ea typeface="Cambria" panose="02040503050406030204" pitchFamily="18" charset="0"/>
+              </a:rPr>
+              <a:t> </a:t>
+            </a:r>
+            <a:r>
+              <a:rPr lang="en-US" dirty="0" err="1">
+                <a:solidFill>
+                  <a:schemeClr val="tx1">
+                    <a:lumMod val="75000"/>
+                    <a:lumOff val="25000"/>
+                  </a:schemeClr>
+                </a:solidFill>
+                <a:latin typeface="Cambria" panose="02040503050406030204" pitchFamily="18" charset="0"/>
+                <a:ea typeface="Cambria" panose="02040503050406030204" pitchFamily="18" charset="0"/>
+              </a:rPr>
+              <a:t>đà</a:t>
+            </a:r>
+            <a:r>
+              <a:rPr lang="en-US" dirty="0">
+                <a:solidFill>
+                  <a:schemeClr val="tx1">
+                    <a:lumMod val="75000"/>
+                    <a:lumOff val="25000"/>
+                  </a:schemeClr>
+                </a:solidFill>
+                <a:latin typeface="Cambria" panose="02040503050406030204" pitchFamily="18" charset="0"/>
+                <a:ea typeface="Cambria" panose="02040503050406030204" pitchFamily="18" charset="0"/>
+              </a:rPr>
+              <a:t> </a:t>
+            </a:r>
+            <a:r>
+              <a:rPr lang="en-US" dirty="0" err="1">
+                <a:solidFill>
+                  <a:schemeClr val="tx1">
+                    <a:lumMod val="75000"/>
+                    <a:lumOff val="25000"/>
+                  </a:schemeClr>
+                </a:solidFill>
+                <a:latin typeface="Cambria" panose="02040503050406030204" pitchFamily="18" charset="0"/>
+                <a:ea typeface="Cambria" panose="02040503050406030204" pitchFamily="18" charset="0"/>
+              </a:rPr>
+              <a:t>từ</a:t>
+            </a:r>
+            <a:r>
+              <a:rPr lang="en-US" dirty="0">
+                <a:solidFill>
+                  <a:schemeClr val="tx1">
+                    <a:lumMod val="75000"/>
+                    <a:lumOff val="25000"/>
+                  </a:schemeClr>
+                </a:solidFill>
+                <a:latin typeface="Cambria" panose="02040503050406030204" pitchFamily="18" charset="0"/>
+                <a:ea typeface="Cambria" panose="02040503050406030204" pitchFamily="18" charset="0"/>
+              </a:rPr>
+              <a:t> </a:t>
+            </a:r>
+            <a:r>
+              <a:rPr lang="en-US" dirty="0" err="1">
+                <a:solidFill>
+                  <a:schemeClr val="tx1">
+                    <a:lumMod val="75000"/>
+                    <a:lumOff val="25000"/>
+                  </a:schemeClr>
+                </a:solidFill>
+                <a:latin typeface="Cambria" panose="02040503050406030204" pitchFamily="18" charset="0"/>
+                <a:ea typeface="Cambria" panose="02040503050406030204" pitchFamily="18" charset="0"/>
+              </a:rPr>
+              <a:t>tháng</a:t>
+            </a:r>
+            <a:r>
+              <a:rPr lang="en-US" dirty="0">
+                <a:solidFill>
+                  <a:schemeClr val="tx1">
+                    <a:lumMod val="75000"/>
+                    <a:lumOff val="25000"/>
+                  </a:schemeClr>
+                </a:solidFill>
+                <a:latin typeface="Cambria" panose="02040503050406030204" pitchFamily="18" charset="0"/>
+                <a:ea typeface="Cambria" panose="02040503050406030204" pitchFamily="18" charset="0"/>
+              </a:rPr>
+              <a:t> 8/2023.</a:t>
+            </a:r>
+            <a:endParaRPr lang="en-US" b="1" dirty="0">
               <a:solidFill>
                 <a:srgbClr val="196847"/>
               </a:solidFill>
+              <a:latin typeface="Cambria" panose="02040503050406030204" pitchFamily="18" charset="0"/>
+              <a:ea typeface="Cambria" panose="02040503050406030204" pitchFamily="18" charset="0"/>
             </a:endParaRPr>
           </a:p>
         </p:txBody>
       </p:sp>
       <p:sp>
         <p:nvSpPr>
-          <p:cNvPr id="15" name="TextBox 14"/>
+          <p:cNvPr id="16" name="TextBox 15"/>
           <p:cNvSpPr txBox="1"/>
           <p:nvPr/>
         </p:nvSpPr>
         <p:spPr>
           <a:xfrm>
-            <a:off x="6273509" y="5431870"/>
-            <a:ext cx="5793766" cy="923330"/>
+            <a:off x="6439548" y="1189560"/>
+            <a:ext cx="5237430" cy="338554"/>
           </a:xfrm>
           <a:prstGeom prst="rect">
             <a:avLst/>
@@ -9199,716 +11077,196 @@
           </a:bodyPr>
           <a:lstStyle/>
           <a:p>
-            <a:pPr>
-              <a:lnSpc>
-                <a:spcPct val="150000"/>
-              </a:lnSpc>
-            </a:pPr>
-            <a:r>
-              <a:rPr lang="en-US" sz="1200" dirty="0" smtClean="0">
+            <a:r>
+              <a:rPr lang="en-US" sz="1600" b="1" dirty="0" err="1">
+                <a:solidFill>
+                  <a:srgbClr val="ED7D31"/>
+                </a:solidFill>
+                <a:latin typeface="Cambria" panose="02040503050406030204" pitchFamily="18" charset="0"/>
+                <a:ea typeface="Cambria" panose="02040503050406030204" pitchFamily="18" charset="0"/>
+              </a:rPr>
+              <a:t>Giá</a:t>
+            </a:r>
+            <a:r>
+              <a:rPr lang="en-US" sz="1600" b="1" dirty="0">
+                <a:solidFill>
+                  <a:srgbClr val="ED7D31"/>
+                </a:solidFill>
+                <a:latin typeface="Cambria" panose="02040503050406030204" pitchFamily="18" charset="0"/>
+                <a:ea typeface="Cambria" panose="02040503050406030204" pitchFamily="18" charset="0"/>
+              </a:rPr>
+              <a:t> </a:t>
+            </a:r>
+            <a:r>
+              <a:rPr lang="en-US" sz="1600" b="1" dirty="0" err="1">
+                <a:solidFill>
+                  <a:srgbClr val="ED7D31"/>
+                </a:solidFill>
+                <a:latin typeface="Cambria" panose="02040503050406030204" pitchFamily="18" charset="0"/>
+                <a:ea typeface="Cambria" panose="02040503050406030204" pitchFamily="18" charset="0"/>
+              </a:rPr>
+              <a:t>trị</a:t>
+            </a:r>
+            <a:r>
+              <a:rPr lang="en-US" sz="1600" b="1" dirty="0">
+                <a:solidFill>
+                  <a:srgbClr val="ED7D31"/>
+                </a:solidFill>
+                <a:latin typeface="Cambria" panose="02040503050406030204" pitchFamily="18" charset="0"/>
+                <a:ea typeface="Cambria" panose="02040503050406030204" pitchFamily="18" charset="0"/>
+              </a:rPr>
+              <a:t> </a:t>
+            </a:r>
+            <a:r>
+              <a:rPr lang="en-US" sz="1600" b="1" dirty="0" err="1">
+                <a:solidFill>
+                  <a:srgbClr val="ED7D31"/>
+                </a:solidFill>
+                <a:latin typeface="Cambria" panose="02040503050406030204" pitchFamily="18" charset="0"/>
+                <a:ea typeface="Cambria" panose="02040503050406030204" pitchFamily="18" charset="0"/>
+              </a:rPr>
+              <a:t>giao</a:t>
+            </a:r>
+            <a:r>
+              <a:rPr lang="en-US" sz="1600" b="1" dirty="0">
+                <a:solidFill>
+                  <a:srgbClr val="ED7D31"/>
+                </a:solidFill>
+                <a:latin typeface="Cambria" panose="02040503050406030204" pitchFamily="18" charset="0"/>
+                <a:ea typeface="Cambria" panose="02040503050406030204" pitchFamily="18" charset="0"/>
+              </a:rPr>
+              <a:t> </a:t>
+            </a:r>
+            <a:r>
+              <a:rPr lang="en-US" sz="1600" b="1" dirty="0" err="1">
+                <a:solidFill>
+                  <a:srgbClr val="ED7D31"/>
+                </a:solidFill>
+                <a:latin typeface="Cambria" panose="02040503050406030204" pitchFamily="18" charset="0"/>
+                <a:ea typeface="Cambria" panose="02040503050406030204" pitchFamily="18" charset="0"/>
+              </a:rPr>
+              <a:t>dịch</a:t>
+            </a:r>
+            <a:r>
+              <a:rPr lang="en-US" sz="1600" b="1" dirty="0">
+                <a:solidFill>
+                  <a:srgbClr val="ED7D31"/>
+                </a:solidFill>
+                <a:latin typeface="Cambria" panose="02040503050406030204" pitchFamily="18" charset="0"/>
+                <a:ea typeface="Cambria" panose="02040503050406030204" pitchFamily="18" charset="0"/>
+              </a:rPr>
+              <a:t> </a:t>
+            </a:r>
+            <a:r>
+              <a:rPr lang="en-US" sz="1600" dirty="0" err="1">
                 <a:solidFill>
                   <a:schemeClr val="tx1">
                     <a:lumMod val="75000"/>
                     <a:lumOff val="25000"/>
                   </a:schemeClr>
                 </a:solidFill>
-              </a:rPr>
-              <a:t>Số </a:t>
-            </a:r>
-            <a:r>
-              <a:rPr lang="en-US" sz="1200" dirty="0" err="1" smtClean="0">
+                <a:latin typeface="Cambria" panose="02040503050406030204" pitchFamily="18" charset="0"/>
+                <a:ea typeface="Cambria" panose="02040503050406030204" pitchFamily="18" charset="0"/>
+              </a:rPr>
+              <a:t>tăng</a:t>
+            </a:r>
+            <a:r>
+              <a:rPr lang="en-US" sz="1600" dirty="0">
                 <a:solidFill>
                   <a:schemeClr val="tx1">
                     <a:lumMod val="75000"/>
                     <a:lumOff val="25000"/>
                   </a:schemeClr>
                 </a:solidFill>
-              </a:rPr>
-              <a:t>lượng</a:t>
-            </a:r>
-            <a:r>
-              <a:rPr lang="en-US" sz="1200" dirty="0" smtClean="0">
+                <a:latin typeface="Cambria" panose="02040503050406030204" pitchFamily="18" charset="0"/>
+                <a:ea typeface="Cambria" panose="02040503050406030204" pitchFamily="18" charset="0"/>
+              </a:rPr>
+              <a:t> </a:t>
+            </a:r>
+            <a:r>
+              <a:rPr lang="en-US" sz="1600" dirty="0" err="1">
                 <a:solidFill>
                   <a:schemeClr val="tx1">
                     <a:lumMod val="75000"/>
                     <a:lumOff val="25000"/>
                   </a:schemeClr>
                 </a:solidFill>
-              </a:rPr>
-              <a:t> KH </a:t>
-            </a:r>
-            <a:r>
-              <a:rPr lang="en-US" sz="1200" dirty="0" err="1" smtClean="0">
+                <a:latin typeface="Cambria" panose="02040503050406030204" pitchFamily="18" charset="0"/>
+                <a:ea typeface="Cambria" panose="02040503050406030204" pitchFamily="18" charset="0"/>
+              </a:rPr>
+              <a:t>mạnh</a:t>
+            </a:r>
+            <a:r>
+              <a:rPr lang="en-US" sz="1600" dirty="0">
                 <a:solidFill>
                   <a:schemeClr val="tx1">
                     <a:lumMod val="75000"/>
                     <a:lumOff val="25000"/>
                   </a:schemeClr>
                 </a:solidFill>
-              </a:rPr>
-              <a:t>ra</a:t>
-            </a:r>
-            <a:r>
-              <a:rPr lang="en-US" sz="1200" dirty="0" smtClean="0">
+                <a:latin typeface="Cambria" panose="02040503050406030204" pitchFamily="18" charset="0"/>
+                <a:ea typeface="Cambria" panose="02040503050406030204" pitchFamily="18" charset="0"/>
+              </a:rPr>
+              <a:t> </a:t>
+            </a:r>
+            <a:r>
+              <a:rPr lang="en-US" sz="1600" dirty="0" err="1">
                 <a:solidFill>
                   <a:schemeClr val="tx1">
                     <a:lumMod val="75000"/>
                     <a:lumOff val="25000"/>
                   </a:schemeClr>
                 </a:solidFill>
-              </a:rPr>
-              <a:t> </a:t>
-            </a:r>
-            <a:r>
-              <a:rPr lang="en-US" sz="1200" dirty="0" err="1" smtClean="0">
+                <a:latin typeface="Cambria" panose="02040503050406030204" pitchFamily="18" charset="0"/>
+                <a:ea typeface="Cambria" panose="02040503050406030204" pitchFamily="18" charset="0"/>
+              </a:rPr>
+              <a:t>vào</a:t>
+            </a:r>
+            <a:r>
+              <a:rPr lang="en-US" sz="1600" dirty="0">
                 <a:solidFill>
                   <a:schemeClr val="tx1">
                     <a:lumMod val="75000"/>
                     <a:lumOff val="25000"/>
                   </a:schemeClr>
                 </a:solidFill>
-              </a:rPr>
-              <a:t>quầy</a:t>
-            </a:r>
-            <a:r>
-              <a:rPr lang="en-US" sz="1200" dirty="0" smtClean="0">
+                <a:latin typeface="Cambria" panose="02040503050406030204" pitchFamily="18" charset="0"/>
+                <a:ea typeface="Cambria" panose="02040503050406030204" pitchFamily="18" charset="0"/>
+              </a:rPr>
+              <a:t> </a:t>
+            </a:r>
+            <a:r>
+              <a:rPr lang="en-US" sz="1600" dirty="0" err="1">
                 <a:solidFill>
                   <a:schemeClr val="tx1">
                     <a:lumMod val="75000"/>
                     <a:lumOff val="25000"/>
                   </a:schemeClr>
                 </a:solidFill>
-              </a:rPr>
-              <a:t> </a:t>
-            </a:r>
-            <a:r>
-              <a:rPr lang="en-US" sz="1200" dirty="0" err="1" smtClean="0">
+                <a:latin typeface="Cambria" panose="02040503050406030204" pitchFamily="18" charset="0"/>
+                <a:ea typeface="Cambria" panose="02040503050406030204" pitchFamily="18" charset="0"/>
+              </a:rPr>
+              <a:t>tháng</a:t>
+            </a:r>
+            <a:r>
+              <a:rPr lang="en-US" sz="1600" dirty="0">
                 <a:solidFill>
                   <a:schemeClr val="tx1">
                     <a:lumMod val="75000"/>
                     <a:lumOff val="25000"/>
                   </a:schemeClr>
                 </a:solidFill>
-              </a:rPr>
-              <a:t>thực</a:t>
-            </a:r>
-            <a:r>
-              <a:rPr lang="en-US" sz="1200" dirty="0" smtClean="0">
-                <a:solidFill>
-                  <a:schemeClr val="tx1">
-                    <a:lumMod val="75000"/>
-                    <a:lumOff val="25000"/>
-                  </a:schemeClr>
-                </a:solidFill>
-              </a:rPr>
-              <a:t> </a:t>
-            </a:r>
-            <a:r>
-              <a:rPr lang="en-US" sz="1200" dirty="0" err="1" smtClean="0">
-                <a:solidFill>
-                  <a:schemeClr val="tx1">
-                    <a:lumMod val="75000"/>
-                    <a:lumOff val="25000"/>
-                  </a:schemeClr>
-                </a:solidFill>
-              </a:rPr>
-              <a:t>hiện</a:t>
-            </a:r>
-            <a:r>
-              <a:rPr lang="en-US" sz="1200" dirty="0" smtClean="0">
-                <a:solidFill>
-                  <a:schemeClr val="tx1">
-                    <a:lumMod val="75000"/>
-                    <a:lumOff val="25000"/>
-                  </a:schemeClr>
-                </a:solidFill>
-              </a:rPr>
-              <a:t> full KYC </a:t>
-            </a:r>
-            <a:r>
-              <a:rPr lang="en-US" sz="1200" b="1" dirty="0" err="1" smtClean="0">
-                <a:solidFill>
-                  <a:srgbClr val="C00000"/>
-                </a:solidFill>
-              </a:rPr>
-              <a:t>chiếm</a:t>
-            </a:r>
-            <a:r>
-              <a:rPr lang="en-US" sz="1200" b="1" dirty="0" smtClean="0">
-                <a:solidFill>
-                  <a:srgbClr val="C00000"/>
-                </a:solidFill>
-              </a:rPr>
-              <a:t> </a:t>
-            </a:r>
-            <a:r>
-              <a:rPr lang="en-US" sz="1200" b="1" dirty="0" err="1" smtClean="0">
-                <a:solidFill>
-                  <a:srgbClr val="C00000"/>
-                </a:solidFill>
-              </a:rPr>
-              <a:t>tỷ</a:t>
-            </a:r>
-            <a:r>
-              <a:rPr lang="en-US" sz="1200" b="1" dirty="0" smtClean="0">
-                <a:solidFill>
-                  <a:srgbClr val="C00000"/>
-                </a:solidFill>
-              </a:rPr>
-              <a:t> </a:t>
-            </a:r>
-            <a:r>
-              <a:rPr lang="en-US" sz="1200" b="1" dirty="0" err="1" smtClean="0">
-                <a:solidFill>
-                  <a:srgbClr val="C00000"/>
-                </a:solidFill>
-              </a:rPr>
-              <a:t>lệ</a:t>
-            </a:r>
-            <a:r>
-              <a:rPr lang="en-US" sz="1200" b="1" dirty="0" smtClean="0">
-                <a:solidFill>
-                  <a:srgbClr val="C00000"/>
-                </a:solidFill>
-              </a:rPr>
-              <a:t> </a:t>
-            </a:r>
-            <a:r>
-              <a:rPr lang="en-US" sz="1200" b="1" dirty="0" err="1" smtClean="0">
-                <a:solidFill>
-                  <a:srgbClr val="C00000"/>
-                </a:solidFill>
-              </a:rPr>
-              <a:t>nhỏ</a:t>
-            </a:r>
-            <a:r>
-              <a:rPr lang="en-US" sz="1200" b="1" dirty="0" smtClean="0">
-                <a:solidFill>
-                  <a:srgbClr val="C00000"/>
-                </a:solidFill>
-              </a:rPr>
-              <a:t> </a:t>
-            </a:r>
-            <a:r>
-              <a:rPr lang="en-US" sz="1200" dirty="0" smtClean="0">
-                <a:solidFill>
-                  <a:schemeClr val="tx1">
-                    <a:lumMod val="75000"/>
-                    <a:lumOff val="25000"/>
-                  </a:schemeClr>
-                </a:solidFill>
-              </a:rPr>
-              <a:t>(tháng 2 </a:t>
-            </a:r>
-            <a:r>
-              <a:rPr lang="en-US" sz="1200" dirty="0" err="1" smtClean="0">
-                <a:solidFill>
-                  <a:schemeClr val="tx1">
-                    <a:lumMod val="75000"/>
-                    <a:lumOff val="25000"/>
-                  </a:schemeClr>
-                </a:solidFill>
-              </a:rPr>
-              <a:t>cao</a:t>
-            </a:r>
-            <a:r>
-              <a:rPr lang="en-US" sz="1200" dirty="0" smtClean="0">
-                <a:solidFill>
-                  <a:schemeClr val="tx1">
-                    <a:lumMod val="75000"/>
-                    <a:lumOff val="25000"/>
-                  </a:schemeClr>
-                </a:solidFill>
-              </a:rPr>
-              <a:t> </a:t>
-            </a:r>
-            <a:r>
-              <a:rPr lang="en-US" sz="1200" dirty="0" err="1" smtClean="0">
-                <a:solidFill>
-                  <a:schemeClr val="tx1">
-                    <a:lumMod val="75000"/>
-                    <a:lumOff val="25000"/>
-                  </a:schemeClr>
-                </a:solidFill>
-              </a:rPr>
-              <a:t>nhất</a:t>
-            </a:r>
-            <a:r>
-              <a:rPr lang="en-US" sz="1200" dirty="0" smtClean="0">
-                <a:solidFill>
-                  <a:schemeClr val="tx1">
-                    <a:lumMod val="75000"/>
-                    <a:lumOff val="25000"/>
-                  </a:schemeClr>
-                </a:solidFill>
-              </a:rPr>
-              <a:t> chỉ </a:t>
-            </a:r>
-            <a:r>
-              <a:rPr lang="en-US" sz="1200" dirty="0" err="1" smtClean="0">
-                <a:solidFill>
-                  <a:schemeClr val="tx1">
-                    <a:lumMod val="75000"/>
-                    <a:lumOff val="25000"/>
-                  </a:schemeClr>
-                </a:solidFill>
-              </a:rPr>
-              <a:t>chiếm</a:t>
-            </a:r>
-            <a:r>
-              <a:rPr lang="en-US" sz="1200" dirty="0" smtClean="0">
-                <a:solidFill>
-                  <a:schemeClr val="tx1">
-                    <a:lumMod val="75000"/>
-                    <a:lumOff val="25000"/>
-                  </a:schemeClr>
-                </a:solidFill>
-              </a:rPr>
-              <a:t> </a:t>
-            </a:r>
-            <a:r>
-              <a:rPr lang="en-US" sz="1200" b="1" dirty="0" smtClean="0">
-                <a:solidFill>
-                  <a:srgbClr val="C00000"/>
-                </a:solidFill>
-              </a:rPr>
-              <a:t>0.66%</a:t>
-            </a:r>
-            <a:r>
-              <a:rPr lang="en-US" sz="1200" dirty="0" smtClean="0">
-                <a:solidFill>
-                  <a:schemeClr val="tx1">
-                    <a:lumMod val="75000"/>
-                    <a:lumOff val="25000"/>
-                  </a:schemeClr>
-                </a:solidFill>
-              </a:rPr>
-              <a:t>) </a:t>
-            </a:r>
-            <a:r>
-              <a:rPr lang="en-US" sz="1200" dirty="0" err="1" smtClean="0">
-                <a:solidFill>
-                  <a:schemeClr val="tx1">
-                    <a:lumMod val="75000"/>
-                    <a:lumOff val="25000"/>
-                  </a:schemeClr>
-                </a:solidFill>
-              </a:rPr>
-              <a:t>trong</a:t>
-            </a:r>
-            <a:r>
-              <a:rPr lang="en-US" sz="1200" dirty="0" smtClean="0">
-                <a:solidFill>
-                  <a:schemeClr val="tx1">
-                    <a:lumMod val="75000"/>
-                    <a:lumOff val="25000"/>
-                  </a:schemeClr>
-                </a:solidFill>
-              </a:rPr>
-              <a:t> tổng số KH active năm 2023.</a:t>
-            </a:r>
-          </a:p>
-          <a:p>
-            <a:pPr>
-              <a:lnSpc>
-                <a:spcPct val="150000"/>
-              </a:lnSpc>
-            </a:pPr>
-            <a:r>
-              <a:rPr lang="en-US" sz="1200" dirty="0" smtClean="0">
-                <a:solidFill>
-                  <a:schemeClr val="tx1">
-                    <a:lumMod val="75000"/>
-                    <a:lumOff val="25000"/>
-                  </a:schemeClr>
-                </a:solidFill>
-              </a:rPr>
-              <a:t>Điều này thể </a:t>
-            </a:r>
-            <a:r>
-              <a:rPr lang="en-US" sz="1200" dirty="0" err="1" smtClean="0">
-                <a:solidFill>
-                  <a:schemeClr val="tx1">
-                    <a:lumMod val="75000"/>
-                    <a:lumOff val="25000"/>
-                  </a:schemeClr>
-                </a:solidFill>
-              </a:rPr>
-              <a:t>hiện</a:t>
-            </a:r>
-            <a:r>
-              <a:rPr lang="en-US" sz="1200" dirty="0" smtClean="0">
-                <a:solidFill>
-                  <a:schemeClr val="tx1">
-                    <a:lumMod val="75000"/>
-                    <a:lumOff val="25000"/>
-                  </a:schemeClr>
-                </a:solidFill>
-              </a:rPr>
-              <a:t> KH </a:t>
-            </a:r>
-            <a:r>
-              <a:rPr lang="en-US" sz="1200" b="1" dirty="0" smtClean="0">
-                <a:solidFill>
-                  <a:srgbClr val="C00000"/>
-                </a:solidFill>
-              </a:rPr>
-              <a:t>chưa </a:t>
-            </a:r>
-            <a:r>
-              <a:rPr lang="en-US" sz="1200" b="1" dirty="0" err="1" smtClean="0">
-                <a:solidFill>
-                  <a:srgbClr val="C00000"/>
-                </a:solidFill>
-              </a:rPr>
-              <a:t>thực</a:t>
-            </a:r>
-            <a:r>
-              <a:rPr lang="en-US" sz="1200" b="1" dirty="0" smtClean="0">
-                <a:solidFill>
-                  <a:srgbClr val="C00000"/>
-                </a:solidFill>
-              </a:rPr>
-              <a:t> </a:t>
-            </a:r>
-            <a:r>
-              <a:rPr lang="en-US" sz="1200" b="1" dirty="0" err="1" smtClean="0">
-                <a:solidFill>
-                  <a:srgbClr val="C00000"/>
-                </a:solidFill>
-              </a:rPr>
-              <a:t>sự</a:t>
-            </a:r>
-            <a:r>
-              <a:rPr lang="en-US" sz="1200" b="1" dirty="0" smtClean="0">
-                <a:solidFill>
-                  <a:srgbClr val="C00000"/>
-                </a:solidFill>
-              </a:rPr>
-              <a:t> có nhiều </a:t>
-            </a:r>
-            <a:r>
-              <a:rPr lang="en-US" sz="1200" b="1" dirty="0" err="1" smtClean="0">
-                <a:solidFill>
-                  <a:srgbClr val="C00000"/>
-                </a:solidFill>
-              </a:rPr>
-              <a:t>nhu</a:t>
-            </a:r>
-            <a:r>
-              <a:rPr lang="en-US" sz="1200" b="1" dirty="0" smtClean="0">
-                <a:solidFill>
-                  <a:srgbClr val="C00000"/>
-                </a:solidFill>
-              </a:rPr>
-              <a:t> </a:t>
-            </a:r>
-            <a:r>
-              <a:rPr lang="en-US" sz="1200" b="1" dirty="0" err="1" smtClean="0">
-                <a:solidFill>
-                  <a:srgbClr val="C00000"/>
-                </a:solidFill>
-              </a:rPr>
-              <a:t>cầu</a:t>
-            </a:r>
-            <a:r>
-              <a:rPr lang="en-US" sz="1200" b="1" dirty="0" smtClean="0">
-                <a:solidFill>
-                  <a:srgbClr val="C00000"/>
-                </a:solidFill>
-              </a:rPr>
-              <a:t> nâng </a:t>
-            </a:r>
-            <a:r>
-              <a:rPr lang="en-US" sz="1200" b="1" dirty="0" err="1" smtClean="0">
-                <a:solidFill>
-                  <a:srgbClr val="C00000"/>
-                </a:solidFill>
-              </a:rPr>
-              <a:t>hạn</a:t>
-            </a:r>
-            <a:r>
-              <a:rPr lang="en-US" sz="1200" b="1" dirty="0" smtClean="0">
-                <a:solidFill>
-                  <a:srgbClr val="C00000"/>
-                </a:solidFill>
-              </a:rPr>
-              <a:t> </a:t>
-            </a:r>
-            <a:r>
-              <a:rPr lang="en-US" sz="1200" b="1" dirty="0" err="1" smtClean="0">
-                <a:solidFill>
-                  <a:srgbClr val="C00000"/>
-                </a:solidFill>
-              </a:rPr>
-              <a:t>mức</a:t>
-            </a:r>
-            <a:r>
-              <a:rPr lang="en-US" sz="1200" b="1" dirty="0" smtClean="0">
-                <a:solidFill>
-                  <a:srgbClr val="C00000"/>
-                </a:solidFill>
-              </a:rPr>
-              <a:t> giao </a:t>
-            </a:r>
-            <a:r>
-              <a:rPr lang="en-US" sz="1200" b="1" dirty="0" err="1" smtClean="0">
-                <a:solidFill>
-                  <a:srgbClr val="C00000"/>
-                </a:solidFill>
-              </a:rPr>
-              <a:t>dịch</a:t>
-            </a:r>
-            <a:r>
-              <a:rPr lang="en-US" sz="1200" b="1" dirty="0" smtClean="0">
-                <a:solidFill>
-                  <a:srgbClr val="C00000"/>
-                </a:solidFill>
-              </a:rPr>
-              <a:t> online.</a:t>
-            </a:r>
-          </a:p>
-        </p:txBody>
-      </p:sp>
-      <p:sp>
-        <p:nvSpPr>
-          <p:cNvPr id="16" name="TextBox 15"/>
-          <p:cNvSpPr txBox="1"/>
-          <p:nvPr/>
-        </p:nvSpPr>
-        <p:spPr>
-          <a:xfrm>
-            <a:off x="6439548" y="1189560"/>
-            <a:ext cx="5237430" cy="523220"/>
-          </a:xfrm>
-          <a:prstGeom prst="rect">
-            <a:avLst/>
-          </a:prstGeom>
-          <a:noFill/>
-        </p:spPr>
-        <p:txBody>
-          <a:bodyPr wrap="square" rtlCol="0">
-            <a:spAutoFit/>
-          </a:bodyPr>
-          <a:lstStyle/>
-          <a:p>
-            <a:r>
-              <a:rPr lang="en-US" sz="1400" b="1" dirty="0">
-                <a:solidFill>
-                  <a:srgbClr val="C00000"/>
-                </a:solidFill>
-              </a:rPr>
-              <a:t>KH </a:t>
-            </a:r>
-            <a:r>
-              <a:rPr lang="en-US" sz="1400" b="1" dirty="0" err="1">
-                <a:solidFill>
-                  <a:srgbClr val="C00000"/>
-                </a:solidFill>
-              </a:rPr>
-              <a:t>ra</a:t>
-            </a:r>
-            <a:r>
-              <a:rPr lang="en-US" sz="1400" b="1" dirty="0">
-                <a:solidFill>
-                  <a:srgbClr val="C00000"/>
-                </a:solidFill>
-              </a:rPr>
-              <a:t> </a:t>
-            </a:r>
-            <a:r>
-              <a:rPr lang="en-US" sz="1400" b="1" dirty="0" err="1">
-                <a:solidFill>
-                  <a:srgbClr val="C00000"/>
-                </a:solidFill>
-              </a:rPr>
-              <a:t>quầy</a:t>
-            </a:r>
-            <a:r>
-              <a:rPr lang="en-US" sz="1400" b="1" dirty="0">
-                <a:solidFill>
-                  <a:srgbClr val="C00000"/>
-                </a:solidFill>
-              </a:rPr>
-              <a:t> </a:t>
-            </a:r>
-            <a:r>
-              <a:rPr lang="en-US" sz="1400" b="1" dirty="0" err="1">
-                <a:solidFill>
-                  <a:srgbClr val="C00000"/>
-                </a:solidFill>
-              </a:rPr>
-              <a:t>thực</a:t>
-            </a:r>
-            <a:r>
-              <a:rPr lang="en-US" sz="1400" b="1" dirty="0">
-                <a:solidFill>
-                  <a:srgbClr val="C00000"/>
-                </a:solidFill>
-              </a:rPr>
-              <a:t> </a:t>
-            </a:r>
-            <a:r>
-              <a:rPr lang="en-US" sz="1400" b="1" dirty="0" err="1">
-                <a:solidFill>
-                  <a:srgbClr val="C00000"/>
-                </a:solidFill>
-              </a:rPr>
-              <a:t>hiện</a:t>
-            </a:r>
-            <a:r>
-              <a:rPr lang="en-US" sz="1400" b="1" dirty="0">
-                <a:solidFill>
-                  <a:srgbClr val="C00000"/>
-                </a:solidFill>
-              </a:rPr>
-              <a:t> full KYC </a:t>
-            </a:r>
-            <a:r>
-              <a:rPr lang="en-US" sz="1400" dirty="0">
-                <a:solidFill>
-                  <a:schemeClr val="tx1">
-                    <a:lumMod val="75000"/>
-                    <a:lumOff val="25000"/>
-                  </a:schemeClr>
-                </a:solidFill>
-              </a:rPr>
-              <a:t>có </a:t>
-            </a:r>
-            <a:r>
-              <a:rPr lang="en-US" sz="1400" dirty="0" err="1">
-                <a:solidFill>
-                  <a:schemeClr val="tx1">
-                    <a:lumMod val="75000"/>
-                    <a:lumOff val="25000"/>
-                  </a:schemeClr>
-                </a:solidFill>
-              </a:rPr>
-              <a:t>thêm</a:t>
-            </a:r>
-            <a:r>
-              <a:rPr lang="en-US" sz="1400" dirty="0">
-                <a:solidFill>
-                  <a:schemeClr val="tx1">
-                    <a:lumMod val="75000"/>
-                    <a:lumOff val="25000"/>
-                  </a:schemeClr>
-                </a:solidFill>
-              </a:rPr>
-              <a:t> </a:t>
-            </a:r>
-            <a:r>
-              <a:rPr lang="en-US" sz="1400" dirty="0" err="1">
-                <a:solidFill>
-                  <a:schemeClr val="tx1">
-                    <a:lumMod val="75000"/>
-                    <a:lumOff val="25000"/>
-                  </a:schemeClr>
-                </a:solidFill>
-              </a:rPr>
-              <a:t>quyền</a:t>
-            </a:r>
-            <a:r>
-              <a:rPr lang="en-US" sz="1400" dirty="0">
-                <a:solidFill>
-                  <a:schemeClr val="tx1">
-                    <a:lumMod val="75000"/>
-                    <a:lumOff val="25000"/>
-                  </a:schemeClr>
-                </a:solidFill>
-              </a:rPr>
-              <a:t> </a:t>
-            </a:r>
-            <a:r>
-              <a:rPr lang="en-US" sz="1400" dirty="0" err="1">
-                <a:solidFill>
-                  <a:schemeClr val="tx1">
-                    <a:lumMod val="75000"/>
-                    <a:lumOff val="25000"/>
-                  </a:schemeClr>
-                </a:solidFill>
-              </a:rPr>
-              <a:t>lợi</a:t>
-            </a:r>
-            <a:r>
-              <a:rPr lang="en-US" sz="1400" dirty="0">
-                <a:solidFill>
-                  <a:schemeClr val="tx1">
-                    <a:lumMod val="75000"/>
-                    <a:lumOff val="25000"/>
-                  </a:schemeClr>
-                </a:solidFill>
-              </a:rPr>
-              <a:t> được </a:t>
-            </a:r>
-            <a:r>
-              <a:rPr lang="en-US" sz="1400" b="1" dirty="0">
-                <a:solidFill>
-                  <a:srgbClr val="C00000"/>
-                </a:solidFill>
-              </a:rPr>
-              <a:t>nâng </a:t>
-            </a:r>
-            <a:r>
-              <a:rPr lang="en-US" sz="1400" b="1" dirty="0" err="1">
-                <a:solidFill>
-                  <a:srgbClr val="C00000"/>
-                </a:solidFill>
-              </a:rPr>
-              <a:t>hạn</a:t>
-            </a:r>
-            <a:r>
-              <a:rPr lang="en-US" sz="1400" b="1" dirty="0">
-                <a:solidFill>
-                  <a:srgbClr val="C00000"/>
-                </a:solidFill>
-              </a:rPr>
-              <a:t> </a:t>
-            </a:r>
-            <a:r>
-              <a:rPr lang="en-US" sz="1400" b="1" dirty="0" err="1">
-                <a:solidFill>
-                  <a:srgbClr val="C00000"/>
-                </a:solidFill>
-              </a:rPr>
-              <a:t>mức</a:t>
-            </a:r>
-            <a:r>
-              <a:rPr lang="en-US" sz="1400" b="1" dirty="0">
-                <a:solidFill>
-                  <a:srgbClr val="C00000"/>
-                </a:solidFill>
-              </a:rPr>
-              <a:t> giao </a:t>
-            </a:r>
-            <a:r>
-              <a:rPr lang="en-US" sz="1400" b="1" dirty="0" err="1">
-                <a:solidFill>
-                  <a:srgbClr val="C00000"/>
-                </a:solidFill>
-              </a:rPr>
-              <a:t>dịch</a:t>
-            </a:r>
-            <a:r>
-              <a:rPr lang="en-US" sz="1400" b="1" dirty="0">
-                <a:solidFill>
-                  <a:srgbClr val="C00000"/>
-                </a:solidFill>
-              </a:rPr>
-              <a:t> </a:t>
-            </a:r>
-            <a:r>
-              <a:rPr lang="en-US" sz="1400" b="1" dirty="0" smtClean="0">
-                <a:solidFill>
-                  <a:srgbClr val="C00000"/>
-                </a:solidFill>
-              </a:rPr>
-              <a:t>online</a:t>
-            </a:r>
-            <a:endParaRPr lang="en-US" sz="1400" b="1" dirty="0">
+                <a:latin typeface="Cambria" panose="02040503050406030204" pitchFamily="18" charset="0"/>
+                <a:ea typeface="Cambria" panose="02040503050406030204" pitchFamily="18" charset="0"/>
+              </a:rPr>
+              <a:t> 5/2023</a:t>
+            </a:r>
+            <a:endParaRPr lang="en-US" sz="1600" b="1" dirty="0">
               <a:solidFill>
                 <a:srgbClr val="C00000"/>
               </a:solidFill>
+              <a:latin typeface="Cambria" panose="02040503050406030204" pitchFamily="18" charset="0"/>
+              <a:ea typeface="Cambria" panose="02040503050406030204" pitchFamily="18" charset="0"/>
             </a:endParaRPr>
           </a:p>
         </p:txBody>
@@ -9922,7 +11280,7 @@
           <p:nvPr/>
         </p:nvPicPr>
         <p:blipFill>
-          <a:blip r:embed="rId5">
+          <a:blip r:embed="rId4">
             <a:duotone>
               <a:schemeClr val="accent2">
                 <a:shade val="45000"/>
@@ -9954,7 +11312,7 @@
           <p:nvPr/>
         </p:nvPicPr>
         <p:blipFill>
-          <a:blip r:embed="rId6"/>
+          <a:blip r:embed="rId5"/>
           <a:stretch>
             <a:fillRect/>
           </a:stretch>
@@ -10005,6 +11363,447 @@
           </a:fontRef>
         </p:style>
       </p:cxnSp>
+      <p:pic>
+        <p:nvPicPr>
+          <p:cNvPr id="22" name="Picture 21">
+            <a:extLst>
+              <a:ext uri="{FF2B5EF4-FFF2-40B4-BE49-F238E27FC236}">
+                <a16:creationId xmlns:a16="http://schemas.microsoft.com/office/drawing/2014/main" id="{2C9AACAB-F1DF-425A-2E36-9935D515B3CB}"/>
+              </a:ext>
+            </a:extLst>
+          </p:cNvPr>
+          <p:cNvPicPr>
+            <a:picLocks noChangeAspect="1"/>
+          </p:cNvPicPr>
+          <p:nvPr/>
+        </p:nvPicPr>
+        <p:blipFill>
+          <a:blip r:embed="rId6"/>
+          <a:stretch>
+            <a:fillRect/>
+          </a:stretch>
+        </p:blipFill>
+        <p:spPr>
+          <a:xfrm>
+            <a:off x="631574" y="1774854"/>
+            <a:ext cx="4584589" cy="2755631"/>
+          </a:xfrm>
+          <a:prstGeom prst="rect">
+            <a:avLst/>
+          </a:prstGeom>
+        </p:spPr>
+      </p:pic>
+      <p:pic>
+        <p:nvPicPr>
+          <p:cNvPr id="24" name="Picture 23">
+            <a:extLst>
+              <a:ext uri="{FF2B5EF4-FFF2-40B4-BE49-F238E27FC236}">
+                <a16:creationId xmlns:a16="http://schemas.microsoft.com/office/drawing/2014/main" id="{DEAF91D4-87F6-AE31-5351-C4B8965359DB}"/>
+              </a:ext>
+            </a:extLst>
+          </p:cNvPr>
+          <p:cNvPicPr>
+            <a:picLocks noChangeAspect="1"/>
+          </p:cNvPicPr>
+          <p:nvPr/>
+        </p:nvPicPr>
+        <p:blipFill>
+          <a:blip r:embed="rId7"/>
+          <a:stretch>
+            <a:fillRect/>
+          </a:stretch>
+        </p:blipFill>
+        <p:spPr>
+          <a:xfrm>
+            <a:off x="6525506" y="1769521"/>
+            <a:ext cx="4581588" cy="2760964"/>
+          </a:xfrm>
+          <a:prstGeom prst="rect">
+            <a:avLst/>
+          </a:prstGeom>
+        </p:spPr>
+      </p:pic>
+      <p:sp>
+        <p:nvSpPr>
+          <p:cNvPr id="4" name="TextBox 3">
+            <a:extLst>
+              <a:ext uri="{FF2B5EF4-FFF2-40B4-BE49-F238E27FC236}">
+                <a16:creationId xmlns:a16="http://schemas.microsoft.com/office/drawing/2014/main" id="{3BB81245-0FB0-7BE8-29D6-AED77992E712}"/>
+              </a:ext>
+            </a:extLst>
+          </p:cNvPr>
+          <p:cNvSpPr txBox="1"/>
+          <p:nvPr/>
+        </p:nvSpPr>
+        <p:spPr>
+          <a:xfrm>
+            <a:off x="6323041" y="5129934"/>
+            <a:ext cx="5279423" cy="923330"/>
+          </a:xfrm>
+          <a:prstGeom prst="rect">
+            <a:avLst/>
+          </a:prstGeom>
+          <a:noFill/>
+        </p:spPr>
+        <p:txBody>
+          <a:bodyPr wrap="square" rtlCol="0">
+            <a:spAutoFit/>
+          </a:bodyPr>
+          <a:lstStyle/>
+          <a:p>
+            <a:r>
+              <a:rPr lang="en-US" dirty="0" err="1">
+                <a:latin typeface="Cambria" panose="02040503050406030204" pitchFamily="18" charset="0"/>
+                <a:ea typeface="Cambria" panose="02040503050406030204" pitchFamily="18" charset="0"/>
+              </a:rPr>
+              <a:t>Giá</a:t>
+            </a:r>
+            <a:r>
+              <a:rPr lang="en-US" dirty="0">
+                <a:latin typeface="Cambria" panose="02040503050406030204" pitchFamily="18" charset="0"/>
+                <a:ea typeface="Cambria" panose="02040503050406030204" pitchFamily="18" charset="0"/>
+              </a:rPr>
+              <a:t> </a:t>
+            </a:r>
+            <a:r>
+              <a:rPr lang="en-US" dirty="0" err="1">
+                <a:latin typeface="Cambria" panose="02040503050406030204" pitchFamily="18" charset="0"/>
+                <a:ea typeface="Cambria" panose="02040503050406030204" pitchFamily="18" charset="0"/>
+              </a:rPr>
+              <a:t>trị</a:t>
+            </a:r>
+            <a:r>
+              <a:rPr lang="en-US" dirty="0">
+                <a:latin typeface="Cambria" panose="02040503050406030204" pitchFamily="18" charset="0"/>
+                <a:ea typeface="Cambria" panose="02040503050406030204" pitchFamily="18" charset="0"/>
+              </a:rPr>
+              <a:t> </a:t>
+            </a:r>
+            <a:r>
+              <a:rPr lang="en-US" dirty="0" err="1">
+                <a:latin typeface="Cambria" panose="02040503050406030204" pitchFamily="18" charset="0"/>
+                <a:ea typeface="Cambria" panose="02040503050406030204" pitchFamily="18" charset="0"/>
+              </a:rPr>
+              <a:t>giao</a:t>
+            </a:r>
+            <a:r>
+              <a:rPr lang="en-US" dirty="0">
+                <a:latin typeface="Cambria" panose="02040503050406030204" pitchFamily="18" charset="0"/>
+                <a:ea typeface="Cambria" panose="02040503050406030204" pitchFamily="18" charset="0"/>
+              </a:rPr>
+              <a:t> </a:t>
+            </a:r>
+            <a:r>
+              <a:rPr lang="en-US" dirty="0" err="1">
+                <a:latin typeface="Cambria" panose="02040503050406030204" pitchFamily="18" charset="0"/>
+                <a:ea typeface="Cambria" panose="02040503050406030204" pitchFamily="18" charset="0"/>
+              </a:rPr>
+              <a:t>dịch</a:t>
+            </a:r>
+            <a:r>
+              <a:rPr lang="en-US" dirty="0">
+                <a:latin typeface="Cambria" panose="02040503050406030204" pitchFamily="18" charset="0"/>
+                <a:ea typeface="Cambria" panose="02040503050406030204" pitchFamily="18" charset="0"/>
+              </a:rPr>
+              <a:t> </a:t>
+            </a:r>
+            <a:r>
+              <a:rPr lang="en-US" dirty="0" err="1">
+                <a:latin typeface="Cambria" panose="02040503050406030204" pitchFamily="18" charset="0"/>
+                <a:ea typeface="Cambria" panose="02040503050406030204" pitchFamily="18" charset="0"/>
+              </a:rPr>
+              <a:t>tăng</a:t>
+            </a:r>
+            <a:r>
+              <a:rPr lang="en-US" dirty="0">
+                <a:latin typeface="Cambria" panose="02040503050406030204" pitchFamily="18" charset="0"/>
+                <a:ea typeface="Cambria" panose="02040503050406030204" pitchFamily="18" charset="0"/>
+              </a:rPr>
+              <a:t> </a:t>
+            </a:r>
+            <a:r>
+              <a:rPr lang="en-US" dirty="0" err="1">
+                <a:latin typeface="Cambria" panose="02040503050406030204" pitchFamily="18" charset="0"/>
+                <a:ea typeface="Cambria" panose="02040503050406030204" pitchFamily="18" charset="0"/>
+              </a:rPr>
+              <a:t>đột</a:t>
+            </a:r>
+            <a:r>
+              <a:rPr lang="en-US" dirty="0">
+                <a:latin typeface="Cambria" panose="02040503050406030204" pitchFamily="18" charset="0"/>
+                <a:ea typeface="Cambria" panose="02040503050406030204" pitchFamily="18" charset="0"/>
+              </a:rPr>
+              <a:t> </a:t>
+            </a:r>
+            <a:r>
+              <a:rPr lang="en-US" dirty="0" err="1">
+                <a:latin typeface="Cambria" panose="02040503050406030204" pitchFamily="18" charset="0"/>
+                <a:ea typeface="Cambria" panose="02040503050406030204" pitchFamily="18" charset="0"/>
+              </a:rPr>
+              <a:t>biến</a:t>
+            </a:r>
+            <a:r>
+              <a:rPr lang="en-US" dirty="0">
+                <a:latin typeface="Cambria" panose="02040503050406030204" pitchFamily="18" charset="0"/>
+                <a:ea typeface="Cambria" panose="02040503050406030204" pitchFamily="18" charset="0"/>
+              </a:rPr>
+              <a:t> </a:t>
+            </a:r>
+            <a:r>
+              <a:rPr lang="en-US" dirty="0" err="1">
+                <a:latin typeface="Cambria" panose="02040503050406030204" pitchFamily="18" charset="0"/>
+                <a:ea typeface="Cambria" panose="02040503050406030204" pitchFamily="18" charset="0"/>
+              </a:rPr>
+              <a:t>vào</a:t>
+            </a:r>
+            <a:r>
+              <a:rPr lang="en-US" dirty="0">
+                <a:latin typeface="Cambria" panose="02040503050406030204" pitchFamily="18" charset="0"/>
+                <a:ea typeface="Cambria" panose="02040503050406030204" pitchFamily="18" charset="0"/>
+              </a:rPr>
+              <a:t> </a:t>
+            </a:r>
+            <a:r>
+              <a:rPr lang="en-US" dirty="0" err="1">
+                <a:latin typeface="Cambria" panose="02040503050406030204" pitchFamily="18" charset="0"/>
+                <a:ea typeface="Cambria" panose="02040503050406030204" pitchFamily="18" charset="0"/>
+              </a:rPr>
+              <a:t>tháng</a:t>
+            </a:r>
+            <a:r>
+              <a:rPr lang="en-US" dirty="0">
+                <a:latin typeface="Cambria" panose="02040503050406030204" pitchFamily="18" charset="0"/>
+                <a:ea typeface="Cambria" panose="02040503050406030204" pitchFamily="18" charset="0"/>
+              </a:rPr>
+              <a:t> 5/2023. Sau </a:t>
+            </a:r>
+            <a:r>
+              <a:rPr lang="en-US" dirty="0" err="1">
+                <a:latin typeface="Cambria" panose="02040503050406030204" pitchFamily="18" charset="0"/>
+                <a:ea typeface="Cambria" panose="02040503050406030204" pitchFamily="18" charset="0"/>
+              </a:rPr>
+              <a:t>đó</a:t>
+            </a:r>
+            <a:r>
+              <a:rPr lang="en-US" dirty="0">
+                <a:latin typeface="Cambria" panose="02040503050406030204" pitchFamily="18" charset="0"/>
+                <a:ea typeface="Cambria" panose="02040503050406030204" pitchFamily="18" charset="0"/>
+              </a:rPr>
+              <a:t> </a:t>
+            </a:r>
+            <a:r>
+              <a:rPr lang="en-US" dirty="0" err="1">
+                <a:latin typeface="Cambria" panose="02040503050406030204" pitchFamily="18" charset="0"/>
+                <a:ea typeface="Cambria" panose="02040503050406030204" pitchFamily="18" charset="0"/>
+              </a:rPr>
+              <a:t>giảm</a:t>
+            </a:r>
+            <a:r>
+              <a:rPr lang="en-US" dirty="0">
+                <a:latin typeface="Cambria" panose="02040503050406030204" pitchFamily="18" charset="0"/>
+                <a:ea typeface="Cambria" panose="02040503050406030204" pitchFamily="18" charset="0"/>
+              </a:rPr>
+              <a:t> </a:t>
+            </a:r>
+            <a:r>
+              <a:rPr lang="en-US" dirty="0" err="1">
+                <a:latin typeface="Cambria" panose="02040503050406030204" pitchFamily="18" charset="0"/>
+                <a:ea typeface="Cambria" panose="02040503050406030204" pitchFamily="18" charset="0"/>
+              </a:rPr>
+              <a:t>dần</a:t>
+            </a:r>
+            <a:r>
+              <a:rPr lang="en-US" dirty="0">
+                <a:latin typeface="Cambria" panose="02040503050406030204" pitchFamily="18" charset="0"/>
+                <a:ea typeface="Cambria" panose="02040503050406030204" pitchFamily="18" charset="0"/>
+              </a:rPr>
+              <a:t>, </a:t>
+            </a:r>
+            <a:r>
+              <a:rPr lang="en-US" dirty="0" err="1">
+                <a:latin typeface="Cambria" panose="02040503050406030204" pitchFamily="18" charset="0"/>
+                <a:ea typeface="Cambria" panose="02040503050406030204" pitchFamily="18" charset="0"/>
+              </a:rPr>
+              <a:t>rồi</a:t>
+            </a:r>
+            <a:r>
+              <a:rPr lang="en-US" dirty="0">
+                <a:latin typeface="Cambria" panose="02040503050406030204" pitchFamily="18" charset="0"/>
+                <a:ea typeface="Cambria" panose="02040503050406030204" pitchFamily="18" charset="0"/>
+              </a:rPr>
+              <a:t> </a:t>
+            </a:r>
+            <a:r>
+              <a:rPr lang="en-US" dirty="0" err="1">
+                <a:latin typeface="Cambria" panose="02040503050406030204" pitchFamily="18" charset="0"/>
+                <a:ea typeface="Cambria" panose="02040503050406030204" pitchFamily="18" charset="0"/>
+              </a:rPr>
+              <a:t>bắt</a:t>
+            </a:r>
+            <a:r>
+              <a:rPr lang="en-US" dirty="0">
+                <a:latin typeface="Cambria" panose="02040503050406030204" pitchFamily="18" charset="0"/>
+                <a:ea typeface="Cambria" panose="02040503050406030204" pitchFamily="18" charset="0"/>
+              </a:rPr>
+              <a:t> </a:t>
+            </a:r>
+            <a:r>
+              <a:rPr lang="en-US" dirty="0" err="1">
+                <a:latin typeface="Cambria" panose="02040503050406030204" pitchFamily="18" charset="0"/>
+                <a:ea typeface="Cambria" panose="02040503050406030204" pitchFamily="18" charset="0"/>
+              </a:rPr>
+              <a:t>đầu</a:t>
+            </a:r>
+            <a:r>
+              <a:rPr lang="en-US" dirty="0">
+                <a:latin typeface="Cambria" panose="02040503050406030204" pitchFamily="18" charset="0"/>
+                <a:ea typeface="Cambria" panose="02040503050406030204" pitchFamily="18" charset="0"/>
+              </a:rPr>
+              <a:t> </a:t>
+            </a:r>
+            <a:r>
+              <a:rPr lang="en-US" dirty="0" err="1">
+                <a:latin typeface="Cambria" panose="02040503050406030204" pitchFamily="18" charset="0"/>
+                <a:ea typeface="Cambria" panose="02040503050406030204" pitchFamily="18" charset="0"/>
+              </a:rPr>
+              <a:t>tăng</a:t>
+            </a:r>
+            <a:r>
+              <a:rPr lang="en-US" dirty="0">
+                <a:latin typeface="Cambria" panose="02040503050406030204" pitchFamily="18" charset="0"/>
+                <a:ea typeface="Cambria" panose="02040503050406030204" pitchFamily="18" charset="0"/>
+              </a:rPr>
+              <a:t> </a:t>
+            </a:r>
+            <a:r>
+              <a:rPr lang="en-US" dirty="0" err="1">
+                <a:latin typeface="Cambria" panose="02040503050406030204" pitchFamily="18" charset="0"/>
+                <a:ea typeface="Cambria" panose="02040503050406030204" pitchFamily="18" charset="0"/>
+              </a:rPr>
+              <a:t>dần</a:t>
+            </a:r>
+            <a:r>
+              <a:rPr lang="en-US" dirty="0">
+                <a:latin typeface="Cambria" panose="02040503050406030204" pitchFamily="18" charset="0"/>
+                <a:ea typeface="Cambria" panose="02040503050406030204" pitchFamily="18" charset="0"/>
+              </a:rPr>
+              <a:t> </a:t>
+            </a:r>
+            <a:r>
+              <a:rPr lang="en-US" dirty="0" err="1">
+                <a:latin typeface="Cambria" panose="02040503050406030204" pitchFamily="18" charset="0"/>
+                <a:ea typeface="Cambria" panose="02040503050406030204" pitchFamily="18" charset="0"/>
+              </a:rPr>
+              <a:t>từ</a:t>
+            </a:r>
+            <a:r>
+              <a:rPr lang="en-US" dirty="0">
+                <a:latin typeface="Cambria" panose="02040503050406030204" pitchFamily="18" charset="0"/>
+                <a:ea typeface="Cambria" panose="02040503050406030204" pitchFamily="18" charset="0"/>
+              </a:rPr>
+              <a:t> </a:t>
+            </a:r>
+            <a:r>
+              <a:rPr lang="en-US" dirty="0" err="1">
+                <a:latin typeface="Cambria" panose="02040503050406030204" pitchFamily="18" charset="0"/>
+                <a:ea typeface="Cambria" panose="02040503050406030204" pitchFamily="18" charset="0"/>
+              </a:rPr>
+              <a:t>tháng</a:t>
+            </a:r>
+            <a:r>
+              <a:rPr lang="en-US" dirty="0">
+                <a:latin typeface="Cambria" panose="02040503050406030204" pitchFamily="18" charset="0"/>
+                <a:ea typeface="Cambria" panose="02040503050406030204" pitchFamily="18" charset="0"/>
+              </a:rPr>
+              <a:t> 08/2023, </a:t>
+            </a:r>
+            <a:r>
+              <a:rPr lang="en-US" dirty="0" err="1">
+                <a:latin typeface="Cambria" panose="02040503050406030204" pitchFamily="18" charset="0"/>
+                <a:ea typeface="Cambria" panose="02040503050406030204" pitchFamily="18" charset="0"/>
+              </a:rPr>
+              <a:t>và</a:t>
+            </a:r>
+            <a:r>
+              <a:rPr lang="en-US" dirty="0">
+                <a:latin typeface="Cambria" panose="02040503050406030204" pitchFamily="18" charset="0"/>
+                <a:ea typeface="Cambria" panose="02040503050406030204" pitchFamily="18" charset="0"/>
+              </a:rPr>
+              <a:t> </a:t>
+            </a:r>
+            <a:r>
+              <a:rPr lang="en-US" dirty="0" err="1">
+                <a:latin typeface="Cambria" panose="02040503050406030204" pitchFamily="18" charset="0"/>
+                <a:ea typeface="Cambria" panose="02040503050406030204" pitchFamily="18" charset="0"/>
+              </a:rPr>
+              <a:t>đạt</a:t>
+            </a:r>
+            <a:r>
+              <a:rPr lang="en-US" dirty="0">
+                <a:latin typeface="Cambria" panose="02040503050406030204" pitchFamily="18" charset="0"/>
+                <a:ea typeface="Cambria" panose="02040503050406030204" pitchFamily="18" charset="0"/>
+              </a:rPr>
+              <a:t> </a:t>
+            </a:r>
+            <a:r>
+              <a:rPr lang="en-US" dirty="0" err="1">
+                <a:latin typeface="Cambria" panose="02040503050406030204" pitchFamily="18" charset="0"/>
+                <a:ea typeface="Cambria" panose="02040503050406030204" pitchFamily="18" charset="0"/>
+              </a:rPr>
+              <a:t>đỉnh</a:t>
+            </a:r>
+            <a:r>
+              <a:rPr lang="en-US" dirty="0">
+                <a:latin typeface="Cambria" panose="02040503050406030204" pitchFamily="18" charset="0"/>
+                <a:ea typeface="Cambria" panose="02040503050406030204" pitchFamily="18" charset="0"/>
+              </a:rPr>
+              <a:t> </a:t>
+            </a:r>
+            <a:r>
+              <a:rPr lang="en-US" dirty="0" err="1">
+                <a:latin typeface="Cambria" panose="02040503050406030204" pitchFamily="18" charset="0"/>
+                <a:ea typeface="Cambria" panose="02040503050406030204" pitchFamily="18" charset="0"/>
+              </a:rPr>
+              <a:t>tại</a:t>
+            </a:r>
+            <a:r>
+              <a:rPr lang="en-US" dirty="0">
+                <a:latin typeface="Cambria" panose="02040503050406030204" pitchFamily="18" charset="0"/>
+                <a:ea typeface="Cambria" panose="02040503050406030204" pitchFamily="18" charset="0"/>
+              </a:rPr>
+              <a:t> </a:t>
+            </a:r>
+            <a:r>
+              <a:rPr lang="en-US" dirty="0" err="1">
+                <a:latin typeface="Cambria" panose="02040503050406030204" pitchFamily="18" charset="0"/>
+                <a:ea typeface="Cambria" panose="02040503050406030204" pitchFamily="18" charset="0"/>
+              </a:rPr>
+              <a:t>tháng</a:t>
+            </a:r>
+            <a:r>
+              <a:rPr lang="en-US" dirty="0">
+                <a:latin typeface="Cambria" panose="02040503050406030204" pitchFamily="18" charset="0"/>
+                <a:ea typeface="Cambria" panose="02040503050406030204" pitchFamily="18" charset="0"/>
+              </a:rPr>
+              <a:t> 12/2023 (8.9 </a:t>
+            </a:r>
+            <a:r>
+              <a:rPr lang="en-US" dirty="0" err="1">
+                <a:latin typeface="Cambria" panose="02040503050406030204" pitchFamily="18" charset="0"/>
+                <a:ea typeface="Cambria" panose="02040503050406030204" pitchFamily="18" charset="0"/>
+              </a:rPr>
+              <a:t>tỷ</a:t>
+            </a:r>
+            <a:r>
+              <a:rPr lang="en-US" dirty="0">
+                <a:latin typeface="Cambria" panose="02040503050406030204" pitchFamily="18" charset="0"/>
+                <a:ea typeface="Cambria" panose="02040503050406030204" pitchFamily="18" charset="0"/>
+              </a:rPr>
+              <a:t>).</a:t>
+            </a:r>
+          </a:p>
+        </p:txBody>
+      </p:sp>
     </p:spTree>
     <p:extLst>
       <p:ext uri="{BB962C8B-B14F-4D97-AF65-F5344CB8AC3E}">
@@ -10015,13 +11814,6 @@
   <p:clrMapOvr>
     <a:masterClrMapping/>
   </p:clrMapOvr>
-  <p:timing>
-    <p:tnLst>
-      <p:par>
-        <p:cTn id="1" dur="indefinite" restart="never" nodeType="tmRoot"/>
-      </p:par>
-    </p:tnLst>
-  </p:timing>
 </p:sld>
 </file>
 
@@ -10088,13 +11880,6 @@
   <p:transition spd="slow">
     <p:push dir="u"/>
   </p:transition>
-  <p:timing>
-    <p:tnLst>
-      <p:par>
-        <p:cTn id="1" dur="indefinite" restart="never" nodeType="tmRoot"/>
-      </p:par>
-    </p:tnLst>
-  </p:timing>
 </p:sld>
 </file>
 
